--- a/VANET.pptx
+++ b/VANET.pptx
@@ -930,11 +930,11 @@
 </file>
 
 <file path=ppt/diagrams/colors2.xml><?xml version="1.0" encoding="utf-8"?>
-<dgm:colorsDef xmlns:dgm="http://schemas.openxmlformats.org/drawingml/2006/diagram" xmlns:a="http://schemas.openxmlformats.org/drawingml/2006/main" uniqueId="urn:microsoft.com/office/officeart/2005/8/colors/accent1_2">
+<dgm:colorsDef xmlns:dgm="http://schemas.openxmlformats.org/drawingml/2006/diagram" xmlns:a="http://schemas.openxmlformats.org/drawingml/2006/main" uniqueId="urn:microsoft.com/office/officeart/2005/8/colors/colorful2">
   <dgm:title val=""/>
   <dgm:desc val=""/>
   <dgm:catLst>
-    <dgm:cat type="accent1" pri="11200"/>
+    <dgm:cat type="colorful" pri="10200"/>
   </dgm:catLst>
   <dgm:styleLbl name="node0">
     <dgm:fillClrLst meth="repeat">
@@ -948,21 +948,10 @@
     <dgm:txFillClrLst/>
     <dgm:txEffectClrLst/>
   </dgm:styleLbl>
-  <dgm:styleLbl name="alignNode1">
-    <dgm:fillClrLst meth="repeat">
-      <a:schemeClr val="accent1"/>
-    </dgm:fillClrLst>
-    <dgm:linClrLst meth="repeat">
-      <a:schemeClr val="accent1"/>
-    </dgm:linClrLst>
-    <dgm:effectClrLst/>
-    <dgm:txLinClrLst/>
-    <dgm:txFillClrLst/>
-    <dgm:txEffectClrLst/>
-  </dgm:styleLbl>
   <dgm:styleLbl name="node1">
-    <dgm:fillClrLst meth="repeat">
-      <a:schemeClr val="accent1"/>
+    <dgm:fillClrLst>
+      <a:schemeClr val="accent2"/>
+      <a:schemeClr val="accent3"/>
     </dgm:fillClrLst>
     <dgm:linClrLst meth="repeat">
       <a:schemeClr val="lt1"/>
@@ -972,9 +961,24 @@
     <dgm:txFillClrLst/>
     <dgm:txEffectClrLst/>
   </dgm:styleLbl>
+  <dgm:styleLbl name="alignNode1">
+    <dgm:fillClrLst>
+      <a:schemeClr val="accent2"/>
+      <a:schemeClr val="accent3"/>
+    </dgm:fillClrLst>
+    <dgm:linClrLst>
+      <a:schemeClr val="accent2"/>
+      <a:schemeClr val="accent3"/>
+    </dgm:linClrLst>
+    <dgm:effectClrLst/>
+    <dgm:txLinClrLst/>
+    <dgm:txFillClrLst/>
+    <dgm:txEffectClrLst/>
+  </dgm:styleLbl>
   <dgm:styleLbl name="lnNode1">
-    <dgm:fillClrLst meth="repeat">
-      <a:schemeClr val="accent1"/>
+    <dgm:fillClrLst>
+      <a:schemeClr val="accent2"/>
+      <a:schemeClr val="accent3"/>
     </dgm:fillClrLst>
     <dgm:linClrLst meth="repeat">
       <a:schemeClr val="lt1"/>
@@ -985,8 +989,11 @@
     <dgm:txEffectClrLst/>
   </dgm:styleLbl>
   <dgm:styleLbl name="vennNode1">
-    <dgm:fillClrLst meth="repeat">
-      <a:schemeClr val="accent1">
+    <dgm:fillClrLst>
+      <a:schemeClr val="accent2">
+        <a:alpha val="50000"/>
+      </a:schemeClr>
+      <a:schemeClr val="accent3">
         <a:alpha val="50000"/>
       </a:schemeClr>
     </dgm:fillClrLst>
@@ -999,8 +1006,8 @@
     <dgm:txEffectClrLst/>
   </dgm:styleLbl>
   <dgm:styleLbl name="node2">
-    <dgm:fillClrLst meth="repeat">
-      <a:schemeClr val="accent1"/>
+    <dgm:fillClrLst>
+      <a:schemeClr val="accent3"/>
     </dgm:fillClrLst>
     <dgm:linClrLst meth="repeat">
       <a:schemeClr val="lt1"/>
@@ -1011,8 +1018,8 @@
     <dgm:txEffectClrLst/>
   </dgm:styleLbl>
   <dgm:styleLbl name="node3">
-    <dgm:fillClrLst meth="repeat">
-      <a:schemeClr val="accent1"/>
+    <dgm:fillClrLst>
+      <a:schemeClr val="accent4"/>
     </dgm:fillClrLst>
     <dgm:linClrLst meth="repeat">
       <a:schemeClr val="lt1"/>
@@ -1023,8 +1030,8 @@
     <dgm:txEffectClrLst/>
   </dgm:styleLbl>
   <dgm:styleLbl name="node4">
-    <dgm:fillClrLst meth="repeat">
-      <a:schemeClr val="accent1"/>
+    <dgm:fillClrLst>
+      <a:schemeClr val="accent5"/>
     </dgm:fillClrLst>
     <dgm:linClrLst meth="repeat">
       <a:schemeClr val="lt1"/>
@@ -1035,8 +1042,11 @@
     <dgm:txEffectClrLst/>
   </dgm:styleLbl>
   <dgm:styleLbl name="fgImgPlace1">
-    <dgm:fillClrLst meth="repeat">
-      <a:schemeClr val="accent1">
+    <dgm:fillClrLst>
+      <a:schemeClr val="accent2">
+        <a:tint val="50000"/>
+      </a:schemeClr>
+      <a:schemeClr val="accent3">
         <a:tint val="50000"/>
       </a:schemeClr>
     </dgm:fillClrLst>
@@ -1051,9 +1061,12 @@
     <dgm:txEffectClrLst/>
   </dgm:styleLbl>
   <dgm:styleLbl name="alignImgPlace1">
-    <dgm:fillClrLst meth="repeat">
-      <a:schemeClr val="accent1">
+    <dgm:fillClrLst>
+      <a:schemeClr val="accent2">
         <a:tint val="50000"/>
+      </a:schemeClr>
+      <a:schemeClr val="accent3">
+        <a:tint val="20000"/>
       </a:schemeClr>
     </dgm:fillClrLst>
     <dgm:linClrLst meth="repeat">
@@ -1067,9 +1080,12 @@
     <dgm:txEffectClrLst/>
   </dgm:styleLbl>
   <dgm:styleLbl name="bgImgPlace1">
-    <dgm:fillClrLst meth="repeat">
-      <a:schemeClr val="accent1">
+    <dgm:fillClrLst>
+      <a:schemeClr val="accent2">
         <a:tint val="50000"/>
+      </a:schemeClr>
+      <a:schemeClr val="accent3">
+        <a:tint val="20000"/>
       </a:schemeClr>
     </dgm:fillClrLst>
     <dgm:linClrLst meth="repeat">
@@ -1083,15 +1099,12 @@
     <dgm:txEffectClrLst/>
   </dgm:styleLbl>
   <dgm:styleLbl name="sibTrans2D1">
-    <dgm:fillClrLst meth="repeat">
-      <a:schemeClr val="accent1">
-        <a:tint val="60000"/>
-      </a:schemeClr>
+    <dgm:fillClrLst>
+      <a:schemeClr val="accent2"/>
+      <a:schemeClr val="accent3"/>
     </dgm:fillClrLst>
     <dgm:linClrLst meth="repeat">
-      <a:schemeClr val="accent1">
-        <a:tint val="60000"/>
-      </a:schemeClr>
+      <a:schemeClr val="lt1"/>
     </dgm:linClrLst>
     <dgm:effectClrLst/>
     <dgm:txLinClrLst/>
@@ -1099,43 +1112,40 @@
     <dgm:txEffectClrLst/>
   </dgm:styleLbl>
   <dgm:styleLbl name="fgSibTrans2D1">
-    <dgm:fillClrLst meth="repeat">
-      <a:schemeClr val="accent1">
-        <a:tint val="60000"/>
-      </a:schemeClr>
+    <dgm:fillClrLst>
+      <a:schemeClr val="accent2"/>
+      <a:schemeClr val="accent3"/>
     </dgm:fillClrLst>
     <dgm:linClrLst meth="repeat">
-      <a:schemeClr val="accent1">
-        <a:tint val="60000"/>
-      </a:schemeClr>
-    </dgm:linClrLst>
-    <dgm:effectClrLst/>
-    <dgm:txLinClrLst/>
-    <dgm:txFillClrLst/>
+      <a:schemeClr val="lt1"/>
+    </dgm:linClrLst>
+    <dgm:effectClrLst/>
+    <dgm:txLinClrLst/>
+    <dgm:txFillClrLst meth="repeat">
+      <a:schemeClr val="lt1"/>
+    </dgm:txFillClrLst>
     <dgm:txEffectClrLst/>
   </dgm:styleLbl>
   <dgm:styleLbl name="bgSibTrans2D1">
-    <dgm:fillClrLst meth="repeat">
-      <a:schemeClr val="accent1">
-        <a:tint val="60000"/>
-      </a:schemeClr>
+    <dgm:fillClrLst>
+      <a:schemeClr val="accent2"/>
+      <a:schemeClr val="accent3"/>
     </dgm:fillClrLst>
     <dgm:linClrLst meth="repeat">
-      <a:schemeClr val="accent1">
-        <a:tint val="60000"/>
-      </a:schemeClr>
-    </dgm:linClrLst>
-    <dgm:effectClrLst/>
-    <dgm:txLinClrLst/>
-    <dgm:txFillClrLst/>
+      <a:schemeClr val="lt1"/>
+    </dgm:linClrLst>
+    <dgm:effectClrLst/>
+    <dgm:txLinClrLst/>
+    <dgm:txFillClrLst meth="repeat">
+      <a:schemeClr val="lt1"/>
+    </dgm:txFillClrLst>
     <dgm:txEffectClrLst/>
   </dgm:styleLbl>
   <dgm:styleLbl name="sibTrans1D1">
-    <dgm:fillClrLst meth="repeat">
-      <a:schemeClr val="accent1"/>
-    </dgm:fillClrLst>
-    <dgm:linClrLst meth="repeat">
-      <a:schemeClr val="accent1"/>
+    <dgm:fillClrLst/>
+    <dgm:linClrLst>
+      <a:schemeClr val="accent2"/>
+      <a:schemeClr val="accent3"/>
     </dgm:linClrLst>
     <dgm:effectClrLst/>
     <dgm:txLinClrLst/>
@@ -1146,10 +1156,10 @@
   </dgm:styleLbl>
   <dgm:styleLbl name="callout">
     <dgm:fillClrLst meth="repeat">
-      <a:schemeClr val="accent1"/>
+      <a:schemeClr val="accent2"/>
     </dgm:fillClrLst>
     <dgm:linClrLst meth="repeat">
-      <a:schemeClr val="accent1">
+      <a:schemeClr val="accent2">
         <a:tint val="50000"/>
       </a:schemeClr>
     </dgm:linClrLst>
@@ -1162,7 +1172,35 @@
   </dgm:styleLbl>
   <dgm:styleLbl name="asst0">
     <dgm:fillClrLst meth="repeat">
-      <a:schemeClr val="accent1"/>
+      <a:schemeClr val="accent2"/>
+    </dgm:fillClrLst>
+    <dgm:linClrLst meth="repeat">
+      <a:schemeClr val="lt1">
+        <a:shade val="80000"/>
+      </a:schemeClr>
+    </dgm:linClrLst>
+    <dgm:effectClrLst/>
+    <dgm:txLinClrLst/>
+    <dgm:txFillClrLst/>
+    <dgm:txEffectClrLst/>
+  </dgm:styleLbl>
+  <dgm:styleLbl name="asst1">
+    <dgm:fillClrLst meth="repeat">
+      <a:schemeClr val="accent3"/>
+    </dgm:fillClrLst>
+    <dgm:linClrLst meth="repeat">
+      <a:schemeClr val="lt1">
+        <a:shade val="80000"/>
+      </a:schemeClr>
+    </dgm:linClrLst>
+    <dgm:effectClrLst/>
+    <dgm:txLinClrLst/>
+    <dgm:txFillClrLst/>
+    <dgm:txEffectClrLst/>
+  </dgm:styleLbl>
+  <dgm:styleLbl name="asst2">
+    <dgm:fillClrLst>
+      <a:schemeClr val="accent4"/>
     </dgm:fillClrLst>
     <dgm:linClrLst meth="repeat">
       <a:schemeClr val="lt1"/>
@@ -1172,9 +1210,9 @@
     <dgm:txFillClrLst/>
     <dgm:txEffectClrLst/>
   </dgm:styleLbl>
-  <dgm:styleLbl name="asst1">
-    <dgm:fillClrLst meth="repeat">
-      <a:schemeClr val="accent1"/>
+  <dgm:styleLbl name="asst3">
+    <dgm:fillClrLst>
+      <a:schemeClr val="accent5"/>
     </dgm:fillClrLst>
     <dgm:linClrLst meth="repeat">
       <a:schemeClr val="lt1"/>
@@ -1184,9 +1222,9 @@
     <dgm:txFillClrLst/>
     <dgm:txEffectClrLst/>
   </dgm:styleLbl>
-  <dgm:styleLbl name="asst2">
-    <dgm:fillClrLst meth="repeat">
-      <a:schemeClr val="accent1"/>
+  <dgm:styleLbl name="asst4">
+    <dgm:fillClrLst>
+      <a:schemeClr val="accent6"/>
     </dgm:fillClrLst>
     <dgm:linClrLst meth="repeat">
       <a:schemeClr val="lt1"/>
@@ -1196,40 +1234,12 @@
     <dgm:txFillClrLst/>
     <dgm:txEffectClrLst/>
   </dgm:styleLbl>
-  <dgm:styleLbl name="asst3">
+  <dgm:styleLbl name="parChTrans2D1">
     <dgm:fillClrLst meth="repeat">
-      <a:schemeClr val="accent1"/>
+      <a:schemeClr val="accent2"/>
     </dgm:fillClrLst>
     <dgm:linClrLst meth="repeat">
       <a:schemeClr val="lt1"/>
-    </dgm:linClrLst>
-    <dgm:effectClrLst/>
-    <dgm:txLinClrLst/>
-    <dgm:txFillClrLst/>
-    <dgm:txEffectClrLst/>
-  </dgm:styleLbl>
-  <dgm:styleLbl name="asst4">
-    <dgm:fillClrLst meth="repeat">
-      <a:schemeClr val="accent1"/>
-    </dgm:fillClrLst>
-    <dgm:linClrLst meth="repeat">
-      <a:schemeClr val="lt1"/>
-    </dgm:linClrLst>
-    <dgm:effectClrLst/>
-    <dgm:txLinClrLst/>
-    <dgm:txFillClrLst/>
-    <dgm:txEffectClrLst/>
-  </dgm:styleLbl>
-  <dgm:styleLbl name="parChTrans2D1">
-    <dgm:fillClrLst meth="repeat">
-      <a:schemeClr val="accent1">
-        <a:tint val="60000"/>
-      </a:schemeClr>
-    </dgm:fillClrLst>
-    <dgm:linClrLst meth="repeat">
-      <a:schemeClr val="accent1">
-        <a:tint val="60000"/>
-      </a:schemeClr>
     </dgm:linClrLst>
     <dgm:effectClrLst/>
     <dgm:txLinClrLst/>
@@ -1240,10 +1250,34 @@
   </dgm:styleLbl>
   <dgm:styleLbl name="parChTrans2D2">
     <dgm:fillClrLst meth="repeat">
-      <a:schemeClr val="accent1"/>
+      <a:schemeClr val="accent3"/>
     </dgm:fillClrLst>
     <dgm:linClrLst meth="repeat">
-      <a:schemeClr val="accent1"/>
+      <a:schemeClr val="lt1"/>
+    </dgm:linClrLst>
+    <dgm:effectClrLst/>
+    <dgm:txLinClrLst/>
+    <dgm:txFillClrLst/>
+    <dgm:txEffectClrLst/>
+  </dgm:styleLbl>
+  <dgm:styleLbl name="parChTrans2D3">
+    <dgm:fillClrLst meth="repeat">
+      <a:schemeClr val="accent4"/>
+    </dgm:fillClrLst>
+    <dgm:linClrLst meth="repeat">
+      <a:schemeClr val="lt1"/>
+    </dgm:linClrLst>
+    <dgm:effectClrLst/>
+    <dgm:txLinClrLst/>
+    <dgm:txFillClrLst/>
+    <dgm:txEffectClrLst/>
+  </dgm:styleLbl>
+  <dgm:styleLbl name="parChTrans2D4">
+    <dgm:fillClrLst meth="repeat">
+      <a:schemeClr val="accent5"/>
+    </dgm:fillClrLst>
+    <dgm:linClrLst meth="repeat">
+      <a:schemeClr val="lt1"/>
     </dgm:linClrLst>
     <dgm:effectClrLst/>
     <dgm:txLinClrLst/>
@@ -1252,42 +1286,12 @@
     </dgm:txFillClrLst>
     <dgm:txEffectClrLst/>
   </dgm:styleLbl>
-  <dgm:styleLbl name="parChTrans2D3">
-    <dgm:fillClrLst meth="repeat">
-      <a:schemeClr val="accent1"/>
-    </dgm:fillClrLst>
-    <dgm:linClrLst meth="repeat">
-      <a:schemeClr val="accent1"/>
-    </dgm:linClrLst>
-    <dgm:effectClrLst/>
-    <dgm:txLinClrLst/>
-    <dgm:txFillClrLst meth="repeat">
-      <a:schemeClr val="lt1"/>
-    </dgm:txFillClrLst>
-    <dgm:txEffectClrLst/>
-  </dgm:styleLbl>
-  <dgm:styleLbl name="parChTrans2D4">
-    <dgm:fillClrLst meth="repeat">
-      <a:schemeClr val="accent1"/>
-    </dgm:fillClrLst>
-    <dgm:linClrLst meth="repeat">
-      <a:schemeClr val="accent1"/>
-    </dgm:linClrLst>
-    <dgm:effectClrLst/>
-    <dgm:txLinClrLst/>
-    <dgm:txFillClrLst meth="repeat">
-      <a:schemeClr val="lt1"/>
-    </dgm:txFillClrLst>
-    <dgm:txEffectClrLst/>
-  </dgm:styleLbl>
   <dgm:styleLbl name="parChTrans1D1">
     <dgm:fillClrLst meth="repeat">
-      <a:schemeClr val="accent1"/>
+      <a:schemeClr val="accent2"/>
     </dgm:fillClrLst>
     <dgm:linClrLst meth="repeat">
-      <a:schemeClr val="accent1">
-        <a:shade val="60000"/>
-      </a:schemeClr>
+      <a:schemeClr val="accent2"/>
     </dgm:linClrLst>
     <dgm:effectClrLst/>
     <dgm:txLinClrLst/>
@@ -1298,12 +1302,12 @@
   </dgm:styleLbl>
   <dgm:styleLbl name="parChTrans1D2">
     <dgm:fillClrLst meth="repeat">
-      <a:schemeClr val="accent1"/>
+      <a:schemeClr val="accent2">
+        <a:tint val="90000"/>
+      </a:schemeClr>
     </dgm:fillClrLst>
     <dgm:linClrLst meth="repeat">
-      <a:schemeClr val="accent1">
-        <a:shade val="60000"/>
-      </a:schemeClr>
+      <a:schemeClr val="accent3"/>
     </dgm:linClrLst>
     <dgm:effectClrLst/>
     <dgm:txLinClrLst/>
@@ -1314,12 +1318,12 @@
   </dgm:styleLbl>
   <dgm:styleLbl name="parChTrans1D3">
     <dgm:fillClrLst meth="repeat">
-      <a:schemeClr val="accent1"/>
+      <a:schemeClr val="accent2">
+        <a:tint val="70000"/>
+      </a:schemeClr>
     </dgm:fillClrLst>
     <dgm:linClrLst meth="repeat">
-      <a:schemeClr val="accent1">
-        <a:shade val="80000"/>
-      </a:schemeClr>
+      <a:schemeClr val="accent4"/>
     </dgm:linClrLst>
     <dgm:effectClrLst/>
     <dgm:txLinClrLst/>
@@ -1330,12 +1334,12 @@
   </dgm:styleLbl>
   <dgm:styleLbl name="parChTrans1D4">
     <dgm:fillClrLst meth="repeat">
-      <a:schemeClr val="accent1"/>
+      <a:schemeClr val="accent2">
+        <a:tint val="50000"/>
+      </a:schemeClr>
     </dgm:fillClrLst>
     <dgm:linClrLst meth="repeat">
-      <a:schemeClr val="accent1">
-        <a:shade val="80000"/>
-      </a:schemeClr>
+      <a:schemeClr val="accent5"/>
     </dgm:linClrLst>
     <dgm:effectClrLst/>
     <dgm:txLinClrLst/>
@@ -1350,8 +1354,9 @@
         <a:alpha val="90000"/>
       </a:schemeClr>
     </dgm:fillClrLst>
-    <dgm:linClrLst meth="repeat">
-      <a:schemeClr val="accent1"/>
+    <dgm:linClrLst>
+      <a:schemeClr val="accent2"/>
+      <a:schemeClr val="accent3"/>
     </dgm:linClrLst>
     <dgm:effectClrLst/>
     <dgm:txLinClrLst/>
@@ -1366,8 +1371,9 @@
         <a:alpha val="90000"/>
       </a:schemeClr>
     </dgm:fillClrLst>
-    <dgm:linClrLst meth="repeat">
-      <a:schemeClr val="accent1"/>
+    <dgm:linClrLst>
+      <a:schemeClr val="accent2"/>
+      <a:schemeClr val="accent3"/>
     </dgm:linClrLst>
     <dgm:effectClrLst/>
     <dgm:txLinClrLst/>
@@ -1382,8 +1388,9 @@
         <a:alpha val="90000"/>
       </a:schemeClr>
     </dgm:fillClrLst>
-    <dgm:linClrLst meth="repeat">
-      <a:schemeClr val="accent1"/>
+    <dgm:linClrLst>
+      <a:schemeClr val="accent2"/>
+      <a:schemeClr val="accent3"/>
     </dgm:linClrLst>
     <dgm:effectClrLst/>
     <dgm:txLinClrLst/>
@@ -1399,7 +1406,7 @@
       </a:schemeClr>
     </dgm:fillClrLst>
     <dgm:linClrLst meth="repeat">
-      <a:schemeClr val="accent1"/>
+      <a:schemeClr val="accent2"/>
     </dgm:linClrLst>
     <dgm:effectClrLst/>
     <dgm:txLinClrLst/>
@@ -1414,8 +1421,9 @@
         <a:alpha val="90000"/>
       </a:schemeClr>
     </dgm:fillClrLst>
-    <dgm:linClrLst meth="repeat">
-      <a:schemeClr val="accent1"/>
+    <dgm:linClrLst>
+      <a:schemeClr val="accent2"/>
+      <a:schemeClr val="accent3"/>
     </dgm:linClrLst>
     <dgm:effectClrLst/>
     <dgm:txLinClrLst/>
@@ -1428,8 +1436,9 @@
     <dgm:fillClrLst meth="repeat">
       <a:schemeClr val="lt1"/>
     </dgm:fillClrLst>
-    <dgm:linClrLst meth="repeat">
-      <a:schemeClr val="accent1"/>
+    <dgm:linClrLst>
+      <a:schemeClr val="accent2"/>
+      <a:schemeClr val="accent3"/>
     </dgm:linClrLst>
     <dgm:effectClrLst/>
     <dgm:txLinClrLst/>
@@ -1442,8 +1451,9 @@
     <dgm:fillClrLst meth="repeat">
       <a:schemeClr val="lt1"/>
     </dgm:fillClrLst>
-    <dgm:linClrLst meth="repeat">
-      <a:schemeClr val="accent1"/>
+    <dgm:linClrLst>
+      <a:schemeClr val="accent2"/>
+      <a:schemeClr val="accent3"/>
     </dgm:linClrLst>
     <dgm:effectClrLst/>
     <dgm:txLinClrLst/>
@@ -1456,8 +1466,9 @@
     <dgm:fillClrLst meth="repeat">
       <a:schemeClr val="lt1"/>
     </dgm:fillClrLst>
-    <dgm:linClrLst meth="repeat">
-      <a:schemeClr val="accent1"/>
+    <dgm:linClrLst>
+      <a:schemeClr val="accent2"/>
+      <a:schemeClr val="accent3"/>
     </dgm:linClrLst>
     <dgm:effectClrLst/>
     <dgm:txLinClrLst/>
@@ -1467,16 +1478,24 @@
     <dgm:txEffectClrLst/>
   </dgm:styleLbl>
   <dgm:styleLbl name="fgAccFollowNode1">
-    <dgm:fillClrLst meth="repeat">
-      <a:schemeClr val="accent1">
+    <dgm:fillClrLst>
+      <a:schemeClr val="accent2">
+        <a:tint val="40000"/>
         <a:alpha val="90000"/>
+      </a:schemeClr>
+      <a:schemeClr val="accent3">
         <a:tint val="40000"/>
-      </a:schemeClr>
-    </dgm:fillClrLst>
-    <dgm:linClrLst meth="repeat">
-      <a:schemeClr val="accent1">
         <a:alpha val="90000"/>
+      </a:schemeClr>
+    </dgm:fillClrLst>
+    <dgm:linClrLst>
+      <a:schemeClr val="accent2">
         <a:tint val="40000"/>
+        <a:alpha val="90000"/>
+      </a:schemeClr>
+      <a:schemeClr val="accent3">
+        <a:tint val="40000"/>
+        <a:alpha val="90000"/>
       </a:schemeClr>
     </dgm:linClrLst>
     <dgm:effectClrLst/>
@@ -1487,16 +1506,24 @@
     <dgm:txEffectClrLst/>
   </dgm:styleLbl>
   <dgm:styleLbl name="alignAccFollowNode1">
-    <dgm:fillClrLst meth="repeat">
-      <a:schemeClr val="accent1">
+    <dgm:fillClrLst>
+      <a:schemeClr val="accent2">
+        <a:tint val="40000"/>
         <a:alpha val="90000"/>
+      </a:schemeClr>
+      <a:schemeClr val="accent3">
         <a:tint val="40000"/>
-      </a:schemeClr>
-    </dgm:fillClrLst>
-    <dgm:linClrLst meth="repeat">
-      <a:schemeClr val="accent1">
         <a:alpha val="90000"/>
+      </a:schemeClr>
+    </dgm:fillClrLst>
+    <dgm:linClrLst>
+      <a:schemeClr val="accent2">
         <a:tint val="40000"/>
+        <a:alpha val="90000"/>
+      </a:schemeClr>
+      <a:schemeClr val="accent3">
+        <a:tint val="40000"/>
+        <a:alpha val="90000"/>
       </a:schemeClr>
     </dgm:linClrLst>
     <dgm:effectClrLst/>
@@ -1507,16 +1534,24 @@
     <dgm:txEffectClrLst/>
   </dgm:styleLbl>
   <dgm:styleLbl name="bgAccFollowNode1">
-    <dgm:fillClrLst meth="repeat">
-      <a:schemeClr val="accent1">
+    <dgm:fillClrLst>
+      <a:schemeClr val="accent2">
+        <a:tint val="40000"/>
         <a:alpha val="90000"/>
+      </a:schemeClr>
+      <a:schemeClr val="accent3">
         <a:tint val="40000"/>
-      </a:schemeClr>
-    </dgm:fillClrLst>
-    <dgm:linClrLst meth="repeat">
-      <a:schemeClr val="accent1">
         <a:alpha val="90000"/>
+      </a:schemeClr>
+    </dgm:fillClrLst>
+    <dgm:linClrLst>
+      <a:schemeClr val="accent2">
         <a:tint val="40000"/>
+        <a:alpha val="90000"/>
+      </a:schemeClr>
+      <a:schemeClr val="accent3">
+        <a:tint val="40000"/>
+        <a:alpha val="90000"/>
       </a:schemeClr>
     </dgm:linClrLst>
     <dgm:effectClrLst/>
@@ -1532,7 +1567,7 @@
         <a:alpha val="90000"/>
       </a:schemeClr>
     </dgm:fillClrLst>
-    <dgm:linClrLst meth="repeat">
+    <dgm:linClrLst>
       <a:schemeClr val="accent1"/>
     </dgm:linClrLst>
     <dgm:effectClrLst/>
@@ -1548,8 +1583,8 @@
         <a:alpha val="90000"/>
       </a:schemeClr>
     </dgm:fillClrLst>
-    <dgm:linClrLst meth="repeat">
-      <a:schemeClr val="accent1"/>
+    <dgm:linClrLst>
+      <a:schemeClr val="accent3"/>
     </dgm:linClrLst>
     <dgm:effectClrLst/>
     <dgm:txLinClrLst/>
@@ -1564,8 +1599,8 @@
         <a:alpha val="90000"/>
       </a:schemeClr>
     </dgm:fillClrLst>
-    <dgm:linClrLst meth="repeat">
-      <a:schemeClr val="accent1"/>
+    <dgm:linClrLst>
+      <a:schemeClr val="accent4"/>
     </dgm:linClrLst>
     <dgm:effectClrLst/>
     <dgm:txLinClrLst/>
@@ -1580,8 +1615,8 @@
         <a:alpha val="90000"/>
       </a:schemeClr>
     </dgm:fillClrLst>
-    <dgm:linClrLst meth="repeat">
-      <a:schemeClr val="accent1"/>
+    <dgm:linClrLst>
+      <a:schemeClr val="accent5"/>
     </dgm:linClrLst>
     <dgm:effectClrLst/>
     <dgm:txLinClrLst/>
@@ -1592,12 +1627,12 @@
   </dgm:styleLbl>
   <dgm:styleLbl name="bgShp">
     <dgm:fillClrLst meth="repeat">
-      <a:schemeClr val="accent1">
+      <a:schemeClr val="accent2">
         <a:tint val="40000"/>
       </a:schemeClr>
     </dgm:fillClrLst>
     <dgm:linClrLst meth="repeat">
-      <a:schemeClr val="accent1"/>
+      <a:schemeClr val="dk1"/>
     </dgm:linClrLst>
     <dgm:effectClrLst/>
     <dgm:txLinClrLst/>
@@ -1608,12 +1643,12 @@
   </dgm:styleLbl>
   <dgm:styleLbl name="dkBgShp">
     <dgm:fillClrLst meth="repeat">
-      <a:schemeClr val="accent1">
-        <a:shade val="80000"/>
+      <a:schemeClr val="accent2">
+        <a:shade val="90000"/>
       </a:schemeClr>
     </dgm:fillClrLst>
     <dgm:linClrLst meth="repeat">
-      <a:schemeClr val="accent1"/>
+      <a:schemeClr val="dk1"/>
     </dgm:linClrLst>
     <dgm:effectClrLst/>
     <dgm:txLinClrLst/>
@@ -1624,13 +1659,13 @@
   </dgm:styleLbl>
   <dgm:styleLbl name="trBgShp">
     <dgm:fillClrLst meth="repeat">
-      <a:schemeClr val="accent1">
+      <a:schemeClr val="accent2">
         <a:tint val="50000"/>
         <a:alpha val="40000"/>
       </a:schemeClr>
     </dgm:fillClrLst>
     <dgm:linClrLst meth="repeat">
-      <a:schemeClr val="accent1"/>
+      <a:schemeClr val="accent2"/>
     </dgm:linClrLst>
     <dgm:effectClrLst/>
     <dgm:txLinClrLst/>
@@ -1641,8 +1676,8 @@
   </dgm:styleLbl>
   <dgm:styleLbl name="fgShp">
     <dgm:fillClrLst meth="repeat">
-      <a:schemeClr val="accent1">
-        <a:tint val="60000"/>
+      <a:schemeClr val="accent2">
+        <a:tint val="40000"/>
       </a:schemeClr>
     </dgm:fillClrLst>
     <dgm:linClrLst meth="repeat">
@@ -7969,19 +8004,19 @@
     </dgm:pt>
   </dgm:ptLst>
   <dgm:cxnLst>
+    <dgm:cxn modelId="{92F9FED5-A7B3-4C9F-9889-66AFC4DCBE8A}" type="presOf" srcId="{D96C5C8F-E42D-4690-A3B3-3F45F9F8320B}" destId="{351014B6-E96D-4E18-9373-5E214AC6BDB2}" srcOrd="0" destOrd="0" presId="urn:microsoft.com/office/officeart/2005/8/layout/cycle7"/>
+    <dgm:cxn modelId="{5AE79135-372B-4EAD-96F1-1D531C8AE6B7}" type="presOf" srcId="{91DB8702-6BC9-4302-89DD-E99DFFC6A079}" destId="{4191528A-43DC-44C1-8D0E-911C4013B5A4}" srcOrd="0" destOrd="0" presId="urn:microsoft.com/office/officeart/2005/8/layout/cycle7"/>
+    <dgm:cxn modelId="{E00201FC-BF85-48D5-8598-769E5B20C675}" type="presOf" srcId="{DD337EF8-FEAC-4F33-AABB-0C1CEC277471}" destId="{2931248B-47D9-4920-851E-03515935AF95}" srcOrd="1" destOrd="0" presId="urn:microsoft.com/office/officeart/2005/8/layout/cycle7"/>
+    <dgm:cxn modelId="{52F68EE6-D620-4AA9-89CE-48630EDA6B53}" type="presOf" srcId="{4EBED45D-B232-4D47-8ADC-855463AB69F3}" destId="{A567BFEC-C296-4C50-A2F0-256F142FB4E7}" srcOrd="0" destOrd="0" presId="urn:microsoft.com/office/officeart/2005/8/layout/cycle7"/>
     <dgm:cxn modelId="{F262F7CD-0E28-4FEE-98F6-2389973DF2C6}" type="presOf" srcId="{CBE9D7DB-8295-4A24-A3E1-3C0468E0B910}" destId="{51292FB5-4F58-48E6-863A-A6E4B28CCA84}" srcOrd="0" destOrd="0" presId="urn:microsoft.com/office/officeart/2005/8/layout/cycle7"/>
+    <dgm:cxn modelId="{B174181C-1C21-4B3B-AA50-C3517E26906F}" type="presOf" srcId="{DD337EF8-FEAC-4F33-AABB-0C1CEC277471}" destId="{6234EA83-E5DE-4432-99B9-F98D53F025EF}" srcOrd="0" destOrd="0" presId="urn:microsoft.com/office/officeart/2005/8/layout/cycle7"/>
+    <dgm:cxn modelId="{6641BF8C-53D3-4092-BC15-30C8351DBFEA}" type="presOf" srcId="{FD4F5BFE-C7CE-456D-819A-7B8E0506C322}" destId="{A8A86595-915A-4A3C-A791-1FFD6BBE5182}" srcOrd="0" destOrd="0" presId="urn:microsoft.com/office/officeart/2005/8/layout/cycle7"/>
+    <dgm:cxn modelId="{DA2B0B99-4EAD-4533-B1F4-469E179398C9}" srcId="{4EBED45D-B232-4D47-8ADC-855463AB69F3}" destId="{D31C888D-F425-4E45-8750-EB22CB535CBA}" srcOrd="2" destOrd="0" parTransId="{81F8FEB4-E8B2-4A4D-81B6-1E5B2008D73C}" sibTransId="{DD337EF8-FEAC-4F33-AABB-0C1CEC277471}"/>
+    <dgm:cxn modelId="{AD634CD9-4A8B-4D99-85CD-D0271648D4DF}" srcId="{4EBED45D-B232-4D47-8ADC-855463AB69F3}" destId="{CBE9D7DB-8295-4A24-A3E1-3C0468E0B910}" srcOrd="1" destOrd="0" parTransId="{AAC5B904-6C1D-4764-A3AC-BF30523DA853}" sibTransId="{FD4F5BFE-C7CE-456D-819A-7B8E0506C322}"/>
+    <dgm:cxn modelId="{326F4DB3-FAD7-423B-86FB-4EF48C55D616}" type="presOf" srcId="{FD4F5BFE-C7CE-456D-819A-7B8E0506C322}" destId="{F8502DF1-CCA4-415F-A235-0BB4424255AE}" srcOrd="1" destOrd="0" presId="urn:microsoft.com/office/officeart/2005/8/layout/cycle7"/>
+    <dgm:cxn modelId="{8B5B5325-73A2-4DDB-919D-A9A6C096F073}" type="presOf" srcId="{D31C888D-F425-4E45-8750-EB22CB535CBA}" destId="{E63B1FE2-CC05-4527-9FF2-51FD77771220}" srcOrd="0" destOrd="0" presId="urn:microsoft.com/office/officeart/2005/8/layout/cycle7"/>
+    <dgm:cxn modelId="{9CECC1F4-2F75-4E26-A748-E5DD62227A65}" type="presOf" srcId="{91DB8702-6BC9-4302-89DD-E99DFFC6A079}" destId="{9EAEF3E5-1C11-4278-B531-7021C1ED8CC8}" srcOrd="1" destOrd="0" presId="urn:microsoft.com/office/officeart/2005/8/layout/cycle7"/>
     <dgm:cxn modelId="{EC7EB7C6-CD83-42D0-AD70-472671862C3D}" srcId="{4EBED45D-B232-4D47-8ADC-855463AB69F3}" destId="{D96C5C8F-E42D-4690-A3B3-3F45F9F8320B}" srcOrd="0" destOrd="0" parTransId="{7ECD210F-4FCF-4A53-BE2E-6B745A6A4478}" sibTransId="{91DB8702-6BC9-4302-89DD-E99DFFC6A079}"/>
-    <dgm:cxn modelId="{B174181C-1C21-4B3B-AA50-C3517E26906F}" type="presOf" srcId="{DD337EF8-FEAC-4F33-AABB-0C1CEC277471}" destId="{6234EA83-E5DE-4432-99B9-F98D53F025EF}" srcOrd="0" destOrd="0" presId="urn:microsoft.com/office/officeart/2005/8/layout/cycle7"/>
-    <dgm:cxn modelId="{326F4DB3-FAD7-423B-86FB-4EF48C55D616}" type="presOf" srcId="{FD4F5BFE-C7CE-456D-819A-7B8E0506C322}" destId="{F8502DF1-CCA4-415F-A235-0BB4424255AE}" srcOrd="1" destOrd="0" presId="urn:microsoft.com/office/officeart/2005/8/layout/cycle7"/>
-    <dgm:cxn modelId="{DA2B0B99-4EAD-4533-B1F4-469E179398C9}" srcId="{4EBED45D-B232-4D47-8ADC-855463AB69F3}" destId="{D31C888D-F425-4E45-8750-EB22CB535CBA}" srcOrd="2" destOrd="0" parTransId="{81F8FEB4-E8B2-4A4D-81B6-1E5B2008D73C}" sibTransId="{DD337EF8-FEAC-4F33-AABB-0C1CEC277471}"/>
-    <dgm:cxn modelId="{92F9FED5-A7B3-4C9F-9889-66AFC4DCBE8A}" type="presOf" srcId="{D96C5C8F-E42D-4690-A3B3-3F45F9F8320B}" destId="{351014B6-E96D-4E18-9373-5E214AC6BDB2}" srcOrd="0" destOrd="0" presId="urn:microsoft.com/office/officeart/2005/8/layout/cycle7"/>
-    <dgm:cxn modelId="{52F68EE6-D620-4AA9-89CE-48630EDA6B53}" type="presOf" srcId="{4EBED45D-B232-4D47-8ADC-855463AB69F3}" destId="{A567BFEC-C296-4C50-A2F0-256F142FB4E7}" srcOrd="0" destOrd="0" presId="urn:microsoft.com/office/officeart/2005/8/layout/cycle7"/>
-    <dgm:cxn modelId="{5AE79135-372B-4EAD-96F1-1D531C8AE6B7}" type="presOf" srcId="{91DB8702-6BC9-4302-89DD-E99DFFC6A079}" destId="{4191528A-43DC-44C1-8D0E-911C4013B5A4}" srcOrd="0" destOrd="0" presId="urn:microsoft.com/office/officeart/2005/8/layout/cycle7"/>
-    <dgm:cxn modelId="{6641BF8C-53D3-4092-BC15-30C8351DBFEA}" type="presOf" srcId="{FD4F5BFE-C7CE-456D-819A-7B8E0506C322}" destId="{A8A86595-915A-4A3C-A791-1FFD6BBE5182}" srcOrd="0" destOrd="0" presId="urn:microsoft.com/office/officeart/2005/8/layout/cycle7"/>
-    <dgm:cxn modelId="{E00201FC-BF85-48D5-8598-769E5B20C675}" type="presOf" srcId="{DD337EF8-FEAC-4F33-AABB-0C1CEC277471}" destId="{2931248B-47D9-4920-851E-03515935AF95}" srcOrd="1" destOrd="0" presId="urn:microsoft.com/office/officeart/2005/8/layout/cycle7"/>
-    <dgm:cxn modelId="{9CECC1F4-2F75-4E26-A748-E5DD62227A65}" type="presOf" srcId="{91DB8702-6BC9-4302-89DD-E99DFFC6A079}" destId="{9EAEF3E5-1C11-4278-B531-7021C1ED8CC8}" srcOrd="1" destOrd="0" presId="urn:microsoft.com/office/officeart/2005/8/layout/cycle7"/>
-    <dgm:cxn modelId="{8B5B5325-73A2-4DDB-919D-A9A6C096F073}" type="presOf" srcId="{D31C888D-F425-4E45-8750-EB22CB535CBA}" destId="{E63B1FE2-CC05-4527-9FF2-51FD77771220}" srcOrd="0" destOrd="0" presId="urn:microsoft.com/office/officeart/2005/8/layout/cycle7"/>
-    <dgm:cxn modelId="{AD634CD9-4A8B-4D99-85CD-D0271648D4DF}" srcId="{4EBED45D-B232-4D47-8ADC-855463AB69F3}" destId="{CBE9D7DB-8295-4A24-A3E1-3C0468E0B910}" srcOrd="1" destOrd="0" parTransId="{AAC5B904-6C1D-4764-A3AC-BF30523DA853}" sibTransId="{FD4F5BFE-C7CE-456D-819A-7B8E0506C322}"/>
     <dgm:cxn modelId="{ACE5C480-3D72-41C3-989E-862F9063F8B9}" type="presParOf" srcId="{A567BFEC-C296-4C50-A2F0-256F142FB4E7}" destId="{351014B6-E96D-4E18-9373-5E214AC6BDB2}" srcOrd="0" destOrd="0" presId="urn:microsoft.com/office/officeart/2005/8/layout/cycle7"/>
     <dgm:cxn modelId="{30E0C1AE-843C-48A7-8C51-CB17FB102B0E}" type="presParOf" srcId="{A567BFEC-C296-4C50-A2F0-256F142FB4E7}" destId="{4191528A-43DC-44C1-8D0E-911C4013B5A4}" srcOrd="1" destOrd="0" presId="urn:microsoft.com/office/officeart/2005/8/layout/cycle7"/>
     <dgm:cxn modelId="{D7581D44-6A41-4D0B-880F-B6267C89068E}" type="presParOf" srcId="{4191528A-43DC-44C1-8D0E-911C4013B5A4}" destId="{9EAEF3E5-1C11-4278-B531-7021C1ED8CC8}" srcOrd="0" destOrd="0" presId="urn:microsoft.com/office/officeart/2005/8/layout/cycle7"/>
@@ -8006,7 +8041,7 @@
 <dgm:dataModel xmlns:dgm="http://schemas.openxmlformats.org/drawingml/2006/diagram" xmlns:a="http://schemas.openxmlformats.org/drawingml/2006/main">
   <dgm:ptLst>
     <dgm:pt modelId="{75EEE77E-09EA-405D-8A93-D487AB74E59D}" type="doc">
-      <dgm:prSet loTypeId="urn:microsoft.com/office/officeart/2008/layout/VerticalAccentList" loCatId="list" qsTypeId="urn:microsoft.com/office/officeart/2005/8/quickstyle/simple1" qsCatId="simple" csTypeId="urn:microsoft.com/office/officeart/2005/8/colors/accent1_2" csCatId="accent1" phldr="1"/>
+      <dgm:prSet loTypeId="urn:microsoft.com/office/officeart/2005/8/layout/hList6" loCatId="list" qsTypeId="urn:microsoft.com/office/officeart/2005/8/quickstyle/simple1" qsCatId="simple" csTypeId="urn:microsoft.com/office/officeart/2005/8/colors/colorful2" csCatId="colorful" phldr="1"/>
       <dgm:spPr/>
       <dgm:t>
         <a:bodyPr/>
@@ -8283,18 +8318,10 @@
         <a:lstStyle/>
         <a:p>
           <a:r>
-            <a:rPr lang="en-US" b="1" dirty="0" smtClean="0">
-              <a:solidFill>
-                <a:schemeClr val="tx1"/>
-              </a:solidFill>
-            </a:rPr>
+            <a:rPr lang="en-US" b="1" smtClean="0"/>
             <a:t>Volatility</a:t>
           </a:r>
-          <a:endParaRPr lang="en-US" b="1" dirty="0">
-            <a:solidFill>
-              <a:schemeClr val="tx1"/>
-            </a:solidFill>
-          </a:endParaRPr>
+          <a:endParaRPr lang="en-US" b="1" dirty="0"/>
         </a:p>
       </dgm:t>
     </dgm:pt>
@@ -8366,7 +8393,11 @@
         <a:p>
           <a:r>
             <a:rPr lang="en-US" dirty="0" smtClean="0"/>
-            <a:t>Connections between vehicles may be lost. Difficult to ensure personal information</a:t>
+            <a:t>Connections between vehicles may be </a:t>
+          </a:r>
+          <a:r>
+            <a:rPr lang="en-US" dirty="0" smtClean="0"/>
+            <a:t>lost </a:t>
           </a:r>
           <a:endParaRPr lang="en-US" dirty="0"/>
         </a:p>
@@ -8394,12 +8425,38 @@
         </a:p>
       </dgm:t>
     </dgm:pt>
-    <dgm:pt modelId="{1DACFB09-287B-4B65-A248-42B618F2D4BB}" type="pres">
+    <dgm:pt modelId="{BEFD7D0E-7CB1-4443-B5C5-03A6698422C9}">
+      <dgm:prSet/>
+      <dgm:spPr/>
+      <dgm:t>
+        <a:bodyPr/>
+        <a:lstStyle/>
+        <a:p>
+          <a:r>
+            <a:rPr lang="en-US" dirty="0" smtClean="0"/>
+            <a:t>Difficult </a:t>
+          </a:r>
+          <a:r>
+            <a:rPr lang="en-US" dirty="0" smtClean="0"/>
+            <a:t>to ensure personal information</a:t>
+          </a:r>
+          <a:endParaRPr lang="en-US" dirty="0"/>
+        </a:p>
+      </dgm:t>
+    </dgm:pt>
+    <dgm:pt modelId="{1D42F715-6905-4313-8007-6E5C22A728DC}" type="parTrans" cxnId="{EAE0F86B-53A6-453C-B857-DD7A066E6990}">
+      <dgm:prSet/>
+      <dgm:spPr/>
+    </dgm:pt>
+    <dgm:pt modelId="{D7A0C5EB-83FE-4326-A3A7-587C0BFD41A5}" type="sibTrans" cxnId="{EAE0F86B-53A6-453C-B857-DD7A066E6990}">
+      <dgm:prSet/>
+      <dgm:spPr/>
+    </dgm:pt>
+    <dgm:pt modelId="{E34AA208-3804-48BA-A484-16DBDAF6E8A9}" type="pres">
       <dgm:prSet presAssocID="{75EEE77E-09EA-405D-8A93-D487AB74E59D}" presName="Name0" presStyleCnt="0">
         <dgm:presLayoutVars>
-          <dgm:chMax/>
-          <dgm:chPref/>
           <dgm:dir/>
+          <dgm:resizeHandles val="exact"/>
         </dgm:presLayoutVars>
       </dgm:prSet>
       <dgm:spPr/>
@@ -8411,15 +8468,9 @@
         </a:p>
       </dgm:t>
     </dgm:pt>
-    <dgm:pt modelId="{3FC5FB66-E86F-41CB-9199-E7F2B7B8EB9C}" type="pres">
-      <dgm:prSet presAssocID="{D9351F4E-73FA-4EC5-8320-EF843B02240E}" presName="parenttextcomposite" presStyleCnt="0"/>
-      <dgm:spPr/>
-    </dgm:pt>
-    <dgm:pt modelId="{2F2AF64E-3638-4F8E-B28F-B7A095D94A20}" type="pres">
-      <dgm:prSet presAssocID="{D9351F4E-73FA-4EC5-8320-EF843B02240E}" presName="parenttext" presStyleLbl="revTx" presStyleIdx="0" presStyleCnt="5">
+    <dgm:pt modelId="{0E4B0CB6-033B-4566-B755-414A5EF2F4DE}" type="pres">
+      <dgm:prSet presAssocID="{D9351F4E-73FA-4EC5-8320-EF843B02240E}" presName="node" presStyleLbl="node1" presStyleIdx="0" presStyleCnt="5">
         <dgm:presLayoutVars>
-          <dgm:chMax/>
-          <dgm:chPref val="2"/>
           <dgm:bulletEnabled val="1"/>
         </dgm:presLayoutVars>
       </dgm:prSet>
@@ -8432,43 +8483,20 @@
         </a:p>
       </dgm:t>
     </dgm:pt>
-    <dgm:pt modelId="{3F0E9BD7-4BF7-44A5-9791-28C17D816029}" type="pres">
-      <dgm:prSet presAssocID="{D9351F4E-73FA-4EC5-8320-EF843B02240E}" presName="composite" presStyleCnt="0"/>
+    <dgm:pt modelId="{A88B5B70-CB74-4763-AD02-BC9CA7AD3926}" type="pres">
+      <dgm:prSet presAssocID="{8CAEF78D-84DF-436A-A3D5-85B8336FAB3B}" presName="sibTrans" presStyleCnt="0"/>
       <dgm:spPr/>
+      <dgm:t>
+        <a:bodyPr/>
+        <a:lstStyle/>
+        <a:p>
+          <a:endParaRPr lang="en-US"/>
+        </a:p>
+      </dgm:t>
     </dgm:pt>
-    <dgm:pt modelId="{EB264DC9-0C4C-4A7A-9E90-D27E6DD3061F}" type="pres">
-      <dgm:prSet presAssocID="{D9351F4E-73FA-4EC5-8320-EF843B02240E}" presName="chevron1" presStyleLbl="alignNode1" presStyleIdx="0" presStyleCnt="35"/>
-      <dgm:spPr/>
-    </dgm:pt>
-    <dgm:pt modelId="{6E7ACC96-20B8-41EE-B040-2935D7C143FA}" type="pres">
-      <dgm:prSet presAssocID="{D9351F4E-73FA-4EC5-8320-EF843B02240E}" presName="chevron2" presStyleLbl="alignNode1" presStyleIdx="1" presStyleCnt="35"/>
-      <dgm:spPr/>
-    </dgm:pt>
-    <dgm:pt modelId="{481F6A2E-136F-410F-82FC-9140CC8A6B36}" type="pres">
-      <dgm:prSet presAssocID="{D9351F4E-73FA-4EC5-8320-EF843B02240E}" presName="chevron3" presStyleLbl="alignNode1" presStyleIdx="2" presStyleCnt="35"/>
-      <dgm:spPr/>
-    </dgm:pt>
-    <dgm:pt modelId="{B9C369C3-428C-4CBB-AA90-F1B0F0744D0C}" type="pres">
-      <dgm:prSet presAssocID="{D9351F4E-73FA-4EC5-8320-EF843B02240E}" presName="chevron4" presStyleLbl="alignNode1" presStyleIdx="3" presStyleCnt="35"/>
-      <dgm:spPr/>
-    </dgm:pt>
-    <dgm:pt modelId="{E91306CF-3B0C-4254-AD35-7DFA9C903C7F}" type="pres">
-      <dgm:prSet presAssocID="{D9351F4E-73FA-4EC5-8320-EF843B02240E}" presName="chevron5" presStyleLbl="alignNode1" presStyleIdx="4" presStyleCnt="35"/>
-      <dgm:spPr/>
-    </dgm:pt>
-    <dgm:pt modelId="{84A0F772-811A-42D3-8439-FC9FFB03DCBC}" type="pres">
-      <dgm:prSet presAssocID="{D9351F4E-73FA-4EC5-8320-EF843B02240E}" presName="chevron6" presStyleLbl="alignNode1" presStyleIdx="5" presStyleCnt="35"/>
-      <dgm:spPr/>
-    </dgm:pt>
-    <dgm:pt modelId="{126DABD3-C2F4-4E85-860F-B47F6E876842}" type="pres">
-      <dgm:prSet presAssocID="{D9351F4E-73FA-4EC5-8320-EF843B02240E}" presName="chevron7" presStyleLbl="alignNode1" presStyleIdx="6" presStyleCnt="35"/>
-      <dgm:spPr/>
-    </dgm:pt>
-    <dgm:pt modelId="{2044B402-7B7B-4143-B31B-8674A952F01D}" type="pres">
-      <dgm:prSet presAssocID="{D9351F4E-73FA-4EC5-8320-EF843B02240E}" presName="childtext" presStyleLbl="solidFgAcc1" presStyleIdx="0" presStyleCnt="5">
+    <dgm:pt modelId="{512B32B4-460C-4B9D-BE96-225B8715C818}" type="pres">
+      <dgm:prSet presAssocID="{7A2CDF83-0097-4E97-9702-445E6108245C}" presName="node" presStyleLbl="node1" presStyleIdx="1" presStyleCnt="5">
         <dgm:presLayoutVars>
-          <dgm:chMax/>
-          <dgm:chPref val="0"/>
           <dgm:bulletEnabled val="1"/>
         </dgm:presLayoutVars>
       </dgm:prSet>
@@ -8481,19 +8509,20 @@
         </a:p>
       </dgm:t>
     </dgm:pt>
-    <dgm:pt modelId="{72B39E19-7361-4037-AD11-B4A2E219FB1F}" type="pres">
-      <dgm:prSet presAssocID="{8CAEF78D-84DF-436A-A3D5-85B8336FAB3B}" presName="sibTrans" presStyleCnt="0"/>
+    <dgm:pt modelId="{B92ADB11-91DB-493B-A94E-210D96B1F292}" type="pres">
+      <dgm:prSet presAssocID="{7D84DB68-6882-4F4A-A48C-ABDB4A2F92C1}" presName="sibTrans" presStyleCnt="0"/>
       <dgm:spPr/>
+      <dgm:t>
+        <a:bodyPr/>
+        <a:lstStyle/>
+        <a:p>
+          <a:endParaRPr lang="en-US"/>
+        </a:p>
+      </dgm:t>
     </dgm:pt>
-    <dgm:pt modelId="{5FF5A63C-0C59-4193-90E8-D44379C31791}" type="pres">
-      <dgm:prSet presAssocID="{7A2CDF83-0097-4E97-9702-445E6108245C}" presName="parenttextcomposite" presStyleCnt="0"/>
-      <dgm:spPr/>
-    </dgm:pt>
-    <dgm:pt modelId="{062531DB-01A0-4EE8-8837-5E0EC9036D1B}" type="pres">
-      <dgm:prSet presAssocID="{7A2CDF83-0097-4E97-9702-445E6108245C}" presName="parenttext" presStyleLbl="revTx" presStyleIdx="1" presStyleCnt="5">
+    <dgm:pt modelId="{91EDA7D3-2FAE-4B95-B9D5-1F68FAB2674A}" type="pres">
+      <dgm:prSet presAssocID="{B788FB50-A350-4B29-BEC1-2626C8E702F4}" presName="node" presStyleLbl="node1" presStyleIdx="2" presStyleCnt="5">
         <dgm:presLayoutVars>
-          <dgm:chMax/>
-          <dgm:chPref val="2"/>
           <dgm:bulletEnabled val="1"/>
         </dgm:presLayoutVars>
       </dgm:prSet>
@@ -8506,43 +8535,20 @@
         </a:p>
       </dgm:t>
     </dgm:pt>
-    <dgm:pt modelId="{E427CDFA-CC95-470A-95E2-2E29503714E8}" type="pres">
-      <dgm:prSet presAssocID="{7A2CDF83-0097-4E97-9702-445E6108245C}" presName="composite" presStyleCnt="0"/>
+    <dgm:pt modelId="{51312392-0971-4F60-80D7-769BD2CD5416}" type="pres">
+      <dgm:prSet presAssocID="{519C19D5-5999-41C3-84FD-3C9787A98040}" presName="sibTrans" presStyleCnt="0"/>
       <dgm:spPr/>
+      <dgm:t>
+        <a:bodyPr/>
+        <a:lstStyle/>
+        <a:p>
+          <a:endParaRPr lang="en-US"/>
+        </a:p>
+      </dgm:t>
     </dgm:pt>
-    <dgm:pt modelId="{08235A3B-9353-4113-8497-12923904C2BA}" type="pres">
-      <dgm:prSet presAssocID="{7A2CDF83-0097-4E97-9702-445E6108245C}" presName="chevron1" presStyleLbl="alignNode1" presStyleIdx="7" presStyleCnt="35"/>
-      <dgm:spPr/>
-    </dgm:pt>
-    <dgm:pt modelId="{24CB936C-60B0-4DAA-9CBF-E4C8D6E80B66}" type="pres">
-      <dgm:prSet presAssocID="{7A2CDF83-0097-4E97-9702-445E6108245C}" presName="chevron2" presStyleLbl="alignNode1" presStyleIdx="8" presStyleCnt="35"/>
-      <dgm:spPr/>
-    </dgm:pt>
-    <dgm:pt modelId="{9737DDFD-8D90-4574-B136-649279DE9F87}" type="pres">
-      <dgm:prSet presAssocID="{7A2CDF83-0097-4E97-9702-445E6108245C}" presName="chevron3" presStyleLbl="alignNode1" presStyleIdx="9" presStyleCnt="35"/>
-      <dgm:spPr/>
-    </dgm:pt>
-    <dgm:pt modelId="{E1332B0F-AA79-4817-90AB-007E38DC0C89}" type="pres">
-      <dgm:prSet presAssocID="{7A2CDF83-0097-4E97-9702-445E6108245C}" presName="chevron4" presStyleLbl="alignNode1" presStyleIdx="10" presStyleCnt="35"/>
-      <dgm:spPr/>
-    </dgm:pt>
-    <dgm:pt modelId="{66B5C619-70EE-4F16-B517-141804FFA150}" type="pres">
-      <dgm:prSet presAssocID="{7A2CDF83-0097-4E97-9702-445E6108245C}" presName="chevron5" presStyleLbl="alignNode1" presStyleIdx="11" presStyleCnt="35"/>
-      <dgm:spPr/>
-    </dgm:pt>
-    <dgm:pt modelId="{40E30224-2AA5-4AF2-BAB0-DAF3ADF101E9}" type="pres">
-      <dgm:prSet presAssocID="{7A2CDF83-0097-4E97-9702-445E6108245C}" presName="chevron6" presStyleLbl="alignNode1" presStyleIdx="12" presStyleCnt="35"/>
-      <dgm:spPr/>
-    </dgm:pt>
-    <dgm:pt modelId="{069F958F-FEE4-46CF-8751-DBF21161B35A}" type="pres">
-      <dgm:prSet presAssocID="{7A2CDF83-0097-4E97-9702-445E6108245C}" presName="chevron7" presStyleLbl="alignNode1" presStyleIdx="13" presStyleCnt="35"/>
-      <dgm:spPr/>
-    </dgm:pt>
-    <dgm:pt modelId="{F416CA90-7510-4122-8DE6-138F976158E4}" type="pres">
-      <dgm:prSet presAssocID="{7A2CDF83-0097-4E97-9702-445E6108245C}" presName="childtext" presStyleLbl="solidFgAcc1" presStyleIdx="1" presStyleCnt="5">
+    <dgm:pt modelId="{2CC5B836-7048-4F57-B7D1-484C3295EE57}" type="pres">
+      <dgm:prSet presAssocID="{BBFCB8BB-CA9C-4F70-8CDC-C3C7BE994321}" presName="node" presStyleLbl="node1" presStyleIdx="3" presStyleCnt="5">
         <dgm:presLayoutVars>
-          <dgm:chMax/>
-          <dgm:chPref val="0"/>
           <dgm:bulletEnabled val="1"/>
         </dgm:presLayoutVars>
       </dgm:prSet>
@@ -8555,22 +8561,8 @@
         </a:p>
       </dgm:t>
     </dgm:pt>
-    <dgm:pt modelId="{7A0040E7-0367-4EE1-8231-8007F83E9E6D}" type="pres">
-      <dgm:prSet presAssocID="{7D84DB68-6882-4F4A-A48C-ABDB4A2F92C1}" presName="sibTrans" presStyleCnt="0"/>
-      <dgm:spPr/>
-    </dgm:pt>
-    <dgm:pt modelId="{4E1DB7B1-1E92-4CA5-8465-B4322A8760F8}" type="pres">
-      <dgm:prSet presAssocID="{B788FB50-A350-4B29-BEC1-2626C8E702F4}" presName="parenttextcomposite" presStyleCnt="0"/>
-      <dgm:spPr/>
-    </dgm:pt>
-    <dgm:pt modelId="{210D1AF8-2017-4DBC-B2B5-114A66DF4420}" type="pres">
-      <dgm:prSet presAssocID="{B788FB50-A350-4B29-BEC1-2626C8E702F4}" presName="parenttext" presStyleLbl="revTx" presStyleIdx="2" presStyleCnt="5">
-        <dgm:presLayoutVars>
-          <dgm:chMax/>
-          <dgm:chPref val="2"/>
-          <dgm:bulletEnabled val="1"/>
-        </dgm:presLayoutVars>
-      </dgm:prSet>
+    <dgm:pt modelId="{E867B228-8CB4-4084-BE2C-09D8F97278E9}" type="pres">
+      <dgm:prSet presAssocID="{707401F9-176E-418E-8D2A-83F472237975}" presName="sibTrans" presStyleCnt="0"/>
       <dgm:spPr/>
       <dgm:t>
         <a:bodyPr/>
@@ -8580,191 +8572,9 @@
         </a:p>
       </dgm:t>
     </dgm:pt>
-    <dgm:pt modelId="{F96BFC31-86F0-4165-906C-BB1BC9692CA1}" type="pres">
-      <dgm:prSet presAssocID="{B788FB50-A350-4B29-BEC1-2626C8E702F4}" presName="composite" presStyleCnt="0"/>
-      <dgm:spPr/>
-    </dgm:pt>
-    <dgm:pt modelId="{5F05050B-7A50-4EC7-82F3-B378E6918583}" type="pres">
-      <dgm:prSet presAssocID="{B788FB50-A350-4B29-BEC1-2626C8E702F4}" presName="chevron1" presStyleLbl="alignNode1" presStyleIdx="14" presStyleCnt="35"/>
-      <dgm:spPr/>
-    </dgm:pt>
-    <dgm:pt modelId="{F5C30086-06CB-43B6-A56D-2A81F808C172}" type="pres">
-      <dgm:prSet presAssocID="{B788FB50-A350-4B29-BEC1-2626C8E702F4}" presName="chevron2" presStyleLbl="alignNode1" presStyleIdx="15" presStyleCnt="35"/>
-      <dgm:spPr/>
-    </dgm:pt>
-    <dgm:pt modelId="{9742385A-7FB8-42D1-94C6-33DA54E809B8}" type="pres">
-      <dgm:prSet presAssocID="{B788FB50-A350-4B29-BEC1-2626C8E702F4}" presName="chevron3" presStyleLbl="alignNode1" presStyleIdx="16" presStyleCnt="35"/>
-      <dgm:spPr/>
-    </dgm:pt>
-    <dgm:pt modelId="{C121C48C-28B7-4914-A544-6D69BB6A0371}" type="pres">
-      <dgm:prSet presAssocID="{B788FB50-A350-4B29-BEC1-2626C8E702F4}" presName="chevron4" presStyleLbl="alignNode1" presStyleIdx="17" presStyleCnt="35"/>
-      <dgm:spPr/>
-    </dgm:pt>
-    <dgm:pt modelId="{73123508-18D6-4F45-A44E-2B4699AADB6D}" type="pres">
-      <dgm:prSet presAssocID="{B788FB50-A350-4B29-BEC1-2626C8E702F4}" presName="chevron5" presStyleLbl="alignNode1" presStyleIdx="18" presStyleCnt="35"/>
-      <dgm:spPr/>
-    </dgm:pt>
-    <dgm:pt modelId="{56FDFA76-D7E1-44B9-9997-9F100FAE3F7D}" type="pres">
-      <dgm:prSet presAssocID="{B788FB50-A350-4B29-BEC1-2626C8E702F4}" presName="chevron6" presStyleLbl="alignNode1" presStyleIdx="19" presStyleCnt="35"/>
-      <dgm:spPr/>
-    </dgm:pt>
-    <dgm:pt modelId="{CC34B55F-6870-4CA5-BB3F-09FFF8A43482}" type="pres">
-      <dgm:prSet presAssocID="{B788FB50-A350-4B29-BEC1-2626C8E702F4}" presName="chevron7" presStyleLbl="alignNode1" presStyleIdx="20" presStyleCnt="35"/>
-      <dgm:spPr/>
-    </dgm:pt>
-    <dgm:pt modelId="{24C9A662-7AF2-4978-A6B3-71346A2DB949}" type="pres">
-      <dgm:prSet presAssocID="{B788FB50-A350-4B29-BEC1-2626C8E702F4}" presName="childtext" presStyleLbl="solidFgAcc1" presStyleIdx="2" presStyleCnt="5">
+    <dgm:pt modelId="{F8A8AC8B-97BC-4A0A-A720-4101E842BA09}" type="pres">
+      <dgm:prSet presAssocID="{3954F7E6-3167-4EC1-8567-98682F459FFA}" presName="node" presStyleLbl="node1" presStyleIdx="4" presStyleCnt="5">
         <dgm:presLayoutVars>
-          <dgm:chMax/>
-          <dgm:chPref val="0"/>
-          <dgm:bulletEnabled val="1"/>
-        </dgm:presLayoutVars>
-      </dgm:prSet>
-      <dgm:spPr/>
-      <dgm:t>
-        <a:bodyPr/>
-        <a:lstStyle/>
-        <a:p>
-          <a:endParaRPr lang="en-US"/>
-        </a:p>
-      </dgm:t>
-    </dgm:pt>
-    <dgm:pt modelId="{30749BD1-66A9-44CF-AD78-2F77173DBBB4}" type="pres">
-      <dgm:prSet presAssocID="{519C19D5-5999-41C3-84FD-3C9787A98040}" presName="sibTrans" presStyleCnt="0"/>
-      <dgm:spPr/>
-    </dgm:pt>
-    <dgm:pt modelId="{DC1ABF85-4B85-48E7-BADB-73CE85D1925C}" type="pres">
-      <dgm:prSet presAssocID="{BBFCB8BB-CA9C-4F70-8CDC-C3C7BE994321}" presName="parenttextcomposite" presStyleCnt="0"/>
-      <dgm:spPr/>
-    </dgm:pt>
-    <dgm:pt modelId="{CA880167-DF48-484A-AB87-5DCCE958BBEB}" type="pres">
-      <dgm:prSet presAssocID="{BBFCB8BB-CA9C-4F70-8CDC-C3C7BE994321}" presName="parenttext" presStyleLbl="revTx" presStyleIdx="3" presStyleCnt="5">
-        <dgm:presLayoutVars>
-          <dgm:chMax/>
-          <dgm:chPref val="2"/>
-          <dgm:bulletEnabled val="1"/>
-        </dgm:presLayoutVars>
-      </dgm:prSet>
-      <dgm:spPr/>
-      <dgm:t>
-        <a:bodyPr/>
-        <a:lstStyle/>
-        <a:p>
-          <a:endParaRPr lang="en-US"/>
-        </a:p>
-      </dgm:t>
-    </dgm:pt>
-    <dgm:pt modelId="{72446A77-9D4B-4861-B07C-1F2BB6F33007}" type="pres">
-      <dgm:prSet presAssocID="{BBFCB8BB-CA9C-4F70-8CDC-C3C7BE994321}" presName="composite" presStyleCnt="0"/>
-      <dgm:spPr/>
-    </dgm:pt>
-    <dgm:pt modelId="{DB7E056C-7190-4B65-9B54-95153135960D}" type="pres">
-      <dgm:prSet presAssocID="{BBFCB8BB-CA9C-4F70-8CDC-C3C7BE994321}" presName="chevron1" presStyleLbl="alignNode1" presStyleIdx="21" presStyleCnt="35"/>
-      <dgm:spPr/>
-    </dgm:pt>
-    <dgm:pt modelId="{FAA8BE36-99A5-4E0C-9CE8-92C2550F75F1}" type="pres">
-      <dgm:prSet presAssocID="{BBFCB8BB-CA9C-4F70-8CDC-C3C7BE994321}" presName="chevron2" presStyleLbl="alignNode1" presStyleIdx="22" presStyleCnt="35"/>
-      <dgm:spPr/>
-    </dgm:pt>
-    <dgm:pt modelId="{4FEB005A-EACB-4F85-8C04-6D5161CC5B06}" type="pres">
-      <dgm:prSet presAssocID="{BBFCB8BB-CA9C-4F70-8CDC-C3C7BE994321}" presName="chevron3" presStyleLbl="alignNode1" presStyleIdx="23" presStyleCnt="35"/>
-      <dgm:spPr/>
-    </dgm:pt>
-    <dgm:pt modelId="{982B287A-BF66-406E-9EFD-F71D3478F0D2}" type="pres">
-      <dgm:prSet presAssocID="{BBFCB8BB-CA9C-4F70-8CDC-C3C7BE994321}" presName="chevron4" presStyleLbl="alignNode1" presStyleIdx="24" presStyleCnt="35"/>
-      <dgm:spPr/>
-    </dgm:pt>
-    <dgm:pt modelId="{B6961244-519F-48FB-B997-A85EEE983F19}" type="pres">
-      <dgm:prSet presAssocID="{BBFCB8BB-CA9C-4F70-8CDC-C3C7BE994321}" presName="chevron5" presStyleLbl="alignNode1" presStyleIdx="25" presStyleCnt="35"/>
-      <dgm:spPr/>
-    </dgm:pt>
-    <dgm:pt modelId="{FFBA97A0-4807-4217-920B-15F8DA6BD1BE}" type="pres">
-      <dgm:prSet presAssocID="{BBFCB8BB-CA9C-4F70-8CDC-C3C7BE994321}" presName="chevron6" presStyleLbl="alignNode1" presStyleIdx="26" presStyleCnt="35"/>
-      <dgm:spPr/>
-    </dgm:pt>
-    <dgm:pt modelId="{02F9EF01-6825-4B90-9E70-7B0C3872347C}" type="pres">
-      <dgm:prSet presAssocID="{BBFCB8BB-CA9C-4F70-8CDC-C3C7BE994321}" presName="chevron7" presStyleLbl="alignNode1" presStyleIdx="27" presStyleCnt="35"/>
-      <dgm:spPr/>
-    </dgm:pt>
-    <dgm:pt modelId="{7C5CBBFF-CF85-49BA-9E2D-03646937F416}" type="pres">
-      <dgm:prSet presAssocID="{BBFCB8BB-CA9C-4F70-8CDC-C3C7BE994321}" presName="childtext" presStyleLbl="solidFgAcc1" presStyleIdx="3" presStyleCnt="5">
-        <dgm:presLayoutVars>
-          <dgm:chMax/>
-          <dgm:chPref val="0"/>
-          <dgm:bulletEnabled val="1"/>
-        </dgm:presLayoutVars>
-      </dgm:prSet>
-      <dgm:spPr/>
-      <dgm:t>
-        <a:bodyPr/>
-        <a:lstStyle/>
-        <a:p>
-          <a:endParaRPr lang="en-US"/>
-        </a:p>
-      </dgm:t>
-    </dgm:pt>
-    <dgm:pt modelId="{A518ADCE-8EB6-4D71-BA3F-8F2BCF8B51B8}" type="pres">
-      <dgm:prSet presAssocID="{707401F9-176E-418E-8D2A-83F472237975}" presName="sibTrans" presStyleCnt="0"/>
-      <dgm:spPr/>
-    </dgm:pt>
-    <dgm:pt modelId="{132A6EF1-0D8E-4F41-993C-B8B0E4432037}" type="pres">
-      <dgm:prSet presAssocID="{3954F7E6-3167-4EC1-8567-98682F459FFA}" presName="parenttextcomposite" presStyleCnt="0"/>
-      <dgm:spPr/>
-    </dgm:pt>
-    <dgm:pt modelId="{DA74C2E1-3533-405C-9DD9-699092913436}" type="pres">
-      <dgm:prSet presAssocID="{3954F7E6-3167-4EC1-8567-98682F459FFA}" presName="parenttext" presStyleLbl="revTx" presStyleIdx="4" presStyleCnt="5">
-        <dgm:presLayoutVars>
-          <dgm:chMax/>
-          <dgm:chPref val="2"/>
-          <dgm:bulletEnabled val="1"/>
-        </dgm:presLayoutVars>
-      </dgm:prSet>
-      <dgm:spPr/>
-      <dgm:t>
-        <a:bodyPr/>
-        <a:lstStyle/>
-        <a:p>
-          <a:endParaRPr lang="en-US"/>
-        </a:p>
-      </dgm:t>
-    </dgm:pt>
-    <dgm:pt modelId="{F1D53B3C-3948-4475-B0D3-D26203A96BA1}" type="pres">
-      <dgm:prSet presAssocID="{3954F7E6-3167-4EC1-8567-98682F459FFA}" presName="composite" presStyleCnt="0"/>
-      <dgm:spPr/>
-    </dgm:pt>
-    <dgm:pt modelId="{6EDF9DD2-79BF-4509-BABD-31F461030C69}" type="pres">
-      <dgm:prSet presAssocID="{3954F7E6-3167-4EC1-8567-98682F459FFA}" presName="chevron1" presStyleLbl="alignNode1" presStyleIdx="28" presStyleCnt="35"/>
-      <dgm:spPr/>
-    </dgm:pt>
-    <dgm:pt modelId="{A5F33966-FC23-4638-BF87-98871CEBF47E}" type="pres">
-      <dgm:prSet presAssocID="{3954F7E6-3167-4EC1-8567-98682F459FFA}" presName="chevron2" presStyleLbl="alignNode1" presStyleIdx="29" presStyleCnt="35"/>
-      <dgm:spPr/>
-    </dgm:pt>
-    <dgm:pt modelId="{25C14A0B-4609-4141-A22E-E3764CE22774}" type="pres">
-      <dgm:prSet presAssocID="{3954F7E6-3167-4EC1-8567-98682F459FFA}" presName="chevron3" presStyleLbl="alignNode1" presStyleIdx="30" presStyleCnt="35"/>
-      <dgm:spPr/>
-    </dgm:pt>
-    <dgm:pt modelId="{6C96CEE2-CB32-4A33-BD67-64DA28040F3C}" type="pres">
-      <dgm:prSet presAssocID="{3954F7E6-3167-4EC1-8567-98682F459FFA}" presName="chevron4" presStyleLbl="alignNode1" presStyleIdx="31" presStyleCnt="35"/>
-      <dgm:spPr/>
-    </dgm:pt>
-    <dgm:pt modelId="{805F7FA0-F720-4206-9B54-2B8DFA0973CA}" type="pres">
-      <dgm:prSet presAssocID="{3954F7E6-3167-4EC1-8567-98682F459FFA}" presName="chevron5" presStyleLbl="alignNode1" presStyleIdx="32" presStyleCnt="35"/>
-      <dgm:spPr/>
-    </dgm:pt>
-    <dgm:pt modelId="{54C6FB5F-EF59-4F87-BCF0-A707112DA305}" type="pres">
-      <dgm:prSet presAssocID="{3954F7E6-3167-4EC1-8567-98682F459FFA}" presName="chevron6" presStyleLbl="alignNode1" presStyleIdx="33" presStyleCnt="35"/>
-      <dgm:spPr/>
-    </dgm:pt>
-    <dgm:pt modelId="{7991F8C1-F16E-423A-B187-006D64223A09}" type="pres">
-      <dgm:prSet presAssocID="{3954F7E6-3167-4EC1-8567-98682F459FFA}" presName="chevron7" presStyleLbl="alignNode1" presStyleIdx="34" presStyleCnt="35"/>
-      <dgm:spPr/>
-    </dgm:pt>
-    <dgm:pt modelId="{243F7021-F529-47DB-A161-9E7681815F4A}" type="pres">
-      <dgm:prSet presAssocID="{3954F7E6-3167-4EC1-8567-98682F459FFA}" presName="childtext" presStyleLbl="solidFgAcc1" presStyleIdx="4" presStyleCnt="5">
-        <dgm:presLayoutVars>
-          <dgm:chMax/>
-          <dgm:chPref val="0"/>
           <dgm:bulletEnabled val="1"/>
         </dgm:presLayoutVars>
       </dgm:prSet>
@@ -8779,86 +8589,38 @@
     </dgm:pt>
   </dgm:ptLst>
   <dgm:cxnLst>
-    <dgm:cxn modelId="{8FFA6486-6A21-4C69-ABDF-FA5A2CB18FDF}" srcId="{BBFCB8BB-CA9C-4F70-8CDC-C3C7BE994321}" destId="{184DC472-AE89-4B1B-B2F6-573572BEAF9A}" srcOrd="0" destOrd="0" parTransId="{D89B58B8-431D-4C55-B724-69B6516F87AC}" sibTransId="{0C6B157A-0C83-4367-A527-941DA0D33BC6}"/>
+    <dgm:cxn modelId="{F419D262-E459-407C-A18C-84A95291BE43}" type="presOf" srcId="{B788FB50-A350-4B29-BEC1-2626C8E702F4}" destId="{91EDA7D3-2FAE-4B95-B9D5-1F68FAB2674A}" srcOrd="0" destOrd="0" presId="urn:microsoft.com/office/officeart/2005/8/layout/hList6"/>
+    <dgm:cxn modelId="{123A06BF-F8E4-4F17-A037-0136F13888DE}" type="presOf" srcId="{184DC472-AE89-4B1B-B2F6-573572BEAF9A}" destId="{2CC5B836-7048-4F57-B7D1-484C3295EE57}" srcOrd="0" destOrd="1" presId="urn:microsoft.com/office/officeart/2005/8/layout/hList6"/>
+    <dgm:cxn modelId="{0FB57734-89F8-4C31-89AA-FA3C538F48A5}" type="presOf" srcId="{DCBB82F4-C1DE-4074-AC82-A4E2180F13D3}" destId="{F8A8AC8B-97BC-4A0A-A720-4101E842BA09}" srcOrd="0" destOrd="1" presId="urn:microsoft.com/office/officeart/2005/8/layout/hList6"/>
+    <dgm:cxn modelId="{EAE0F86B-53A6-453C-B857-DD7A066E6990}" srcId="{3954F7E6-3167-4EC1-8567-98682F459FFA}" destId="{BEFD7D0E-7CB1-4443-B5C5-03A6698422C9}" srcOrd="1" destOrd="0" parTransId="{1D42F715-6905-4313-8007-6E5C22A728DC}" sibTransId="{D7A0C5EB-83FE-4326-A3A7-587C0BFD41A5}"/>
+    <dgm:cxn modelId="{49D34D22-643B-4F5D-9AF0-2B90EDC01846}" type="presOf" srcId="{3AE5286B-39AB-4A44-96D5-1EC95B4912F2}" destId="{91EDA7D3-2FAE-4B95-B9D5-1F68FAB2674A}" srcOrd="0" destOrd="1" presId="urn:microsoft.com/office/officeart/2005/8/layout/hList6"/>
     <dgm:cxn modelId="{68274AFF-E205-4D88-8F5C-98DA84A76DEE}" srcId="{75EEE77E-09EA-405D-8A93-D487AB74E59D}" destId="{B788FB50-A350-4B29-BEC1-2626C8E702F4}" srcOrd="2" destOrd="0" parTransId="{A4CEC529-6394-47C9-8770-C2742CA3295C}" sibTransId="{519C19D5-5999-41C3-84FD-3C9787A98040}"/>
+    <dgm:cxn modelId="{237CD1BF-E061-4F08-8323-46DC01F71885}" type="presOf" srcId="{D9351F4E-73FA-4EC5-8320-EF843B02240E}" destId="{0E4B0CB6-033B-4566-B755-414A5EF2F4DE}" srcOrd="0" destOrd="0" presId="urn:microsoft.com/office/officeart/2005/8/layout/hList6"/>
+    <dgm:cxn modelId="{7F00229D-F191-4801-9E03-322EC301444C}" srcId="{B788FB50-A350-4B29-BEC1-2626C8E702F4}" destId="{3AE5286B-39AB-4A44-96D5-1EC95B4912F2}" srcOrd="0" destOrd="0" parTransId="{0D4473DE-31E0-41BF-9A1C-EBC86FACCE43}" sibTransId="{20B76AF4-01EB-412D-807C-448C689B0462}"/>
+    <dgm:cxn modelId="{9B9F46AA-1B9A-4855-B968-806E27815C4C}" srcId="{7A2CDF83-0097-4E97-9702-445E6108245C}" destId="{173346B4-5F20-4B36-884B-318CCC9B6298}" srcOrd="0" destOrd="0" parTransId="{CA0D347F-821F-44DA-B70B-6D8ABEE012A9}" sibTransId="{2ED630C6-5092-4918-99D0-75E4FE328D75}"/>
+    <dgm:cxn modelId="{46CE8C74-594B-4497-AF15-EC73BA6A329E}" srcId="{75EEE77E-09EA-405D-8A93-D487AB74E59D}" destId="{BBFCB8BB-CA9C-4F70-8CDC-C3C7BE994321}" srcOrd="3" destOrd="0" parTransId="{16A68E2A-828B-4028-83C2-47522032599F}" sibTransId="{707401F9-176E-418E-8D2A-83F472237975}"/>
+    <dgm:cxn modelId="{262E551A-4EE5-46DD-B333-80A575E3A54B}" type="presOf" srcId="{8930D76F-D7AA-43A9-98DA-A545D20C0EEF}" destId="{0E4B0CB6-033B-4566-B755-414A5EF2F4DE}" srcOrd="0" destOrd="1" presId="urn:microsoft.com/office/officeart/2005/8/layout/hList6"/>
+    <dgm:cxn modelId="{3E595441-77B6-4CF2-BF5F-07BEF782EED0}" type="presOf" srcId="{7A2CDF83-0097-4E97-9702-445E6108245C}" destId="{512B32B4-460C-4B9D-BE96-225B8715C818}" srcOrd="0" destOrd="0" presId="urn:microsoft.com/office/officeart/2005/8/layout/hList6"/>
     <dgm:cxn modelId="{0AA4F05E-48D8-43EA-A832-DA7DCD2EB0D8}" srcId="{D9351F4E-73FA-4EC5-8320-EF843B02240E}" destId="{8930D76F-D7AA-43A9-98DA-A545D20C0EEF}" srcOrd="0" destOrd="0" parTransId="{7E6AEC29-31E9-4CAC-9298-F4FFEA796929}" sibTransId="{80C1D8F8-E6D2-4B69-983C-8C24191E0200}"/>
-    <dgm:cxn modelId="{17023EFA-12BB-4575-BC2C-953AD58E841D}" type="presOf" srcId="{3AE5286B-39AB-4A44-96D5-1EC95B4912F2}" destId="{24C9A662-7AF2-4978-A6B3-71346A2DB949}" srcOrd="0" destOrd="0" presId="urn:microsoft.com/office/officeart/2008/layout/VerticalAccentList"/>
-    <dgm:cxn modelId="{C8970C52-6A08-4BB1-8956-A09A1CB473D1}" type="presOf" srcId="{B788FB50-A350-4B29-BEC1-2626C8E702F4}" destId="{210D1AF8-2017-4DBC-B2B5-114A66DF4420}" srcOrd="0" destOrd="0" presId="urn:microsoft.com/office/officeart/2008/layout/VerticalAccentList"/>
-    <dgm:cxn modelId="{6412FCF3-1CF7-4979-A300-EA89BB9F3B76}" type="presOf" srcId="{7A2CDF83-0097-4E97-9702-445E6108245C}" destId="{062531DB-01A0-4EE8-8837-5E0EC9036D1B}" srcOrd="0" destOrd="0" presId="urn:microsoft.com/office/officeart/2008/layout/VerticalAccentList"/>
-    <dgm:cxn modelId="{D21DDF83-0491-4EBB-9A97-7E980CD94AE9}" type="presOf" srcId="{DCBB82F4-C1DE-4074-AC82-A4E2180F13D3}" destId="{243F7021-F529-47DB-A161-9E7681815F4A}" srcOrd="0" destOrd="0" presId="urn:microsoft.com/office/officeart/2008/layout/VerticalAccentList"/>
     <dgm:cxn modelId="{E0D1FCCE-783C-453D-9162-14E66FD8F88A}" srcId="{75EEE77E-09EA-405D-8A93-D487AB74E59D}" destId="{D9351F4E-73FA-4EC5-8320-EF843B02240E}" srcOrd="0" destOrd="0" parTransId="{D0F1083F-DA00-43DF-8B3A-FF001B57E7C8}" sibTransId="{8CAEF78D-84DF-436A-A3D5-85B8336FAB3B}"/>
-    <dgm:cxn modelId="{CBE58B25-18DC-4F29-8CEF-36F1D6716EB9}" type="presOf" srcId="{BBFCB8BB-CA9C-4F70-8CDC-C3C7BE994321}" destId="{CA880167-DF48-484A-AB87-5DCCE958BBEB}" srcOrd="0" destOrd="0" presId="urn:microsoft.com/office/officeart/2008/layout/VerticalAccentList"/>
-    <dgm:cxn modelId="{7F00229D-F191-4801-9E03-322EC301444C}" srcId="{B788FB50-A350-4B29-BEC1-2626C8E702F4}" destId="{3AE5286B-39AB-4A44-96D5-1EC95B4912F2}" srcOrd="0" destOrd="0" parTransId="{0D4473DE-31E0-41BF-9A1C-EBC86FACCE43}" sibTransId="{20B76AF4-01EB-412D-807C-448C689B0462}"/>
-    <dgm:cxn modelId="{46CE8C74-594B-4497-AF15-EC73BA6A329E}" srcId="{75EEE77E-09EA-405D-8A93-D487AB74E59D}" destId="{BBFCB8BB-CA9C-4F70-8CDC-C3C7BE994321}" srcOrd="3" destOrd="0" parTransId="{16A68E2A-828B-4028-83C2-47522032599F}" sibTransId="{707401F9-176E-418E-8D2A-83F472237975}"/>
-    <dgm:cxn modelId="{CE50334A-9780-4EC6-B37D-CC5FF76CA11B}" type="presOf" srcId="{173346B4-5F20-4B36-884B-318CCC9B6298}" destId="{F416CA90-7510-4122-8DE6-138F976158E4}" srcOrd="0" destOrd="0" presId="urn:microsoft.com/office/officeart/2008/layout/VerticalAccentList"/>
-    <dgm:cxn modelId="{F350F53D-01EF-43DE-B894-CEF474BA6053}" type="presOf" srcId="{3954F7E6-3167-4EC1-8567-98682F459FFA}" destId="{DA74C2E1-3533-405C-9DD9-699092913436}" srcOrd="0" destOrd="0" presId="urn:microsoft.com/office/officeart/2008/layout/VerticalAccentList"/>
-    <dgm:cxn modelId="{563DF589-2F06-40ED-92F8-CF5653ED58D9}" type="presOf" srcId="{75EEE77E-09EA-405D-8A93-D487AB74E59D}" destId="{1DACFB09-287B-4B65-A248-42B618F2D4BB}" srcOrd="0" destOrd="0" presId="urn:microsoft.com/office/officeart/2008/layout/VerticalAccentList"/>
-    <dgm:cxn modelId="{9B9F46AA-1B9A-4855-B968-806E27815C4C}" srcId="{7A2CDF83-0097-4E97-9702-445E6108245C}" destId="{173346B4-5F20-4B36-884B-318CCC9B6298}" srcOrd="0" destOrd="0" parTransId="{CA0D347F-821F-44DA-B70B-6D8ABEE012A9}" sibTransId="{2ED630C6-5092-4918-99D0-75E4FE328D75}"/>
+    <dgm:cxn modelId="{7C815CCB-7463-474A-9E7E-7B83335C97AE}" type="presOf" srcId="{BEFD7D0E-7CB1-4443-B5C5-03A6698422C9}" destId="{F8A8AC8B-97BC-4A0A-A720-4101E842BA09}" srcOrd="0" destOrd="2" presId="urn:microsoft.com/office/officeart/2005/8/layout/hList6"/>
     <dgm:cxn modelId="{2750871F-9BF6-4557-9C65-E30A7EDA0727}" srcId="{75EEE77E-09EA-405D-8A93-D487AB74E59D}" destId="{7A2CDF83-0097-4E97-9702-445E6108245C}" srcOrd="1" destOrd="0" parTransId="{43C40EE5-D47A-41E6-BD71-F65DA3753B30}" sibTransId="{7D84DB68-6882-4F4A-A48C-ABDB4A2F92C1}"/>
-    <dgm:cxn modelId="{E4B6669E-2EB8-45E4-A5FA-29F9141914EE}" type="presOf" srcId="{8930D76F-D7AA-43A9-98DA-A545D20C0EEF}" destId="{2044B402-7B7B-4143-B31B-8674A952F01D}" srcOrd="0" destOrd="0" presId="urn:microsoft.com/office/officeart/2008/layout/VerticalAccentList"/>
-    <dgm:cxn modelId="{004CD5E9-D9A1-42AB-9F5D-496E55CA7E2A}" type="presOf" srcId="{184DC472-AE89-4B1B-B2F6-573572BEAF9A}" destId="{7C5CBBFF-CF85-49BA-9E2D-03646937F416}" srcOrd="0" destOrd="0" presId="urn:microsoft.com/office/officeart/2008/layout/VerticalAccentList"/>
+    <dgm:cxn modelId="{A16949DD-638F-4126-9DDC-C3EEEF2D432E}" type="presOf" srcId="{173346B4-5F20-4B36-884B-318CCC9B6298}" destId="{512B32B4-460C-4B9D-BE96-225B8715C818}" srcOrd="0" destOrd="1" presId="urn:microsoft.com/office/officeart/2005/8/layout/hList6"/>
+    <dgm:cxn modelId="{1518CC5B-E062-4E3A-A96F-DF374BAB5944}" type="presOf" srcId="{3954F7E6-3167-4EC1-8567-98682F459FFA}" destId="{F8A8AC8B-97BC-4A0A-A720-4101E842BA09}" srcOrd="0" destOrd="0" presId="urn:microsoft.com/office/officeart/2005/8/layout/hList6"/>
     <dgm:cxn modelId="{66ED8AE1-69F7-478F-977C-D12E9450C724}" srcId="{3954F7E6-3167-4EC1-8567-98682F459FFA}" destId="{DCBB82F4-C1DE-4074-AC82-A4E2180F13D3}" srcOrd="0" destOrd="0" parTransId="{1AE5B603-AF1E-4FBC-9F8D-755E83CF6623}" sibTransId="{A5462076-7F92-4B41-9C0D-93D290707E80}"/>
     <dgm:cxn modelId="{66E6809E-1AF1-441F-B45B-70B5DD25316E}" srcId="{75EEE77E-09EA-405D-8A93-D487AB74E59D}" destId="{3954F7E6-3167-4EC1-8567-98682F459FFA}" srcOrd="4" destOrd="0" parTransId="{77D1B969-F4A0-47C7-8EC6-5899E1597795}" sibTransId="{7DF516F7-D900-4407-9F8C-19FF7F7581FA}"/>
-    <dgm:cxn modelId="{3FB04B17-A846-4699-A984-1E2CC8043AA7}" type="presOf" srcId="{D9351F4E-73FA-4EC5-8320-EF843B02240E}" destId="{2F2AF64E-3638-4F8E-B28F-B7A095D94A20}" srcOrd="0" destOrd="0" presId="urn:microsoft.com/office/officeart/2008/layout/VerticalAccentList"/>
-    <dgm:cxn modelId="{D506DAF9-05CE-4E17-9E04-6B9E39899FDE}" type="presParOf" srcId="{1DACFB09-287B-4B65-A248-42B618F2D4BB}" destId="{3FC5FB66-E86F-41CB-9199-E7F2B7B8EB9C}" srcOrd="0" destOrd="0" presId="urn:microsoft.com/office/officeart/2008/layout/VerticalAccentList"/>
-    <dgm:cxn modelId="{270A6866-4949-47AC-9704-924EBE9847D2}" type="presParOf" srcId="{3FC5FB66-E86F-41CB-9199-E7F2B7B8EB9C}" destId="{2F2AF64E-3638-4F8E-B28F-B7A095D94A20}" srcOrd="0" destOrd="0" presId="urn:microsoft.com/office/officeart/2008/layout/VerticalAccentList"/>
-    <dgm:cxn modelId="{29C4C5FD-6AA2-459C-BF65-E998FF6DDA77}" type="presParOf" srcId="{1DACFB09-287B-4B65-A248-42B618F2D4BB}" destId="{3F0E9BD7-4BF7-44A5-9791-28C17D816029}" srcOrd="1" destOrd="0" presId="urn:microsoft.com/office/officeart/2008/layout/VerticalAccentList"/>
-    <dgm:cxn modelId="{7668F2C6-BC38-44D4-8512-9B49F39D3450}" type="presParOf" srcId="{3F0E9BD7-4BF7-44A5-9791-28C17D816029}" destId="{EB264DC9-0C4C-4A7A-9E90-D27E6DD3061F}" srcOrd="0" destOrd="0" presId="urn:microsoft.com/office/officeart/2008/layout/VerticalAccentList"/>
-    <dgm:cxn modelId="{DA517F92-0937-42E2-9C45-4B106AB49B20}" type="presParOf" srcId="{3F0E9BD7-4BF7-44A5-9791-28C17D816029}" destId="{6E7ACC96-20B8-41EE-B040-2935D7C143FA}" srcOrd="1" destOrd="0" presId="urn:microsoft.com/office/officeart/2008/layout/VerticalAccentList"/>
-    <dgm:cxn modelId="{2A17FE0D-8DAC-4243-B045-441B25D76123}" type="presParOf" srcId="{3F0E9BD7-4BF7-44A5-9791-28C17D816029}" destId="{481F6A2E-136F-410F-82FC-9140CC8A6B36}" srcOrd="2" destOrd="0" presId="urn:microsoft.com/office/officeart/2008/layout/VerticalAccentList"/>
-    <dgm:cxn modelId="{6D0CC4CC-45A9-47B7-8825-E356CE0118E1}" type="presParOf" srcId="{3F0E9BD7-4BF7-44A5-9791-28C17D816029}" destId="{B9C369C3-428C-4CBB-AA90-F1B0F0744D0C}" srcOrd="3" destOrd="0" presId="urn:microsoft.com/office/officeart/2008/layout/VerticalAccentList"/>
-    <dgm:cxn modelId="{EAE9AAC6-E126-4233-A7B9-A7674328C71F}" type="presParOf" srcId="{3F0E9BD7-4BF7-44A5-9791-28C17D816029}" destId="{E91306CF-3B0C-4254-AD35-7DFA9C903C7F}" srcOrd="4" destOrd="0" presId="urn:microsoft.com/office/officeart/2008/layout/VerticalAccentList"/>
-    <dgm:cxn modelId="{AD7E8CE3-578F-4589-A4F5-9A846DBD5A1B}" type="presParOf" srcId="{3F0E9BD7-4BF7-44A5-9791-28C17D816029}" destId="{84A0F772-811A-42D3-8439-FC9FFB03DCBC}" srcOrd="5" destOrd="0" presId="urn:microsoft.com/office/officeart/2008/layout/VerticalAccentList"/>
-    <dgm:cxn modelId="{65D164D9-B7C0-4092-80B4-F41F1A97C562}" type="presParOf" srcId="{3F0E9BD7-4BF7-44A5-9791-28C17D816029}" destId="{126DABD3-C2F4-4E85-860F-B47F6E876842}" srcOrd="6" destOrd="0" presId="urn:microsoft.com/office/officeart/2008/layout/VerticalAccentList"/>
-    <dgm:cxn modelId="{5A151E8D-3194-4883-A51F-20BD55A76B72}" type="presParOf" srcId="{3F0E9BD7-4BF7-44A5-9791-28C17D816029}" destId="{2044B402-7B7B-4143-B31B-8674A952F01D}" srcOrd="7" destOrd="0" presId="urn:microsoft.com/office/officeart/2008/layout/VerticalAccentList"/>
-    <dgm:cxn modelId="{ECF231D7-7720-4A3E-8C24-07B9E3AE1308}" type="presParOf" srcId="{1DACFB09-287B-4B65-A248-42B618F2D4BB}" destId="{72B39E19-7361-4037-AD11-B4A2E219FB1F}" srcOrd="2" destOrd="0" presId="urn:microsoft.com/office/officeart/2008/layout/VerticalAccentList"/>
-    <dgm:cxn modelId="{890EEA50-7738-4C86-BC33-87C5518F965A}" type="presParOf" srcId="{1DACFB09-287B-4B65-A248-42B618F2D4BB}" destId="{5FF5A63C-0C59-4193-90E8-D44379C31791}" srcOrd="3" destOrd="0" presId="urn:microsoft.com/office/officeart/2008/layout/VerticalAccentList"/>
-    <dgm:cxn modelId="{A5E65496-F5BD-4D0E-842C-8BE7631F9271}" type="presParOf" srcId="{5FF5A63C-0C59-4193-90E8-D44379C31791}" destId="{062531DB-01A0-4EE8-8837-5E0EC9036D1B}" srcOrd="0" destOrd="0" presId="urn:microsoft.com/office/officeart/2008/layout/VerticalAccentList"/>
-    <dgm:cxn modelId="{C0DB647D-1B0A-4D43-960E-AD84FBAD596D}" type="presParOf" srcId="{1DACFB09-287B-4B65-A248-42B618F2D4BB}" destId="{E427CDFA-CC95-470A-95E2-2E29503714E8}" srcOrd="4" destOrd="0" presId="urn:microsoft.com/office/officeart/2008/layout/VerticalAccentList"/>
-    <dgm:cxn modelId="{434DB320-715B-4942-A906-54EDF2EA815F}" type="presParOf" srcId="{E427CDFA-CC95-470A-95E2-2E29503714E8}" destId="{08235A3B-9353-4113-8497-12923904C2BA}" srcOrd="0" destOrd="0" presId="urn:microsoft.com/office/officeart/2008/layout/VerticalAccentList"/>
-    <dgm:cxn modelId="{B3962B61-CE37-43C7-911E-DBFAFE24F36A}" type="presParOf" srcId="{E427CDFA-CC95-470A-95E2-2E29503714E8}" destId="{24CB936C-60B0-4DAA-9CBF-E4C8D6E80B66}" srcOrd="1" destOrd="0" presId="urn:microsoft.com/office/officeart/2008/layout/VerticalAccentList"/>
-    <dgm:cxn modelId="{9B2CF098-52EF-466C-8578-CE82F0124EEE}" type="presParOf" srcId="{E427CDFA-CC95-470A-95E2-2E29503714E8}" destId="{9737DDFD-8D90-4574-B136-649279DE9F87}" srcOrd="2" destOrd="0" presId="urn:microsoft.com/office/officeart/2008/layout/VerticalAccentList"/>
-    <dgm:cxn modelId="{5E7B10BA-51E8-4057-BBC4-9260B0976723}" type="presParOf" srcId="{E427CDFA-CC95-470A-95E2-2E29503714E8}" destId="{E1332B0F-AA79-4817-90AB-007E38DC0C89}" srcOrd="3" destOrd="0" presId="urn:microsoft.com/office/officeart/2008/layout/VerticalAccentList"/>
-    <dgm:cxn modelId="{A9940DF2-11C8-4BF5-82DF-1FEEE0C29301}" type="presParOf" srcId="{E427CDFA-CC95-470A-95E2-2E29503714E8}" destId="{66B5C619-70EE-4F16-B517-141804FFA150}" srcOrd="4" destOrd="0" presId="urn:microsoft.com/office/officeart/2008/layout/VerticalAccentList"/>
-    <dgm:cxn modelId="{2D9AEAF1-D71C-442C-8848-70F09C22BFFD}" type="presParOf" srcId="{E427CDFA-CC95-470A-95E2-2E29503714E8}" destId="{40E30224-2AA5-4AF2-BAB0-DAF3ADF101E9}" srcOrd="5" destOrd="0" presId="urn:microsoft.com/office/officeart/2008/layout/VerticalAccentList"/>
-    <dgm:cxn modelId="{78378F1F-C0FA-490B-9DDE-6A6A220FF369}" type="presParOf" srcId="{E427CDFA-CC95-470A-95E2-2E29503714E8}" destId="{069F958F-FEE4-46CF-8751-DBF21161B35A}" srcOrd="6" destOrd="0" presId="urn:microsoft.com/office/officeart/2008/layout/VerticalAccentList"/>
-    <dgm:cxn modelId="{89F770FA-ACBD-42B3-B302-65014DB51584}" type="presParOf" srcId="{E427CDFA-CC95-470A-95E2-2E29503714E8}" destId="{F416CA90-7510-4122-8DE6-138F976158E4}" srcOrd="7" destOrd="0" presId="urn:microsoft.com/office/officeart/2008/layout/VerticalAccentList"/>
-    <dgm:cxn modelId="{C3F1A2DF-2360-49A5-A6EE-C3C388405DC6}" type="presParOf" srcId="{1DACFB09-287B-4B65-A248-42B618F2D4BB}" destId="{7A0040E7-0367-4EE1-8231-8007F83E9E6D}" srcOrd="5" destOrd="0" presId="urn:microsoft.com/office/officeart/2008/layout/VerticalAccentList"/>
-    <dgm:cxn modelId="{A1A3BFB9-1B3A-4582-9BEF-DDC7F1119901}" type="presParOf" srcId="{1DACFB09-287B-4B65-A248-42B618F2D4BB}" destId="{4E1DB7B1-1E92-4CA5-8465-B4322A8760F8}" srcOrd="6" destOrd="0" presId="urn:microsoft.com/office/officeart/2008/layout/VerticalAccentList"/>
-    <dgm:cxn modelId="{4841B609-53AA-4FBD-8868-8BB1BE6CB06D}" type="presParOf" srcId="{4E1DB7B1-1E92-4CA5-8465-B4322A8760F8}" destId="{210D1AF8-2017-4DBC-B2B5-114A66DF4420}" srcOrd="0" destOrd="0" presId="urn:microsoft.com/office/officeart/2008/layout/VerticalAccentList"/>
-    <dgm:cxn modelId="{400FFC4C-4742-43DD-9B34-A1A7DFB10D93}" type="presParOf" srcId="{1DACFB09-287B-4B65-A248-42B618F2D4BB}" destId="{F96BFC31-86F0-4165-906C-BB1BC9692CA1}" srcOrd="7" destOrd="0" presId="urn:microsoft.com/office/officeart/2008/layout/VerticalAccentList"/>
-    <dgm:cxn modelId="{2BCB53A3-F853-4713-8721-002A319D26CE}" type="presParOf" srcId="{F96BFC31-86F0-4165-906C-BB1BC9692CA1}" destId="{5F05050B-7A50-4EC7-82F3-B378E6918583}" srcOrd="0" destOrd="0" presId="urn:microsoft.com/office/officeart/2008/layout/VerticalAccentList"/>
-    <dgm:cxn modelId="{C3722371-9429-486D-9B56-564AC64926BD}" type="presParOf" srcId="{F96BFC31-86F0-4165-906C-BB1BC9692CA1}" destId="{F5C30086-06CB-43B6-A56D-2A81F808C172}" srcOrd="1" destOrd="0" presId="urn:microsoft.com/office/officeart/2008/layout/VerticalAccentList"/>
-    <dgm:cxn modelId="{BEDC475B-CAA0-4B91-BA55-D88A2BB6DC78}" type="presParOf" srcId="{F96BFC31-86F0-4165-906C-BB1BC9692CA1}" destId="{9742385A-7FB8-42D1-94C6-33DA54E809B8}" srcOrd="2" destOrd="0" presId="urn:microsoft.com/office/officeart/2008/layout/VerticalAccentList"/>
-    <dgm:cxn modelId="{4B258717-E58E-49E6-97E8-070B644BF35F}" type="presParOf" srcId="{F96BFC31-86F0-4165-906C-BB1BC9692CA1}" destId="{C121C48C-28B7-4914-A544-6D69BB6A0371}" srcOrd="3" destOrd="0" presId="urn:microsoft.com/office/officeart/2008/layout/VerticalAccentList"/>
-    <dgm:cxn modelId="{6F2B02A4-65AB-4CDA-8757-E7F5752E918F}" type="presParOf" srcId="{F96BFC31-86F0-4165-906C-BB1BC9692CA1}" destId="{73123508-18D6-4F45-A44E-2B4699AADB6D}" srcOrd="4" destOrd="0" presId="urn:microsoft.com/office/officeart/2008/layout/VerticalAccentList"/>
-    <dgm:cxn modelId="{33CD27FB-12D2-44A2-B0C7-9DF69CFB7A87}" type="presParOf" srcId="{F96BFC31-86F0-4165-906C-BB1BC9692CA1}" destId="{56FDFA76-D7E1-44B9-9997-9F100FAE3F7D}" srcOrd="5" destOrd="0" presId="urn:microsoft.com/office/officeart/2008/layout/VerticalAccentList"/>
-    <dgm:cxn modelId="{8781DCE4-D23E-4321-81CA-93C3B7A20845}" type="presParOf" srcId="{F96BFC31-86F0-4165-906C-BB1BC9692CA1}" destId="{CC34B55F-6870-4CA5-BB3F-09FFF8A43482}" srcOrd="6" destOrd="0" presId="urn:microsoft.com/office/officeart/2008/layout/VerticalAccentList"/>
-    <dgm:cxn modelId="{42408AF6-E74A-412F-BAF3-953646553390}" type="presParOf" srcId="{F96BFC31-86F0-4165-906C-BB1BC9692CA1}" destId="{24C9A662-7AF2-4978-A6B3-71346A2DB949}" srcOrd="7" destOrd="0" presId="urn:microsoft.com/office/officeart/2008/layout/VerticalAccentList"/>
-    <dgm:cxn modelId="{637BFE9F-0862-4BEC-9C2F-35A7F3CC6B71}" type="presParOf" srcId="{1DACFB09-287B-4B65-A248-42B618F2D4BB}" destId="{30749BD1-66A9-44CF-AD78-2F77173DBBB4}" srcOrd="8" destOrd="0" presId="urn:microsoft.com/office/officeart/2008/layout/VerticalAccentList"/>
-    <dgm:cxn modelId="{EFEBA91C-39EC-47FC-89B5-01038C667347}" type="presParOf" srcId="{1DACFB09-287B-4B65-A248-42B618F2D4BB}" destId="{DC1ABF85-4B85-48E7-BADB-73CE85D1925C}" srcOrd="9" destOrd="0" presId="urn:microsoft.com/office/officeart/2008/layout/VerticalAccentList"/>
-    <dgm:cxn modelId="{C751595E-B1DB-490A-8346-C73B02335805}" type="presParOf" srcId="{DC1ABF85-4B85-48E7-BADB-73CE85D1925C}" destId="{CA880167-DF48-484A-AB87-5DCCE958BBEB}" srcOrd="0" destOrd="0" presId="urn:microsoft.com/office/officeart/2008/layout/VerticalAccentList"/>
-    <dgm:cxn modelId="{86DFE1D6-4C76-4ADC-AC41-F75DA2DEE119}" type="presParOf" srcId="{1DACFB09-287B-4B65-A248-42B618F2D4BB}" destId="{72446A77-9D4B-4861-B07C-1F2BB6F33007}" srcOrd="10" destOrd="0" presId="urn:microsoft.com/office/officeart/2008/layout/VerticalAccentList"/>
-    <dgm:cxn modelId="{F1C2A955-1CE6-4696-BC3B-F7263B17C6AB}" type="presParOf" srcId="{72446A77-9D4B-4861-B07C-1F2BB6F33007}" destId="{DB7E056C-7190-4B65-9B54-95153135960D}" srcOrd="0" destOrd="0" presId="urn:microsoft.com/office/officeart/2008/layout/VerticalAccentList"/>
-    <dgm:cxn modelId="{8671E3D9-5034-4D49-A025-AA32A9DFB313}" type="presParOf" srcId="{72446A77-9D4B-4861-B07C-1F2BB6F33007}" destId="{FAA8BE36-99A5-4E0C-9CE8-92C2550F75F1}" srcOrd="1" destOrd="0" presId="urn:microsoft.com/office/officeart/2008/layout/VerticalAccentList"/>
-    <dgm:cxn modelId="{09E56977-30C3-4C43-9621-0539DC13122A}" type="presParOf" srcId="{72446A77-9D4B-4861-B07C-1F2BB6F33007}" destId="{4FEB005A-EACB-4F85-8C04-6D5161CC5B06}" srcOrd="2" destOrd="0" presId="urn:microsoft.com/office/officeart/2008/layout/VerticalAccentList"/>
-    <dgm:cxn modelId="{AEFC16E3-E55E-4BE0-B7EC-6EEF1F8183D1}" type="presParOf" srcId="{72446A77-9D4B-4861-B07C-1F2BB6F33007}" destId="{982B287A-BF66-406E-9EFD-F71D3478F0D2}" srcOrd="3" destOrd="0" presId="urn:microsoft.com/office/officeart/2008/layout/VerticalAccentList"/>
-    <dgm:cxn modelId="{940C305C-B384-4802-B53E-A1FE196BFC1D}" type="presParOf" srcId="{72446A77-9D4B-4861-B07C-1F2BB6F33007}" destId="{B6961244-519F-48FB-B997-A85EEE983F19}" srcOrd="4" destOrd="0" presId="urn:microsoft.com/office/officeart/2008/layout/VerticalAccentList"/>
-    <dgm:cxn modelId="{C7D09AE6-988C-47C4-B1E3-4B5A5E11FC4D}" type="presParOf" srcId="{72446A77-9D4B-4861-B07C-1F2BB6F33007}" destId="{FFBA97A0-4807-4217-920B-15F8DA6BD1BE}" srcOrd="5" destOrd="0" presId="urn:microsoft.com/office/officeart/2008/layout/VerticalAccentList"/>
-    <dgm:cxn modelId="{29A28B8E-C44A-45F8-BEEF-AE84607D10CA}" type="presParOf" srcId="{72446A77-9D4B-4861-B07C-1F2BB6F33007}" destId="{02F9EF01-6825-4B90-9E70-7B0C3872347C}" srcOrd="6" destOrd="0" presId="urn:microsoft.com/office/officeart/2008/layout/VerticalAccentList"/>
-    <dgm:cxn modelId="{067B5BA5-7689-4E6D-93FE-DE6808432C39}" type="presParOf" srcId="{72446A77-9D4B-4861-B07C-1F2BB6F33007}" destId="{7C5CBBFF-CF85-49BA-9E2D-03646937F416}" srcOrd="7" destOrd="0" presId="urn:microsoft.com/office/officeart/2008/layout/VerticalAccentList"/>
-    <dgm:cxn modelId="{5EEB9459-54AB-4450-836A-CC1D5E7A2F24}" type="presParOf" srcId="{1DACFB09-287B-4B65-A248-42B618F2D4BB}" destId="{A518ADCE-8EB6-4D71-BA3F-8F2BCF8B51B8}" srcOrd="11" destOrd="0" presId="urn:microsoft.com/office/officeart/2008/layout/VerticalAccentList"/>
-    <dgm:cxn modelId="{62DAAE14-4E4A-4D9F-B438-715293E6DC5C}" type="presParOf" srcId="{1DACFB09-287B-4B65-A248-42B618F2D4BB}" destId="{132A6EF1-0D8E-4F41-993C-B8B0E4432037}" srcOrd="12" destOrd="0" presId="urn:microsoft.com/office/officeart/2008/layout/VerticalAccentList"/>
-    <dgm:cxn modelId="{3EB8F813-861F-4C54-A2D2-8D1C73178B49}" type="presParOf" srcId="{132A6EF1-0D8E-4F41-993C-B8B0E4432037}" destId="{DA74C2E1-3533-405C-9DD9-699092913436}" srcOrd="0" destOrd="0" presId="urn:microsoft.com/office/officeart/2008/layout/VerticalAccentList"/>
-    <dgm:cxn modelId="{42D796C6-F19D-49D8-B182-E4D78A4B2315}" type="presParOf" srcId="{1DACFB09-287B-4B65-A248-42B618F2D4BB}" destId="{F1D53B3C-3948-4475-B0D3-D26203A96BA1}" srcOrd="13" destOrd="0" presId="urn:microsoft.com/office/officeart/2008/layout/VerticalAccentList"/>
-    <dgm:cxn modelId="{00185955-D05D-49B1-9C29-B0CCC43738E8}" type="presParOf" srcId="{F1D53B3C-3948-4475-B0D3-D26203A96BA1}" destId="{6EDF9DD2-79BF-4509-BABD-31F461030C69}" srcOrd="0" destOrd="0" presId="urn:microsoft.com/office/officeart/2008/layout/VerticalAccentList"/>
-    <dgm:cxn modelId="{57FBB06D-5648-4328-B639-203ECEE90362}" type="presParOf" srcId="{F1D53B3C-3948-4475-B0D3-D26203A96BA1}" destId="{A5F33966-FC23-4638-BF87-98871CEBF47E}" srcOrd="1" destOrd="0" presId="urn:microsoft.com/office/officeart/2008/layout/VerticalAccentList"/>
-    <dgm:cxn modelId="{0CB5AC65-3BF8-4699-9943-664CA00B443A}" type="presParOf" srcId="{F1D53B3C-3948-4475-B0D3-D26203A96BA1}" destId="{25C14A0B-4609-4141-A22E-E3764CE22774}" srcOrd="2" destOrd="0" presId="urn:microsoft.com/office/officeart/2008/layout/VerticalAccentList"/>
-    <dgm:cxn modelId="{F26B7B40-23FA-4D63-9646-0199792CBCB9}" type="presParOf" srcId="{F1D53B3C-3948-4475-B0D3-D26203A96BA1}" destId="{6C96CEE2-CB32-4A33-BD67-64DA28040F3C}" srcOrd="3" destOrd="0" presId="urn:microsoft.com/office/officeart/2008/layout/VerticalAccentList"/>
-    <dgm:cxn modelId="{76BC00AE-C22F-434D-ADB0-D69E874F3DBF}" type="presParOf" srcId="{F1D53B3C-3948-4475-B0D3-D26203A96BA1}" destId="{805F7FA0-F720-4206-9B54-2B8DFA0973CA}" srcOrd="4" destOrd="0" presId="urn:microsoft.com/office/officeart/2008/layout/VerticalAccentList"/>
-    <dgm:cxn modelId="{E6B37FD9-A3CF-461E-9942-F179550812A6}" type="presParOf" srcId="{F1D53B3C-3948-4475-B0D3-D26203A96BA1}" destId="{54C6FB5F-EF59-4F87-BCF0-A707112DA305}" srcOrd="5" destOrd="0" presId="urn:microsoft.com/office/officeart/2008/layout/VerticalAccentList"/>
-    <dgm:cxn modelId="{9D0A9AEE-A264-4173-A6DD-521E39214336}" type="presParOf" srcId="{F1D53B3C-3948-4475-B0D3-D26203A96BA1}" destId="{7991F8C1-F16E-423A-B187-006D64223A09}" srcOrd="6" destOrd="0" presId="urn:microsoft.com/office/officeart/2008/layout/VerticalAccentList"/>
-    <dgm:cxn modelId="{304876AD-3E9C-4DB6-8D82-E54C8A7D3050}" type="presParOf" srcId="{F1D53B3C-3948-4475-B0D3-D26203A96BA1}" destId="{243F7021-F529-47DB-A161-9E7681815F4A}" srcOrd="7" destOrd="0" presId="urn:microsoft.com/office/officeart/2008/layout/VerticalAccentList"/>
+    <dgm:cxn modelId="{8FFA6486-6A21-4C69-ABDF-FA5A2CB18FDF}" srcId="{BBFCB8BB-CA9C-4F70-8CDC-C3C7BE994321}" destId="{184DC472-AE89-4B1B-B2F6-573572BEAF9A}" srcOrd="0" destOrd="0" parTransId="{D89B58B8-431D-4C55-B724-69B6516F87AC}" sibTransId="{0C6B157A-0C83-4367-A527-941DA0D33BC6}"/>
+    <dgm:cxn modelId="{235D616B-791D-4BA0-B88E-74A497464B77}" type="presOf" srcId="{BBFCB8BB-CA9C-4F70-8CDC-C3C7BE994321}" destId="{2CC5B836-7048-4F57-B7D1-484C3295EE57}" srcOrd="0" destOrd="0" presId="urn:microsoft.com/office/officeart/2005/8/layout/hList6"/>
+    <dgm:cxn modelId="{CBDA4070-91A5-476F-8BB8-1D588B3E21AF}" type="presOf" srcId="{75EEE77E-09EA-405D-8A93-D487AB74E59D}" destId="{E34AA208-3804-48BA-A484-16DBDAF6E8A9}" srcOrd="0" destOrd="0" presId="urn:microsoft.com/office/officeart/2005/8/layout/hList6"/>
+    <dgm:cxn modelId="{DD219037-1CBA-4131-8BCE-97383105E140}" type="presParOf" srcId="{E34AA208-3804-48BA-A484-16DBDAF6E8A9}" destId="{0E4B0CB6-033B-4566-B755-414A5EF2F4DE}" srcOrd="0" destOrd="0" presId="urn:microsoft.com/office/officeart/2005/8/layout/hList6"/>
+    <dgm:cxn modelId="{22AE2F3E-BFC2-4503-BA99-3413B2635FD6}" type="presParOf" srcId="{E34AA208-3804-48BA-A484-16DBDAF6E8A9}" destId="{A88B5B70-CB74-4763-AD02-BC9CA7AD3926}" srcOrd="1" destOrd="0" presId="urn:microsoft.com/office/officeart/2005/8/layout/hList6"/>
+    <dgm:cxn modelId="{533C6CC0-AFD8-4529-9036-413B7F5D9230}" type="presParOf" srcId="{E34AA208-3804-48BA-A484-16DBDAF6E8A9}" destId="{512B32B4-460C-4B9D-BE96-225B8715C818}" srcOrd="2" destOrd="0" presId="urn:microsoft.com/office/officeart/2005/8/layout/hList6"/>
+    <dgm:cxn modelId="{F4EC75A5-900E-4405-82F3-A7F6D5E4E11C}" type="presParOf" srcId="{E34AA208-3804-48BA-A484-16DBDAF6E8A9}" destId="{B92ADB11-91DB-493B-A94E-210D96B1F292}" srcOrd="3" destOrd="0" presId="urn:microsoft.com/office/officeart/2005/8/layout/hList6"/>
+    <dgm:cxn modelId="{7D241845-935B-4386-9119-741E50A228D6}" type="presParOf" srcId="{E34AA208-3804-48BA-A484-16DBDAF6E8A9}" destId="{91EDA7D3-2FAE-4B95-B9D5-1F68FAB2674A}" srcOrd="4" destOrd="0" presId="urn:microsoft.com/office/officeart/2005/8/layout/hList6"/>
+    <dgm:cxn modelId="{9ADA5163-501A-4F1C-9123-C18E1B0C29FC}" type="presParOf" srcId="{E34AA208-3804-48BA-A484-16DBDAF6E8A9}" destId="{51312392-0971-4F60-80D7-769BD2CD5416}" srcOrd="5" destOrd="0" presId="urn:microsoft.com/office/officeart/2005/8/layout/hList6"/>
+    <dgm:cxn modelId="{D450208D-7AE9-4937-9B07-7D509542B9FC}" type="presParOf" srcId="{E34AA208-3804-48BA-A484-16DBDAF6E8A9}" destId="{2CC5B836-7048-4F57-B7D1-484C3295EE57}" srcOrd="6" destOrd="0" presId="urn:microsoft.com/office/officeart/2005/8/layout/hList6"/>
+    <dgm:cxn modelId="{B123C4C3-B860-44A5-B7AF-36BCCC806134}" type="presParOf" srcId="{E34AA208-3804-48BA-A484-16DBDAF6E8A9}" destId="{E867B228-8CB4-4084-BE2C-09D8F97278E9}" srcOrd="7" destOrd="0" presId="urn:microsoft.com/office/officeart/2005/8/layout/hList6"/>
+    <dgm:cxn modelId="{4DC56E78-BD29-45BE-A1C7-4B2DFE735439}" type="presParOf" srcId="{E34AA208-3804-48BA-A484-16DBDAF6E8A9}" destId="{F8A8AC8B-97BC-4A0A-A720-4101E842BA09}" srcOrd="8" destOrd="0" presId="urn:microsoft.com/office/officeart/2005/8/layout/hList6"/>
   </dgm:cxnLst>
   <dgm:bg/>
   <dgm:whole/>
@@ -11708,30 +11470,30 @@
     </dgm:pt>
   </dgm:ptLst>
   <dgm:cxnLst>
+    <dgm:cxn modelId="{82080140-8BA1-457F-9DD6-44D6930ED6D6}" srcId="{F28C840E-ADDB-4896-95ED-D336AF0836EF}" destId="{A30C509B-374B-485C-A13F-B87433502462}" srcOrd="1" destOrd="0" parTransId="{6E66F2AF-254F-4AE2-8D5B-BD611A731865}" sibTransId="{F897E7CF-A0BC-4F59-A748-D52BEC412733}"/>
+    <dgm:cxn modelId="{B88DD455-3CD8-4D73-A5EF-156D8E233EC0}" type="presOf" srcId="{7261727F-5282-40EB-969C-5538E63DBBC0}" destId="{65DA6EEB-BBC1-4827-B929-41E88FE21C01}" srcOrd="0" destOrd="0" presId="urn:microsoft.com/office/officeart/2005/8/layout/process3"/>
+    <dgm:cxn modelId="{9DE65D89-F38C-401C-9FA3-83859FD9F29D}" srcId="{4CD6736C-63B7-4EBF-BAA2-522DD1E19ABC}" destId="{EC6EEACB-E9C2-4C6B-8EE1-D80D0DC3C5D2}" srcOrd="0" destOrd="0" parTransId="{D5951757-C6E2-422C-A272-2D00B81FB615}" sibTransId="{7CBF1481-7B67-4CA2-9E04-CFF22BB01373}"/>
+    <dgm:cxn modelId="{B997505D-8D4D-488F-99A0-FDD607662C37}" type="presOf" srcId="{F28C840E-ADDB-4896-95ED-D336AF0836EF}" destId="{D180411C-4518-4D8D-B19D-DEE403479BEE}" srcOrd="0" destOrd="0" presId="urn:microsoft.com/office/officeart/2005/8/layout/process3"/>
+    <dgm:cxn modelId="{36E37519-A7F2-490B-A2C1-3E9674E900AC}" type="presOf" srcId="{EC6EEACB-E9C2-4C6B-8EE1-D80D0DC3C5D2}" destId="{4B033BFE-B880-4CE3-8777-A3F1C925A3C8}" srcOrd="0" destOrd="9" presId="urn:microsoft.com/office/officeart/2005/8/layout/process3"/>
+    <dgm:cxn modelId="{1F940A9F-9F79-4EB1-B14B-FE67D87E49BB}" srcId="{7261727F-5282-40EB-969C-5538E63DBBC0}" destId="{F28C840E-ADDB-4896-95ED-D336AF0836EF}" srcOrd="0" destOrd="0" parTransId="{7313FF86-6EA6-4AC0-B5C1-AEF65BF48FD9}" sibTransId="{4209D459-C8F1-4F10-8C94-F921E57D2693}"/>
+    <dgm:cxn modelId="{22AD9695-85B4-4F72-BA76-A30EA307CF47}" srcId="{6C7B587C-0A60-40C6-8570-048FA4023B9C}" destId="{0EE447AC-7063-4540-A43A-0D09C5DAA5D6}" srcOrd="0" destOrd="0" parTransId="{9C362B58-3262-4854-8D64-278B91C72B4B}" sibTransId="{6FD4C55F-BFF5-499B-835E-989483DF9D1F}"/>
+    <dgm:cxn modelId="{239963DE-46B4-4BCE-9BA2-88298D05F26A}" type="presOf" srcId="{BCD5A3AC-A0F0-4E5D-9ADB-5F291CAA6442}" destId="{4B033BFE-B880-4CE3-8777-A3F1C925A3C8}" srcOrd="0" destOrd="7" presId="urn:microsoft.com/office/officeart/2005/8/layout/process3"/>
+    <dgm:cxn modelId="{481A7621-B5F2-4C03-A18D-491767748C32}" type="presOf" srcId="{B82B0EA2-9665-45B5-942A-1D55DF83F9EE}" destId="{4B033BFE-B880-4CE3-8777-A3F1C925A3C8}" srcOrd="0" destOrd="0" presId="urn:microsoft.com/office/officeart/2005/8/layout/process3"/>
+    <dgm:cxn modelId="{FCF13C1B-7007-4A1F-9364-2847522ABA19}" srcId="{F28C840E-ADDB-4896-95ED-D336AF0836EF}" destId="{B82B0EA2-9665-45B5-942A-1D55DF83F9EE}" srcOrd="0" destOrd="0" parTransId="{A6E5FDC9-B80A-4EBB-991A-C2E66EEE4F33}" sibTransId="{EDAF5F0E-3F9B-4020-89B4-6E975A501036}"/>
+    <dgm:cxn modelId="{422AC803-6810-4F4B-BD6C-4F5FF4473EA4}" type="presOf" srcId="{4CD6736C-63B7-4EBF-BAA2-522DD1E19ABC}" destId="{4B033BFE-B880-4CE3-8777-A3F1C925A3C8}" srcOrd="0" destOrd="8" presId="urn:microsoft.com/office/officeart/2005/8/layout/process3"/>
+    <dgm:cxn modelId="{721CCFF2-BC26-4679-8C5B-6D97B0893D01}" type="presOf" srcId="{6C7B587C-0A60-40C6-8570-048FA4023B9C}" destId="{4B033BFE-B880-4CE3-8777-A3F1C925A3C8}" srcOrd="0" destOrd="4" presId="urn:microsoft.com/office/officeart/2005/8/layout/process3"/>
+    <dgm:cxn modelId="{14936487-B342-4894-A1CD-BB4451C9975D}" srcId="{F28C840E-ADDB-4896-95ED-D336AF0836EF}" destId="{6F949F30-406C-44FB-8928-0FD23381CE40}" srcOrd="3" destOrd="0" parTransId="{3C81BFFA-1981-4C3B-B76E-3B3D705018C7}" sibTransId="{2980DE83-16C6-414C-977F-27EFDCB23981}"/>
+    <dgm:cxn modelId="{15E896F7-5030-42B0-BCA1-0D1390AB14E4}" srcId="{A30C509B-374B-485C-A13F-B87433502462}" destId="{643733B0-723B-4970-919F-2A2067545675}" srcOrd="0" destOrd="0" parTransId="{3D234AE5-056B-43BE-BA16-53A317DD7BD4}" sibTransId="{75F3E392-4246-47B2-8A78-C0A87B149BD1}"/>
+    <dgm:cxn modelId="{4CA82A52-6D20-4886-B438-61218C533E1B}" type="presOf" srcId="{F28C840E-ADDB-4896-95ED-D336AF0836EF}" destId="{EB93852C-914F-4091-BE8D-BBAFF0E8DB8D}" srcOrd="1" destOrd="0" presId="urn:microsoft.com/office/officeart/2005/8/layout/process3"/>
+    <dgm:cxn modelId="{CA7B18FE-C7EF-44D0-9826-226BE9D1A38D}" srcId="{F28C840E-ADDB-4896-95ED-D336AF0836EF}" destId="{6C7B587C-0A60-40C6-8570-048FA4023B9C}" srcOrd="2" destOrd="0" parTransId="{4AB9B2AF-60B4-4087-9E28-CD56343C4E7C}" sibTransId="{D653D52D-6FE9-4539-9E08-C053BEDD3C15}"/>
+    <dgm:cxn modelId="{C7390CAB-7F42-42A6-9FE7-B4DCAEC145A9}" srcId="{F28C840E-ADDB-4896-95ED-D336AF0836EF}" destId="{4CD6736C-63B7-4EBF-BAA2-522DD1E19ABC}" srcOrd="4" destOrd="0" parTransId="{2CDE0BBF-69AB-464B-BB55-6E838BDFC61B}" sibTransId="{E106E080-E121-4C1F-B078-9A8A5129008E}"/>
     <dgm:cxn modelId="{AB1CBA9A-31B7-472B-B544-ECE14A775CFE}" type="presOf" srcId="{6F949F30-406C-44FB-8928-0FD23381CE40}" destId="{4B033BFE-B880-4CE3-8777-A3F1C925A3C8}" srcOrd="0" destOrd="6" presId="urn:microsoft.com/office/officeart/2005/8/layout/process3"/>
     <dgm:cxn modelId="{1FC0EE4D-1C96-4ACD-94CA-17EDD5036D83}" srcId="{B82B0EA2-9665-45B5-942A-1D55DF83F9EE}" destId="{55875F4A-64E1-4E96-9447-F066DE66E163}" srcOrd="0" destOrd="0" parTransId="{31AA0616-2D98-4F58-8A6F-E9FEF469EC37}" sibTransId="{115B085A-AF54-4977-9162-DB69DE0BAFF7}"/>
-    <dgm:cxn modelId="{22AD9695-85B4-4F72-BA76-A30EA307CF47}" srcId="{6C7B587C-0A60-40C6-8570-048FA4023B9C}" destId="{0EE447AC-7063-4540-A43A-0D09C5DAA5D6}" srcOrd="0" destOrd="0" parTransId="{9C362B58-3262-4854-8D64-278B91C72B4B}" sibTransId="{6FD4C55F-BFF5-499B-835E-989483DF9D1F}"/>
-    <dgm:cxn modelId="{1F940A9F-9F79-4EB1-B14B-FE67D87E49BB}" srcId="{7261727F-5282-40EB-969C-5538E63DBBC0}" destId="{F28C840E-ADDB-4896-95ED-D336AF0836EF}" srcOrd="0" destOrd="0" parTransId="{7313FF86-6EA6-4AC0-B5C1-AEF65BF48FD9}" sibTransId="{4209D459-C8F1-4F10-8C94-F921E57D2693}"/>
-    <dgm:cxn modelId="{C7390CAB-7F42-42A6-9FE7-B4DCAEC145A9}" srcId="{F28C840E-ADDB-4896-95ED-D336AF0836EF}" destId="{4CD6736C-63B7-4EBF-BAA2-522DD1E19ABC}" srcOrd="4" destOrd="0" parTransId="{2CDE0BBF-69AB-464B-BB55-6E838BDFC61B}" sibTransId="{E106E080-E121-4C1F-B078-9A8A5129008E}"/>
-    <dgm:cxn modelId="{14936487-B342-4894-A1CD-BB4451C9975D}" srcId="{F28C840E-ADDB-4896-95ED-D336AF0836EF}" destId="{6F949F30-406C-44FB-8928-0FD23381CE40}" srcOrd="3" destOrd="0" parTransId="{3C81BFFA-1981-4C3B-B76E-3B3D705018C7}" sibTransId="{2980DE83-16C6-414C-977F-27EFDCB23981}"/>
-    <dgm:cxn modelId="{82080140-8BA1-457F-9DD6-44D6930ED6D6}" srcId="{F28C840E-ADDB-4896-95ED-D336AF0836EF}" destId="{A30C509B-374B-485C-A13F-B87433502462}" srcOrd="1" destOrd="0" parTransId="{6E66F2AF-254F-4AE2-8D5B-BD611A731865}" sibTransId="{F897E7CF-A0BC-4F59-A748-D52BEC412733}"/>
-    <dgm:cxn modelId="{721CCFF2-BC26-4679-8C5B-6D97B0893D01}" type="presOf" srcId="{6C7B587C-0A60-40C6-8570-048FA4023B9C}" destId="{4B033BFE-B880-4CE3-8777-A3F1C925A3C8}" srcOrd="0" destOrd="4" presId="urn:microsoft.com/office/officeart/2005/8/layout/process3"/>
+    <dgm:cxn modelId="{30391367-C198-40A3-82F4-476550013227}" type="presOf" srcId="{55875F4A-64E1-4E96-9447-F066DE66E163}" destId="{4B033BFE-B880-4CE3-8777-A3F1C925A3C8}" srcOrd="0" destOrd="1" presId="urn:microsoft.com/office/officeart/2005/8/layout/process3"/>
+    <dgm:cxn modelId="{0A98F4AA-C95D-4820-9A62-A73BA3F5FD7C}" srcId="{6F949F30-406C-44FB-8928-0FD23381CE40}" destId="{BCD5A3AC-A0F0-4E5D-9ADB-5F291CAA6442}" srcOrd="0" destOrd="0" parTransId="{367FAE3E-8E1F-46D5-9839-DAA893B4BFC8}" sibTransId="{142C6E4F-6FCB-4467-BFDC-2BA6995D6A9E}"/>
     <dgm:cxn modelId="{BE04FB6F-9AA6-4F62-924B-526D75EF56F7}" type="presOf" srcId="{0EE447AC-7063-4540-A43A-0D09C5DAA5D6}" destId="{4B033BFE-B880-4CE3-8777-A3F1C925A3C8}" srcOrd="0" destOrd="5" presId="urn:microsoft.com/office/officeart/2005/8/layout/process3"/>
-    <dgm:cxn modelId="{B88DD455-3CD8-4D73-A5EF-156D8E233EC0}" type="presOf" srcId="{7261727F-5282-40EB-969C-5538E63DBBC0}" destId="{65DA6EEB-BBC1-4827-B929-41E88FE21C01}" srcOrd="0" destOrd="0" presId="urn:microsoft.com/office/officeart/2005/8/layout/process3"/>
-    <dgm:cxn modelId="{CA7B18FE-C7EF-44D0-9826-226BE9D1A38D}" srcId="{F28C840E-ADDB-4896-95ED-D336AF0836EF}" destId="{6C7B587C-0A60-40C6-8570-048FA4023B9C}" srcOrd="2" destOrd="0" parTransId="{4AB9B2AF-60B4-4087-9E28-CD56343C4E7C}" sibTransId="{D653D52D-6FE9-4539-9E08-C053BEDD3C15}"/>
-    <dgm:cxn modelId="{B997505D-8D4D-488F-99A0-FDD607662C37}" type="presOf" srcId="{F28C840E-ADDB-4896-95ED-D336AF0836EF}" destId="{D180411C-4518-4D8D-B19D-DEE403479BEE}" srcOrd="0" destOrd="0" presId="urn:microsoft.com/office/officeart/2005/8/layout/process3"/>
-    <dgm:cxn modelId="{FCF13C1B-7007-4A1F-9364-2847522ABA19}" srcId="{F28C840E-ADDB-4896-95ED-D336AF0836EF}" destId="{B82B0EA2-9665-45B5-942A-1D55DF83F9EE}" srcOrd="0" destOrd="0" parTransId="{A6E5FDC9-B80A-4EBB-991A-C2E66EEE4F33}" sibTransId="{EDAF5F0E-3F9B-4020-89B4-6E975A501036}"/>
-    <dgm:cxn modelId="{422AC803-6810-4F4B-BD6C-4F5FF4473EA4}" type="presOf" srcId="{4CD6736C-63B7-4EBF-BAA2-522DD1E19ABC}" destId="{4B033BFE-B880-4CE3-8777-A3F1C925A3C8}" srcOrd="0" destOrd="8" presId="urn:microsoft.com/office/officeart/2005/8/layout/process3"/>
-    <dgm:cxn modelId="{0A98F4AA-C95D-4820-9A62-A73BA3F5FD7C}" srcId="{6F949F30-406C-44FB-8928-0FD23381CE40}" destId="{BCD5A3AC-A0F0-4E5D-9ADB-5F291CAA6442}" srcOrd="0" destOrd="0" parTransId="{367FAE3E-8E1F-46D5-9839-DAA893B4BFC8}" sibTransId="{142C6E4F-6FCB-4467-BFDC-2BA6995D6A9E}"/>
-    <dgm:cxn modelId="{30391367-C198-40A3-82F4-476550013227}" type="presOf" srcId="{55875F4A-64E1-4E96-9447-F066DE66E163}" destId="{4B033BFE-B880-4CE3-8777-A3F1C925A3C8}" srcOrd="0" destOrd="1" presId="urn:microsoft.com/office/officeart/2005/8/layout/process3"/>
+    <dgm:cxn modelId="{95113C7C-D10F-42C1-9205-96D85EC28C0F}" type="presOf" srcId="{643733B0-723B-4970-919F-2A2067545675}" destId="{4B033BFE-B880-4CE3-8777-A3F1C925A3C8}" srcOrd="0" destOrd="3" presId="urn:microsoft.com/office/officeart/2005/8/layout/process3"/>
     <dgm:cxn modelId="{23D7D05D-2F6C-4E44-B026-6A2ADA4723DF}" type="presOf" srcId="{A30C509B-374B-485C-A13F-B87433502462}" destId="{4B033BFE-B880-4CE3-8777-A3F1C925A3C8}" srcOrd="0" destOrd="2" presId="urn:microsoft.com/office/officeart/2005/8/layout/process3"/>
-    <dgm:cxn modelId="{95113C7C-D10F-42C1-9205-96D85EC28C0F}" type="presOf" srcId="{643733B0-723B-4970-919F-2A2067545675}" destId="{4B033BFE-B880-4CE3-8777-A3F1C925A3C8}" srcOrd="0" destOrd="3" presId="urn:microsoft.com/office/officeart/2005/8/layout/process3"/>
-    <dgm:cxn modelId="{36E37519-A7F2-490B-A2C1-3E9674E900AC}" type="presOf" srcId="{EC6EEACB-E9C2-4C6B-8EE1-D80D0DC3C5D2}" destId="{4B033BFE-B880-4CE3-8777-A3F1C925A3C8}" srcOrd="0" destOrd="9" presId="urn:microsoft.com/office/officeart/2005/8/layout/process3"/>
-    <dgm:cxn modelId="{239963DE-46B4-4BCE-9BA2-88298D05F26A}" type="presOf" srcId="{BCD5A3AC-A0F0-4E5D-9ADB-5F291CAA6442}" destId="{4B033BFE-B880-4CE3-8777-A3F1C925A3C8}" srcOrd="0" destOrd="7" presId="urn:microsoft.com/office/officeart/2005/8/layout/process3"/>
-    <dgm:cxn modelId="{9DE65D89-F38C-401C-9FA3-83859FD9F29D}" srcId="{4CD6736C-63B7-4EBF-BAA2-522DD1E19ABC}" destId="{EC6EEACB-E9C2-4C6B-8EE1-D80D0DC3C5D2}" srcOrd="0" destOrd="0" parTransId="{D5951757-C6E2-422C-A272-2D00B81FB615}" sibTransId="{7CBF1481-7B67-4CA2-9E04-CFF22BB01373}"/>
-    <dgm:cxn modelId="{4CA82A52-6D20-4886-B438-61218C533E1B}" type="presOf" srcId="{F28C840E-ADDB-4896-95ED-D336AF0836EF}" destId="{EB93852C-914F-4091-BE8D-BBAFF0E8DB8D}" srcOrd="1" destOrd="0" presId="urn:microsoft.com/office/officeart/2005/8/layout/process3"/>
-    <dgm:cxn modelId="{15E896F7-5030-42B0-BCA1-0D1390AB14E4}" srcId="{A30C509B-374B-485C-A13F-B87433502462}" destId="{643733B0-723B-4970-919F-2A2067545675}" srcOrd="0" destOrd="0" parTransId="{3D234AE5-056B-43BE-BA16-53A317DD7BD4}" sibTransId="{75F3E392-4246-47B2-8A78-C0A87B149BD1}"/>
-    <dgm:cxn modelId="{481A7621-B5F2-4C03-A18D-491767748C32}" type="presOf" srcId="{B82B0EA2-9665-45B5-942A-1D55DF83F9EE}" destId="{4B033BFE-B880-4CE3-8777-A3F1C925A3C8}" srcOrd="0" destOrd="0" presId="urn:microsoft.com/office/officeart/2005/8/layout/process3"/>
     <dgm:cxn modelId="{986972FB-5E83-4BFD-B956-F7DF24704998}" type="presParOf" srcId="{65DA6EEB-BBC1-4827-B929-41E88FE21C01}" destId="{AF774139-E602-4AD4-9FA1-61AC1BC8CCC4}" srcOrd="0" destOrd="0" presId="urn:microsoft.com/office/officeart/2005/8/layout/process3"/>
     <dgm:cxn modelId="{3304BBEE-0765-40C7-8CF3-1BCB65D0BB57}" type="presParOf" srcId="{AF774139-E602-4AD4-9FA1-61AC1BC8CCC4}" destId="{D180411C-4518-4D8D-B19D-DEE403479BEE}" srcOrd="0" destOrd="0" presId="urn:microsoft.com/office/officeart/2005/8/layout/process3"/>
     <dgm:cxn modelId="{F80058D7-0834-4D54-9824-43C0FFD3A9FE}" type="presParOf" srcId="{AF774139-E602-4AD4-9FA1-61AC1BC8CCC4}" destId="{EB93852C-914F-4091-BE8D-BBAFF0E8DB8D}" srcOrd="1" destOrd="0" presId="urn:microsoft.com/office/officeart/2005/8/layout/process3"/>
@@ -12218,8 +11980,8 @@
     <dgm:cxn modelId="{357CBCE3-295C-4047-B238-4D2CBBFB732C}" type="presOf" srcId="{7261727F-5282-40EB-969C-5538E63DBBC0}" destId="{7F14DECA-8C0B-4F3B-A9EF-6DFB6087E223}" srcOrd="0" destOrd="0" presId="urn:microsoft.com/office/officeart/2005/8/layout/process3"/>
     <dgm:cxn modelId="{5A289155-3828-4BE0-9235-4A784D938787}" type="presOf" srcId="{574A8829-B1AF-42DE-A45D-D029FC300386}" destId="{72D67976-3BA9-4171-BC78-2037743C4B90}" srcOrd="0" destOrd="2" presId="urn:microsoft.com/office/officeart/2005/8/layout/process3"/>
     <dgm:cxn modelId="{33CE136B-7054-4C2D-BB4E-CF06E1E421F9}" type="presOf" srcId="{DF2D804A-EE87-47AD-8AE0-FE456E6C686A}" destId="{72D67976-3BA9-4171-BC78-2037743C4B90}" srcOrd="0" destOrd="9" presId="urn:microsoft.com/office/officeart/2005/8/layout/process3"/>
+    <dgm:cxn modelId="{2FE76EA0-FC0F-476B-A56B-2BAE07B655C5}" type="presOf" srcId="{34F4D820-F31D-4B4F-A4C5-5F50615BCC10}" destId="{718A7DF3-9013-46DB-98B5-619EFDB2C116}" srcOrd="0" destOrd="0" presId="urn:microsoft.com/office/officeart/2005/8/layout/process3"/>
     <dgm:cxn modelId="{84FE6601-5E3B-4ED2-911E-F7D8F2BE8961}" type="presOf" srcId="{72ABE742-4811-4D90-88DF-0D65D41E40A1}" destId="{72D67976-3BA9-4171-BC78-2037743C4B90}" srcOrd="0" destOrd="5" presId="urn:microsoft.com/office/officeart/2005/8/layout/process3"/>
-    <dgm:cxn modelId="{2FE76EA0-FC0F-476B-A56B-2BAE07B655C5}" type="presOf" srcId="{34F4D820-F31D-4B4F-A4C5-5F50615BCC10}" destId="{718A7DF3-9013-46DB-98B5-619EFDB2C116}" srcOrd="0" destOrd="0" presId="urn:microsoft.com/office/officeart/2005/8/layout/process3"/>
     <dgm:cxn modelId="{B1B37789-D688-45B7-B4BF-3B22686E3AC4}" srcId="{34F4D820-F31D-4B4F-A4C5-5F50615BCC10}" destId="{65225366-927B-4A8F-ADA2-96A84DBC4F1F}" srcOrd="0" destOrd="0" parTransId="{790C6362-01E1-46CB-9950-A6DFCCF8C51C}" sibTransId="{155EEC5C-73B5-4A64-9AFA-911C6C1845DE}"/>
     <dgm:cxn modelId="{C753D4C4-956E-45FA-83D9-CAE5D59E5ADC}" srcId="{CB69C769-EB6C-465C-99BF-D53E8408364D}" destId="{DF2D804A-EE87-47AD-8AE0-FE456E6C686A}" srcOrd="0" destOrd="0" parTransId="{823557B7-7A99-4346-9AA3-683DF46A73CF}" sibTransId="{073A0AE7-B8D0-4D6F-8D2C-A345E5317E92}"/>
     <dgm:cxn modelId="{B2B74EDD-D55D-4D17-BCC7-83DAAB32B1EB}" type="presOf" srcId="{65225366-927B-4A8F-ADA2-96A84DBC4F1F}" destId="{72D67976-3BA9-4171-BC78-2037743C4B90}" srcOrd="0" destOrd="0" presId="urn:microsoft.com/office/officeart/2005/8/layout/process3"/>
@@ -12717,83 +12479,21 @@
       <dsp:cNvGrpSpPr/>
     </dsp:nvGrpSpPr>
     <dsp:grpSpPr/>
-    <dsp:sp modelId="{2F2AF64E-3638-4F8E-B28F-B7A095D94A20}">
+    <dsp:sp modelId="{0E4B0CB6-033B-4566-B755-414A5EF2F4DE}">
       <dsp:nvSpPr>
         <dsp:cNvPr id="0" name=""/>
         <dsp:cNvSpPr/>
       </dsp:nvSpPr>
       <dsp:spPr>
-        <a:xfrm>
-          <a:off x="1529454" y="3268"/>
-          <a:ext cx="2818209" cy="256200"/>
+        <a:xfrm rot="16200000">
+          <a:off x="-1454249" y="1457523"/>
+          <a:ext cx="4064000" cy="1148953"/>
         </a:xfrm>
-        <a:prstGeom prst="rect">
+        <a:prstGeom prst="flowChartManualOperation">
           <a:avLst/>
         </a:prstGeom>
-        <a:noFill/>
-        <a:ln>
-          <a:noFill/>
-        </a:ln>
-        <a:effectLst/>
-      </dsp:spPr>
-      <dsp:style>
-        <a:lnRef idx="0">
-          <a:scrgbClr r="0" g="0" b="0"/>
-        </a:lnRef>
-        <a:fillRef idx="0">
-          <a:scrgbClr r="0" g="0" b="0"/>
-        </a:fillRef>
-        <a:effectRef idx="0">
-          <a:scrgbClr r="0" g="0" b="0"/>
-        </a:effectRef>
-        <a:fontRef idx="minor"/>
-      </dsp:style>
-      <dsp:txBody>
-        <a:bodyPr spcFirstLastPara="0" vert="horz" wrap="square" lIns="41910" tIns="41910" rIns="41910" bIns="41910" numCol="1" spcCol="1270" anchor="b" anchorCtr="0">
-          <a:noAutofit/>
-        </a:bodyPr>
-        <a:lstStyle/>
-        <a:p>
-          <a:pPr lvl="0" algn="l" defTabSz="488950">
-            <a:lnSpc>
-              <a:spcPct val="90000"/>
-            </a:lnSpc>
-            <a:spcBef>
-              <a:spcPct val="0"/>
-            </a:spcBef>
-            <a:spcAft>
-              <a:spcPct val="35000"/>
-            </a:spcAft>
-          </a:pPr>
-          <a:r>
-            <a:rPr lang="en-US" sz="1100" b="1" kern="1200" dirty="0" smtClean="0"/>
-            <a:t>High Mobility</a:t>
-          </a:r>
-          <a:endParaRPr lang="en-US" sz="1100" b="1" kern="1200" dirty="0"/>
-        </a:p>
-      </dsp:txBody>
-      <dsp:txXfrm>
-        <a:off x="1529454" y="3268"/>
-        <a:ext cx="2818209" cy="256200"/>
-      </dsp:txXfrm>
-    </dsp:sp>
-    <dsp:sp modelId="{EB264DC9-0C4C-4A7A-9E90-D27E6DD3061F}">
-      <dsp:nvSpPr>
-        <dsp:cNvPr id="0" name=""/>
-        <dsp:cNvSpPr/>
-      </dsp:nvSpPr>
-      <dsp:spPr>
-        <a:xfrm>
-          <a:off x="1529454" y="259469"/>
-          <a:ext cx="659460" cy="521890"/>
-        </a:xfrm>
-        <a:prstGeom prst="chevron">
-          <a:avLst>
-            <a:gd name="adj" fmla="val 70610"/>
-          </a:avLst>
-        </a:prstGeom>
         <a:solidFill>
-          <a:schemeClr val="accent1">
+          <a:schemeClr val="accent2">
             <a:hueOff val="0"/>
             <a:satOff val="0"/>
             <a:lumOff val="0"/>
@@ -12802,7 +12502,7 @@
         </a:solidFill>
         <a:ln w="25400" cap="flat" cmpd="sng" algn="ctr">
           <a:solidFill>
-            <a:schemeClr val="accent1">
+            <a:schemeClr val="lt1">
               <a:hueOff val="0"/>
               <a:satOff val="0"/>
               <a:lumOff val="0"/>
@@ -12827,33 +12527,78 @@
           <a:schemeClr val="lt1"/>
         </a:fontRef>
       </dsp:style>
+      <dsp:txBody>
+        <a:bodyPr spcFirstLastPara="0" vert="horz" wrap="square" lIns="88900" tIns="0" rIns="91372" bIns="0" numCol="1" spcCol="1270" anchor="t" anchorCtr="0">
+          <a:noAutofit/>
+        </a:bodyPr>
+        <a:lstStyle/>
+        <a:p>
+          <a:pPr lvl="0" algn="l" defTabSz="622300">
+            <a:lnSpc>
+              <a:spcPct val="90000"/>
+            </a:lnSpc>
+            <a:spcBef>
+              <a:spcPct val="0"/>
+            </a:spcBef>
+            <a:spcAft>
+              <a:spcPct val="35000"/>
+            </a:spcAft>
+          </a:pPr>
+          <a:r>
+            <a:rPr lang="en-US" sz="1400" b="1" kern="1200" dirty="0" smtClean="0"/>
+            <a:t>High Mobility</a:t>
+          </a:r>
+          <a:endParaRPr lang="en-US" sz="1400" b="1" kern="1200" dirty="0"/>
+        </a:p>
+        <a:p>
+          <a:pPr marL="57150" lvl="1" indent="-57150" algn="l" defTabSz="488950">
+            <a:lnSpc>
+              <a:spcPct val="90000"/>
+            </a:lnSpc>
+            <a:spcBef>
+              <a:spcPct val="0"/>
+            </a:spcBef>
+            <a:spcAft>
+              <a:spcPct val="15000"/>
+            </a:spcAft>
+            <a:buChar char="••"/>
+          </a:pPr>
+          <a:r>
+            <a:rPr lang="en-US" sz="1100" kern="1200" dirty="0" smtClean="0"/>
+            <a:t>Vehicle’s high speed move</a:t>
+          </a:r>
+          <a:endParaRPr lang="en-US" sz="1100" kern="1200" dirty="0"/>
+        </a:p>
+      </dsp:txBody>
+      <dsp:txXfrm rot="5400000">
+        <a:off x="3274" y="812800"/>
+        <a:ext cx="1148953" cy="2438400"/>
+      </dsp:txXfrm>
     </dsp:sp>
-    <dsp:sp modelId="{6E7ACC96-20B8-41EE-B040-2935D7C143FA}">
+    <dsp:sp modelId="{512B32B4-460C-4B9D-BE96-225B8715C818}">
       <dsp:nvSpPr>
         <dsp:cNvPr id="0" name=""/>
         <dsp:cNvSpPr/>
       </dsp:nvSpPr>
       <dsp:spPr>
-        <a:xfrm>
-          <a:off x="1925569" y="259469"/>
-          <a:ext cx="659460" cy="521890"/>
+        <a:xfrm rot="16200000">
+          <a:off x="-219124" y="1457523"/>
+          <a:ext cx="4064000" cy="1148953"/>
         </a:xfrm>
-        <a:prstGeom prst="chevron">
-          <a:avLst>
-            <a:gd name="adj" fmla="val 70610"/>
-          </a:avLst>
+        <a:prstGeom prst="flowChartManualOperation">
+          <a:avLst/>
         </a:prstGeom>
         <a:solidFill>
-          <a:schemeClr val="accent1">
-            <a:hueOff val="0"/>
-            <a:satOff val="0"/>
-            <a:lumOff val="0"/>
+          <a:schemeClr val="accent2">
+            <a:hueOff val="704463"/>
+            <a:satOff val="-5041"/>
+            <a:lumOff val="-294"/>
             <a:alphaOff val="0"/>
           </a:schemeClr>
         </a:solidFill>
         <a:ln w="25400" cap="flat" cmpd="sng" algn="ctr">
           <a:solidFill>
-            <a:schemeClr val="accent1">
+            <a:schemeClr val="lt1">
               <a:hueOff val="0"/>
               <a:satOff val="0"/>
               <a:lumOff val="0"/>
@@ -12878,33 +12623,78 @@
           <a:schemeClr val="lt1"/>
         </a:fontRef>
       </dsp:style>
+      <dsp:txBody>
+        <a:bodyPr spcFirstLastPara="0" vert="horz" wrap="square" lIns="88900" tIns="0" rIns="91372" bIns="0" numCol="1" spcCol="1270" anchor="t" anchorCtr="0">
+          <a:noAutofit/>
+        </a:bodyPr>
+        <a:lstStyle/>
+        <a:p>
+          <a:pPr lvl="0" algn="l" defTabSz="622300">
+            <a:lnSpc>
+              <a:spcPct val="90000"/>
+            </a:lnSpc>
+            <a:spcBef>
+              <a:spcPct val="0"/>
+            </a:spcBef>
+            <a:spcAft>
+              <a:spcPct val="35000"/>
+            </a:spcAft>
+          </a:pPr>
+          <a:r>
+            <a:rPr lang="en-US" sz="1400" b="1" kern="1200" dirty="0" smtClean="0"/>
+            <a:t>Dynamic Network Topology</a:t>
+          </a:r>
+          <a:endParaRPr lang="en-US" sz="1400" b="1" kern="1200" dirty="0"/>
+        </a:p>
+        <a:p>
+          <a:pPr marL="57150" lvl="1" indent="-57150" algn="l" defTabSz="488950">
+            <a:lnSpc>
+              <a:spcPct val="90000"/>
+            </a:lnSpc>
+            <a:spcBef>
+              <a:spcPct val="0"/>
+            </a:spcBef>
+            <a:spcAft>
+              <a:spcPct val="15000"/>
+            </a:spcAft>
+            <a:buChar char="••"/>
+          </a:pPr>
+          <a:r>
+            <a:rPr lang="en-US" sz="1100" kern="1200" dirty="0" smtClean="0"/>
+            <a:t>Network topology changes rapidly</a:t>
+          </a:r>
+          <a:endParaRPr lang="en-US" sz="1100" kern="1200" dirty="0"/>
+        </a:p>
+      </dsp:txBody>
+      <dsp:txXfrm rot="5400000">
+        <a:off x="1238399" y="812800"/>
+        <a:ext cx="1148953" cy="2438400"/>
+      </dsp:txXfrm>
     </dsp:sp>
-    <dsp:sp modelId="{481F6A2E-136F-410F-82FC-9140CC8A6B36}">
+    <dsp:sp modelId="{91EDA7D3-2FAE-4B95-B9D5-1F68FAB2674A}">
       <dsp:nvSpPr>
         <dsp:cNvPr id="0" name=""/>
         <dsp:cNvSpPr/>
       </dsp:nvSpPr>
       <dsp:spPr>
-        <a:xfrm>
-          <a:off x="2321997" y="259469"/>
-          <a:ext cx="659460" cy="521890"/>
+        <a:xfrm rot="16200000">
+          <a:off x="1016000" y="1457523"/>
+          <a:ext cx="4064000" cy="1148953"/>
         </a:xfrm>
-        <a:prstGeom prst="chevron">
-          <a:avLst>
-            <a:gd name="adj" fmla="val 70610"/>
-          </a:avLst>
+        <a:prstGeom prst="flowChartManualOperation">
+          <a:avLst/>
         </a:prstGeom>
         <a:solidFill>
-          <a:schemeClr val="accent1">
-            <a:hueOff val="0"/>
-            <a:satOff val="0"/>
-            <a:lumOff val="0"/>
+          <a:schemeClr val="accent2">
+            <a:hueOff val="1408926"/>
+            <a:satOff val="-10081"/>
+            <a:lumOff val="-589"/>
             <a:alphaOff val="0"/>
           </a:schemeClr>
         </a:solidFill>
         <a:ln w="25400" cap="flat" cmpd="sng" algn="ctr">
           <a:solidFill>
-            <a:schemeClr val="accent1">
+            <a:schemeClr val="lt1">
               <a:hueOff val="0"/>
               <a:satOff val="0"/>
               <a:lumOff val="0"/>
@@ -12929,33 +12719,78 @@
           <a:schemeClr val="lt1"/>
         </a:fontRef>
       </dsp:style>
+      <dsp:txBody>
+        <a:bodyPr spcFirstLastPara="0" vert="horz" wrap="square" lIns="88900" tIns="0" rIns="91372" bIns="0" numCol="1" spcCol="1270" anchor="t" anchorCtr="0">
+          <a:noAutofit/>
+        </a:bodyPr>
+        <a:lstStyle/>
+        <a:p>
+          <a:pPr lvl="0" algn="l" defTabSz="622300">
+            <a:lnSpc>
+              <a:spcPct val="90000"/>
+            </a:lnSpc>
+            <a:spcBef>
+              <a:spcPct val="0"/>
+            </a:spcBef>
+            <a:spcAft>
+              <a:spcPct val="35000"/>
+            </a:spcAft>
+          </a:pPr>
+          <a:r>
+            <a:rPr lang="en-US" sz="1400" b="1" kern="1200" dirty="0" smtClean="0"/>
+            <a:t>Time Critical</a:t>
+          </a:r>
+          <a:endParaRPr lang="en-US" sz="1400" b="1" kern="1200" dirty="0"/>
+        </a:p>
+        <a:p>
+          <a:pPr marL="57150" lvl="1" indent="-57150" algn="l" defTabSz="488950">
+            <a:lnSpc>
+              <a:spcPct val="90000"/>
+            </a:lnSpc>
+            <a:spcBef>
+              <a:spcPct val="0"/>
+            </a:spcBef>
+            <a:spcAft>
+              <a:spcPct val="15000"/>
+            </a:spcAft>
+            <a:buChar char="••"/>
+          </a:pPr>
+          <a:r>
+            <a:rPr lang="en-US" sz="1100" kern="1200" dirty="0" smtClean="0"/>
+            <a:t>Exchange of information in specific duration</a:t>
+          </a:r>
+          <a:endParaRPr lang="en-US" sz="1100" kern="1200" dirty="0"/>
+        </a:p>
+      </dsp:txBody>
+      <dsp:txXfrm rot="5400000">
+        <a:off x="2473523" y="812800"/>
+        <a:ext cx="1148953" cy="2438400"/>
+      </dsp:txXfrm>
     </dsp:sp>
-    <dsp:sp modelId="{B9C369C3-428C-4CBB-AA90-F1B0F0744D0C}">
+    <dsp:sp modelId="{2CC5B836-7048-4F57-B7D1-484C3295EE57}">
       <dsp:nvSpPr>
         <dsp:cNvPr id="0" name=""/>
         <dsp:cNvSpPr/>
       </dsp:nvSpPr>
       <dsp:spPr>
-        <a:xfrm>
-          <a:off x="2718112" y="259469"/>
-          <a:ext cx="659460" cy="521890"/>
+        <a:xfrm rot="16200000">
+          <a:off x="2251124" y="1457523"/>
+          <a:ext cx="4064000" cy="1148953"/>
         </a:xfrm>
-        <a:prstGeom prst="chevron">
-          <a:avLst>
-            <a:gd name="adj" fmla="val 70610"/>
-          </a:avLst>
+        <a:prstGeom prst="flowChartManualOperation">
+          <a:avLst/>
         </a:prstGeom>
         <a:solidFill>
-          <a:schemeClr val="accent1">
-            <a:hueOff val="0"/>
-            <a:satOff val="0"/>
-            <a:lumOff val="0"/>
+          <a:schemeClr val="accent2">
+            <a:hueOff val="2113389"/>
+            <a:satOff val="-15122"/>
+            <a:lumOff val="-883"/>
             <a:alphaOff val="0"/>
           </a:schemeClr>
         </a:solidFill>
         <a:ln w="25400" cap="flat" cmpd="sng" algn="ctr">
           <a:solidFill>
-            <a:schemeClr val="accent1">
+            <a:schemeClr val="lt1">
               <a:hueOff val="0"/>
               <a:satOff val="0"/>
               <a:lumOff val="0"/>
@@ -12980,33 +12815,78 @@
           <a:schemeClr val="lt1"/>
         </a:fontRef>
       </dsp:style>
+      <dsp:txBody>
+        <a:bodyPr spcFirstLastPara="0" vert="horz" wrap="square" lIns="88900" tIns="0" rIns="91372" bIns="0" numCol="1" spcCol="1270" anchor="t" anchorCtr="0">
+          <a:noAutofit/>
+        </a:bodyPr>
+        <a:lstStyle/>
+        <a:p>
+          <a:pPr lvl="0" algn="l" defTabSz="622300">
+            <a:lnSpc>
+              <a:spcPct val="90000"/>
+            </a:lnSpc>
+            <a:spcBef>
+              <a:spcPct val="0"/>
+            </a:spcBef>
+            <a:spcAft>
+              <a:spcPct val="35000"/>
+            </a:spcAft>
+          </a:pPr>
+          <a:r>
+            <a:rPr lang="en-US" sz="1400" b="1" kern="1200" dirty="0" smtClean="0"/>
+            <a:t>Computing and Storage</a:t>
+          </a:r>
+          <a:endParaRPr lang="en-US" sz="1400" b="1" kern="1200" dirty="0"/>
+        </a:p>
+        <a:p>
+          <a:pPr marL="57150" lvl="1" indent="-57150" algn="l" defTabSz="488950">
+            <a:lnSpc>
+              <a:spcPct val="90000"/>
+            </a:lnSpc>
+            <a:spcBef>
+              <a:spcPct val="0"/>
+            </a:spcBef>
+            <a:spcAft>
+              <a:spcPct val="15000"/>
+            </a:spcAft>
+            <a:buChar char="••"/>
+          </a:pPr>
+          <a:r>
+            <a:rPr lang="en-US" sz="1100" kern="1200" dirty="0" smtClean="0"/>
+            <a:t>Processing large amount of information</a:t>
+          </a:r>
+          <a:endParaRPr lang="en-US" sz="1100" kern="1200" dirty="0"/>
+        </a:p>
+      </dsp:txBody>
+      <dsp:txXfrm rot="5400000">
+        <a:off x="3708647" y="812800"/>
+        <a:ext cx="1148953" cy="2438400"/>
+      </dsp:txXfrm>
     </dsp:sp>
-    <dsp:sp modelId="{E91306CF-3B0C-4254-AD35-7DFA9C903C7F}">
+    <dsp:sp modelId="{F8A8AC8B-97BC-4A0A-A720-4101E842BA09}">
       <dsp:nvSpPr>
         <dsp:cNvPr id="0" name=""/>
         <dsp:cNvSpPr/>
       </dsp:nvSpPr>
       <dsp:spPr>
-        <a:xfrm>
-          <a:off x="3114541" y="259469"/>
-          <a:ext cx="659460" cy="521890"/>
+        <a:xfrm rot="16200000">
+          <a:off x="3486249" y="1457523"/>
+          <a:ext cx="4064000" cy="1148953"/>
         </a:xfrm>
-        <a:prstGeom prst="chevron">
-          <a:avLst>
-            <a:gd name="adj" fmla="val 70610"/>
-          </a:avLst>
+        <a:prstGeom prst="flowChartManualOperation">
+          <a:avLst/>
         </a:prstGeom>
         <a:solidFill>
-          <a:schemeClr val="accent1">
-            <a:hueOff val="0"/>
-            <a:satOff val="0"/>
-            <a:lumOff val="0"/>
+          <a:schemeClr val="accent2">
+            <a:hueOff val="2817852"/>
+            <a:satOff val="-20162"/>
+            <a:lumOff val="-1177"/>
             <a:alphaOff val="0"/>
           </a:schemeClr>
         </a:solidFill>
         <a:ln w="25400" cap="flat" cmpd="sng" algn="ctr">
           <a:solidFill>
-            <a:schemeClr val="accent1">
+            <a:schemeClr val="lt1">
               <a:hueOff val="0"/>
               <a:satOff val="0"/>
               <a:lumOff val="0"/>
@@ -13031,162 +12911,13 @@
           <a:schemeClr val="lt1"/>
         </a:fontRef>
       </dsp:style>
-    </dsp:sp>
-    <dsp:sp modelId="{84A0F772-811A-42D3-8439-FC9FFB03DCBC}">
-      <dsp:nvSpPr>
-        <dsp:cNvPr id="0" name=""/>
-        <dsp:cNvSpPr/>
-      </dsp:nvSpPr>
-      <dsp:spPr>
-        <a:xfrm>
-          <a:off x="3510656" y="259469"/>
-          <a:ext cx="659460" cy="521890"/>
-        </a:xfrm>
-        <a:prstGeom prst="chevron">
-          <a:avLst>
-            <a:gd name="adj" fmla="val 70610"/>
-          </a:avLst>
-        </a:prstGeom>
-        <a:solidFill>
-          <a:schemeClr val="accent1">
-            <a:hueOff val="0"/>
-            <a:satOff val="0"/>
-            <a:lumOff val="0"/>
-            <a:alphaOff val="0"/>
-          </a:schemeClr>
-        </a:solidFill>
-        <a:ln w="25400" cap="flat" cmpd="sng" algn="ctr">
-          <a:solidFill>
-            <a:schemeClr val="accent1">
-              <a:hueOff val="0"/>
-              <a:satOff val="0"/>
-              <a:lumOff val="0"/>
-              <a:alphaOff val="0"/>
-            </a:schemeClr>
-          </a:solidFill>
-          <a:prstDash val="solid"/>
-        </a:ln>
-        <a:effectLst/>
-      </dsp:spPr>
-      <dsp:style>
-        <a:lnRef idx="2">
-          <a:scrgbClr r="0" g="0" b="0"/>
-        </a:lnRef>
-        <a:fillRef idx="1">
-          <a:scrgbClr r="0" g="0" b="0"/>
-        </a:fillRef>
-        <a:effectRef idx="0">
-          <a:scrgbClr r="0" g="0" b="0"/>
-        </a:effectRef>
-        <a:fontRef idx="minor">
-          <a:schemeClr val="lt1"/>
-        </a:fontRef>
-      </dsp:style>
-    </dsp:sp>
-    <dsp:sp modelId="{126DABD3-C2F4-4E85-860F-B47F6E876842}">
-      <dsp:nvSpPr>
-        <dsp:cNvPr id="0" name=""/>
-        <dsp:cNvSpPr/>
-      </dsp:nvSpPr>
-      <dsp:spPr>
-        <a:xfrm>
-          <a:off x="3907084" y="259469"/>
-          <a:ext cx="659460" cy="521890"/>
-        </a:xfrm>
-        <a:prstGeom prst="chevron">
-          <a:avLst>
-            <a:gd name="adj" fmla="val 70610"/>
-          </a:avLst>
-        </a:prstGeom>
-        <a:solidFill>
-          <a:schemeClr val="accent1">
-            <a:hueOff val="0"/>
-            <a:satOff val="0"/>
-            <a:lumOff val="0"/>
-            <a:alphaOff val="0"/>
-          </a:schemeClr>
-        </a:solidFill>
-        <a:ln w="25400" cap="flat" cmpd="sng" algn="ctr">
-          <a:solidFill>
-            <a:schemeClr val="accent1">
-              <a:hueOff val="0"/>
-              <a:satOff val="0"/>
-              <a:lumOff val="0"/>
-              <a:alphaOff val="0"/>
-            </a:schemeClr>
-          </a:solidFill>
-          <a:prstDash val="solid"/>
-        </a:ln>
-        <a:effectLst/>
-      </dsp:spPr>
-      <dsp:style>
-        <a:lnRef idx="2">
-          <a:scrgbClr r="0" g="0" b="0"/>
-        </a:lnRef>
-        <a:fillRef idx="1">
-          <a:scrgbClr r="0" g="0" b="0"/>
-        </a:fillRef>
-        <a:effectRef idx="0">
-          <a:scrgbClr r="0" g="0" b="0"/>
-        </a:effectRef>
-        <a:fontRef idx="minor">
-          <a:schemeClr val="lt1"/>
-        </a:fontRef>
-      </dsp:style>
-    </dsp:sp>
-    <dsp:sp modelId="{2044B402-7B7B-4143-B31B-8674A952F01D}">
-      <dsp:nvSpPr>
-        <dsp:cNvPr id="0" name=""/>
-        <dsp:cNvSpPr/>
-      </dsp:nvSpPr>
-      <dsp:spPr>
-        <a:xfrm>
-          <a:off x="1529454" y="311658"/>
-          <a:ext cx="2854846" cy="417512"/>
-        </a:xfrm>
-        <a:prstGeom prst="rect">
-          <a:avLst/>
-        </a:prstGeom>
-        <a:solidFill>
-          <a:schemeClr val="lt1">
-            <a:hueOff val="0"/>
-            <a:satOff val="0"/>
-            <a:lumOff val="0"/>
-            <a:alphaOff val="0"/>
-          </a:schemeClr>
-        </a:solidFill>
-        <a:ln w="25400" cap="flat" cmpd="sng" algn="ctr">
-          <a:solidFill>
-            <a:schemeClr val="accent1">
-              <a:hueOff val="0"/>
-              <a:satOff val="0"/>
-              <a:lumOff val="0"/>
-              <a:alphaOff val="0"/>
-            </a:schemeClr>
-          </a:solidFill>
-          <a:prstDash val="solid"/>
-        </a:ln>
-        <a:effectLst/>
-      </dsp:spPr>
-      <dsp:style>
-        <a:lnRef idx="2">
-          <a:scrgbClr r="0" g="0" b="0"/>
-        </a:lnRef>
-        <a:fillRef idx="1">
-          <a:scrgbClr r="0" g="0" b="0"/>
-        </a:fillRef>
-        <a:effectRef idx="0">
-          <a:scrgbClr r="0" g="0" b="0"/>
-        </a:effectRef>
-        <a:fontRef idx="minor"/>
-      </dsp:style>
       <dsp:txBody>
-        <a:bodyPr spcFirstLastPara="0" vert="horz" wrap="square" lIns="25400" tIns="25400" rIns="25400" bIns="25400" numCol="1" spcCol="1270" anchor="ctr" anchorCtr="0">
+        <a:bodyPr spcFirstLastPara="0" vert="horz" wrap="square" lIns="88900" tIns="0" rIns="91372" bIns="0" numCol="1" spcCol="1270" anchor="t" anchorCtr="0">
           <a:noAutofit/>
         </a:bodyPr>
         <a:lstStyle/>
         <a:p>
-          <a:pPr lvl="0" algn="l" defTabSz="444500">
+          <a:pPr lvl="0" algn="l" defTabSz="622300">
             <a:lnSpc>
               <a:spcPct val="90000"/>
             </a:lnSpc>
@@ -13198,55 +12929,13 @@
             </a:spcAft>
           </a:pPr>
           <a:r>
-            <a:rPr lang="en-US" sz="1000" kern="1200" dirty="0" smtClean="0"/>
-            <a:t>Vehicle’s high speed move</a:t>
+            <a:rPr lang="en-US" sz="1400" b="1" kern="1200" smtClean="0"/>
+            <a:t>Volatility</a:t>
           </a:r>
-          <a:endParaRPr lang="en-US" sz="1000" kern="1200" dirty="0"/>
+          <a:endParaRPr lang="en-US" sz="1400" b="1" kern="1200" dirty="0"/>
         </a:p>
-      </dsp:txBody>
-      <dsp:txXfrm>
-        <a:off x="1529454" y="311658"/>
-        <a:ext cx="2854846" cy="417512"/>
-      </dsp:txXfrm>
-    </dsp:sp>
-    <dsp:sp modelId="{062531DB-01A0-4EE8-8837-5E0EC9036D1B}">
-      <dsp:nvSpPr>
-        <dsp:cNvPr id="0" name=""/>
-        <dsp:cNvSpPr/>
-      </dsp:nvSpPr>
-      <dsp:spPr>
-        <a:xfrm>
-          <a:off x="1529454" y="823111"/>
-          <a:ext cx="2818209" cy="256200"/>
-        </a:xfrm>
-        <a:prstGeom prst="rect">
-          <a:avLst/>
-        </a:prstGeom>
-        <a:noFill/>
-        <a:ln>
-          <a:noFill/>
-        </a:ln>
-        <a:effectLst/>
-      </dsp:spPr>
-      <dsp:style>
-        <a:lnRef idx="0">
-          <a:scrgbClr r="0" g="0" b="0"/>
-        </a:lnRef>
-        <a:fillRef idx="0">
-          <a:scrgbClr r="0" g="0" b="0"/>
-        </a:fillRef>
-        <a:effectRef idx="0">
-          <a:scrgbClr r="0" g="0" b="0"/>
-        </a:effectRef>
-        <a:fontRef idx="minor"/>
-      </dsp:style>
-      <dsp:txBody>
-        <a:bodyPr spcFirstLastPara="0" vert="horz" wrap="square" lIns="41910" tIns="41910" rIns="41910" bIns="41910" numCol="1" spcCol="1270" anchor="b" anchorCtr="0">
-          <a:noAutofit/>
-        </a:bodyPr>
-        <a:lstStyle/>
         <a:p>
-          <a:pPr lvl="0" algn="l" defTabSz="488950">
+          <a:pPr marL="57150" lvl="1" indent="-57150" algn="l" defTabSz="488950">
             <a:lnSpc>
               <a:spcPct val="90000"/>
             </a:lnSpc>
@@ -13254,431 +12943,22 @@
               <a:spcPct val="0"/>
             </a:spcBef>
             <a:spcAft>
-              <a:spcPct val="35000"/>
+              <a:spcPct val="15000"/>
             </a:spcAft>
+            <a:buChar char="••"/>
           </a:pPr>
           <a:r>
-            <a:rPr lang="en-US" sz="1100" b="1" kern="1200" dirty="0" smtClean="0"/>
-            <a:t>Dynamic Network Topology</a:t>
+            <a:rPr lang="en-US" sz="1100" kern="1200" dirty="0" smtClean="0"/>
+            <a:t>Connections between vehicles may be </a:t>
           </a:r>
-          <a:endParaRPr lang="en-US" sz="1100" b="1" kern="1200" dirty="0"/>
+          <a:r>
+            <a:rPr lang="en-US" sz="1100" kern="1200" dirty="0" smtClean="0"/>
+            <a:t>lost </a:t>
+          </a:r>
+          <a:endParaRPr lang="en-US" sz="1100" kern="1200" dirty="0"/>
         </a:p>
-      </dsp:txBody>
-      <dsp:txXfrm>
-        <a:off x="1529454" y="823111"/>
-        <a:ext cx="2818209" cy="256200"/>
-      </dsp:txXfrm>
-    </dsp:sp>
-    <dsp:sp modelId="{08235A3B-9353-4113-8497-12923904C2BA}">
-      <dsp:nvSpPr>
-        <dsp:cNvPr id="0" name=""/>
-        <dsp:cNvSpPr/>
-      </dsp:nvSpPr>
-      <dsp:spPr>
-        <a:xfrm>
-          <a:off x="1529454" y="1079312"/>
-          <a:ext cx="659460" cy="521890"/>
-        </a:xfrm>
-        <a:prstGeom prst="chevron">
-          <a:avLst>
-            <a:gd name="adj" fmla="val 70610"/>
-          </a:avLst>
-        </a:prstGeom>
-        <a:solidFill>
-          <a:schemeClr val="accent1">
-            <a:hueOff val="0"/>
-            <a:satOff val="0"/>
-            <a:lumOff val="0"/>
-            <a:alphaOff val="0"/>
-          </a:schemeClr>
-        </a:solidFill>
-        <a:ln w="25400" cap="flat" cmpd="sng" algn="ctr">
-          <a:solidFill>
-            <a:schemeClr val="accent1">
-              <a:hueOff val="0"/>
-              <a:satOff val="0"/>
-              <a:lumOff val="0"/>
-              <a:alphaOff val="0"/>
-            </a:schemeClr>
-          </a:solidFill>
-          <a:prstDash val="solid"/>
-        </a:ln>
-        <a:effectLst/>
-      </dsp:spPr>
-      <dsp:style>
-        <a:lnRef idx="2">
-          <a:scrgbClr r="0" g="0" b="0"/>
-        </a:lnRef>
-        <a:fillRef idx="1">
-          <a:scrgbClr r="0" g="0" b="0"/>
-        </a:fillRef>
-        <a:effectRef idx="0">
-          <a:scrgbClr r="0" g="0" b="0"/>
-        </a:effectRef>
-        <a:fontRef idx="minor">
-          <a:schemeClr val="lt1"/>
-        </a:fontRef>
-      </dsp:style>
-    </dsp:sp>
-    <dsp:sp modelId="{24CB936C-60B0-4DAA-9CBF-E4C8D6E80B66}">
-      <dsp:nvSpPr>
-        <dsp:cNvPr id="0" name=""/>
-        <dsp:cNvSpPr/>
-      </dsp:nvSpPr>
-      <dsp:spPr>
-        <a:xfrm>
-          <a:off x="1925569" y="1079312"/>
-          <a:ext cx="659460" cy="521890"/>
-        </a:xfrm>
-        <a:prstGeom prst="chevron">
-          <a:avLst>
-            <a:gd name="adj" fmla="val 70610"/>
-          </a:avLst>
-        </a:prstGeom>
-        <a:solidFill>
-          <a:schemeClr val="accent1">
-            <a:hueOff val="0"/>
-            <a:satOff val="0"/>
-            <a:lumOff val="0"/>
-            <a:alphaOff val="0"/>
-          </a:schemeClr>
-        </a:solidFill>
-        <a:ln w="25400" cap="flat" cmpd="sng" algn="ctr">
-          <a:solidFill>
-            <a:schemeClr val="accent1">
-              <a:hueOff val="0"/>
-              <a:satOff val="0"/>
-              <a:lumOff val="0"/>
-              <a:alphaOff val="0"/>
-            </a:schemeClr>
-          </a:solidFill>
-          <a:prstDash val="solid"/>
-        </a:ln>
-        <a:effectLst/>
-      </dsp:spPr>
-      <dsp:style>
-        <a:lnRef idx="2">
-          <a:scrgbClr r="0" g="0" b="0"/>
-        </a:lnRef>
-        <a:fillRef idx="1">
-          <a:scrgbClr r="0" g="0" b="0"/>
-        </a:fillRef>
-        <a:effectRef idx="0">
-          <a:scrgbClr r="0" g="0" b="0"/>
-        </a:effectRef>
-        <a:fontRef idx="minor">
-          <a:schemeClr val="lt1"/>
-        </a:fontRef>
-      </dsp:style>
-    </dsp:sp>
-    <dsp:sp modelId="{9737DDFD-8D90-4574-B136-649279DE9F87}">
-      <dsp:nvSpPr>
-        <dsp:cNvPr id="0" name=""/>
-        <dsp:cNvSpPr/>
-      </dsp:nvSpPr>
-      <dsp:spPr>
-        <a:xfrm>
-          <a:off x="2321997" y="1079312"/>
-          <a:ext cx="659460" cy="521890"/>
-        </a:xfrm>
-        <a:prstGeom prst="chevron">
-          <a:avLst>
-            <a:gd name="adj" fmla="val 70610"/>
-          </a:avLst>
-        </a:prstGeom>
-        <a:solidFill>
-          <a:schemeClr val="accent1">
-            <a:hueOff val="0"/>
-            <a:satOff val="0"/>
-            <a:lumOff val="0"/>
-            <a:alphaOff val="0"/>
-          </a:schemeClr>
-        </a:solidFill>
-        <a:ln w="25400" cap="flat" cmpd="sng" algn="ctr">
-          <a:solidFill>
-            <a:schemeClr val="accent1">
-              <a:hueOff val="0"/>
-              <a:satOff val="0"/>
-              <a:lumOff val="0"/>
-              <a:alphaOff val="0"/>
-            </a:schemeClr>
-          </a:solidFill>
-          <a:prstDash val="solid"/>
-        </a:ln>
-        <a:effectLst/>
-      </dsp:spPr>
-      <dsp:style>
-        <a:lnRef idx="2">
-          <a:scrgbClr r="0" g="0" b="0"/>
-        </a:lnRef>
-        <a:fillRef idx="1">
-          <a:scrgbClr r="0" g="0" b="0"/>
-        </a:fillRef>
-        <a:effectRef idx="0">
-          <a:scrgbClr r="0" g="0" b="0"/>
-        </a:effectRef>
-        <a:fontRef idx="minor">
-          <a:schemeClr val="lt1"/>
-        </a:fontRef>
-      </dsp:style>
-    </dsp:sp>
-    <dsp:sp modelId="{E1332B0F-AA79-4817-90AB-007E38DC0C89}">
-      <dsp:nvSpPr>
-        <dsp:cNvPr id="0" name=""/>
-        <dsp:cNvSpPr/>
-      </dsp:nvSpPr>
-      <dsp:spPr>
-        <a:xfrm>
-          <a:off x="2718112" y="1079312"/>
-          <a:ext cx="659460" cy="521890"/>
-        </a:xfrm>
-        <a:prstGeom prst="chevron">
-          <a:avLst>
-            <a:gd name="adj" fmla="val 70610"/>
-          </a:avLst>
-        </a:prstGeom>
-        <a:solidFill>
-          <a:schemeClr val="accent1">
-            <a:hueOff val="0"/>
-            <a:satOff val="0"/>
-            <a:lumOff val="0"/>
-            <a:alphaOff val="0"/>
-          </a:schemeClr>
-        </a:solidFill>
-        <a:ln w="25400" cap="flat" cmpd="sng" algn="ctr">
-          <a:solidFill>
-            <a:schemeClr val="accent1">
-              <a:hueOff val="0"/>
-              <a:satOff val="0"/>
-              <a:lumOff val="0"/>
-              <a:alphaOff val="0"/>
-            </a:schemeClr>
-          </a:solidFill>
-          <a:prstDash val="solid"/>
-        </a:ln>
-        <a:effectLst/>
-      </dsp:spPr>
-      <dsp:style>
-        <a:lnRef idx="2">
-          <a:scrgbClr r="0" g="0" b="0"/>
-        </a:lnRef>
-        <a:fillRef idx="1">
-          <a:scrgbClr r="0" g="0" b="0"/>
-        </a:fillRef>
-        <a:effectRef idx="0">
-          <a:scrgbClr r="0" g="0" b="0"/>
-        </a:effectRef>
-        <a:fontRef idx="minor">
-          <a:schemeClr val="lt1"/>
-        </a:fontRef>
-      </dsp:style>
-    </dsp:sp>
-    <dsp:sp modelId="{66B5C619-70EE-4F16-B517-141804FFA150}">
-      <dsp:nvSpPr>
-        <dsp:cNvPr id="0" name=""/>
-        <dsp:cNvSpPr/>
-      </dsp:nvSpPr>
-      <dsp:spPr>
-        <a:xfrm>
-          <a:off x="3114541" y="1079312"/>
-          <a:ext cx="659460" cy="521890"/>
-        </a:xfrm>
-        <a:prstGeom prst="chevron">
-          <a:avLst>
-            <a:gd name="adj" fmla="val 70610"/>
-          </a:avLst>
-        </a:prstGeom>
-        <a:solidFill>
-          <a:schemeClr val="accent1">
-            <a:hueOff val="0"/>
-            <a:satOff val="0"/>
-            <a:lumOff val="0"/>
-            <a:alphaOff val="0"/>
-          </a:schemeClr>
-        </a:solidFill>
-        <a:ln w="25400" cap="flat" cmpd="sng" algn="ctr">
-          <a:solidFill>
-            <a:schemeClr val="accent1">
-              <a:hueOff val="0"/>
-              <a:satOff val="0"/>
-              <a:lumOff val="0"/>
-              <a:alphaOff val="0"/>
-            </a:schemeClr>
-          </a:solidFill>
-          <a:prstDash val="solid"/>
-        </a:ln>
-        <a:effectLst/>
-      </dsp:spPr>
-      <dsp:style>
-        <a:lnRef idx="2">
-          <a:scrgbClr r="0" g="0" b="0"/>
-        </a:lnRef>
-        <a:fillRef idx="1">
-          <a:scrgbClr r="0" g="0" b="0"/>
-        </a:fillRef>
-        <a:effectRef idx="0">
-          <a:scrgbClr r="0" g="0" b="0"/>
-        </a:effectRef>
-        <a:fontRef idx="minor">
-          <a:schemeClr val="lt1"/>
-        </a:fontRef>
-      </dsp:style>
-    </dsp:sp>
-    <dsp:sp modelId="{40E30224-2AA5-4AF2-BAB0-DAF3ADF101E9}">
-      <dsp:nvSpPr>
-        <dsp:cNvPr id="0" name=""/>
-        <dsp:cNvSpPr/>
-      </dsp:nvSpPr>
-      <dsp:spPr>
-        <a:xfrm>
-          <a:off x="3510656" y="1079312"/>
-          <a:ext cx="659460" cy="521890"/>
-        </a:xfrm>
-        <a:prstGeom prst="chevron">
-          <a:avLst>
-            <a:gd name="adj" fmla="val 70610"/>
-          </a:avLst>
-        </a:prstGeom>
-        <a:solidFill>
-          <a:schemeClr val="accent1">
-            <a:hueOff val="0"/>
-            <a:satOff val="0"/>
-            <a:lumOff val="0"/>
-            <a:alphaOff val="0"/>
-          </a:schemeClr>
-        </a:solidFill>
-        <a:ln w="25400" cap="flat" cmpd="sng" algn="ctr">
-          <a:solidFill>
-            <a:schemeClr val="accent1">
-              <a:hueOff val="0"/>
-              <a:satOff val="0"/>
-              <a:lumOff val="0"/>
-              <a:alphaOff val="0"/>
-            </a:schemeClr>
-          </a:solidFill>
-          <a:prstDash val="solid"/>
-        </a:ln>
-        <a:effectLst/>
-      </dsp:spPr>
-      <dsp:style>
-        <a:lnRef idx="2">
-          <a:scrgbClr r="0" g="0" b="0"/>
-        </a:lnRef>
-        <a:fillRef idx="1">
-          <a:scrgbClr r="0" g="0" b="0"/>
-        </a:fillRef>
-        <a:effectRef idx="0">
-          <a:scrgbClr r="0" g="0" b="0"/>
-        </a:effectRef>
-        <a:fontRef idx="minor">
-          <a:schemeClr val="lt1"/>
-        </a:fontRef>
-      </dsp:style>
-    </dsp:sp>
-    <dsp:sp modelId="{069F958F-FEE4-46CF-8751-DBF21161B35A}">
-      <dsp:nvSpPr>
-        <dsp:cNvPr id="0" name=""/>
-        <dsp:cNvSpPr/>
-      </dsp:nvSpPr>
-      <dsp:spPr>
-        <a:xfrm>
-          <a:off x="3907084" y="1079312"/>
-          <a:ext cx="659460" cy="521890"/>
-        </a:xfrm>
-        <a:prstGeom prst="chevron">
-          <a:avLst>
-            <a:gd name="adj" fmla="val 70610"/>
-          </a:avLst>
-        </a:prstGeom>
-        <a:solidFill>
-          <a:schemeClr val="accent1">
-            <a:hueOff val="0"/>
-            <a:satOff val="0"/>
-            <a:lumOff val="0"/>
-            <a:alphaOff val="0"/>
-          </a:schemeClr>
-        </a:solidFill>
-        <a:ln w="25400" cap="flat" cmpd="sng" algn="ctr">
-          <a:solidFill>
-            <a:schemeClr val="accent1">
-              <a:hueOff val="0"/>
-              <a:satOff val="0"/>
-              <a:lumOff val="0"/>
-              <a:alphaOff val="0"/>
-            </a:schemeClr>
-          </a:solidFill>
-          <a:prstDash val="solid"/>
-        </a:ln>
-        <a:effectLst/>
-      </dsp:spPr>
-      <dsp:style>
-        <a:lnRef idx="2">
-          <a:scrgbClr r="0" g="0" b="0"/>
-        </a:lnRef>
-        <a:fillRef idx="1">
-          <a:scrgbClr r="0" g="0" b="0"/>
-        </a:fillRef>
-        <a:effectRef idx="0">
-          <a:scrgbClr r="0" g="0" b="0"/>
-        </a:effectRef>
-        <a:fontRef idx="minor">
-          <a:schemeClr val="lt1"/>
-        </a:fontRef>
-      </dsp:style>
-    </dsp:sp>
-    <dsp:sp modelId="{F416CA90-7510-4122-8DE6-138F976158E4}">
-      <dsp:nvSpPr>
-        <dsp:cNvPr id="0" name=""/>
-        <dsp:cNvSpPr/>
-      </dsp:nvSpPr>
-      <dsp:spPr>
-        <a:xfrm>
-          <a:off x="1529454" y="1131501"/>
-          <a:ext cx="2854846" cy="417512"/>
-        </a:xfrm>
-        <a:prstGeom prst="rect">
-          <a:avLst/>
-        </a:prstGeom>
-        <a:solidFill>
-          <a:schemeClr val="lt1">
-            <a:hueOff val="0"/>
-            <a:satOff val="0"/>
-            <a:lumOff val="0"/>
-            <a:alphaOff val="0"/>
-          </a:schemeClr>
-        </a:solidFill>
-        <a:ln w="25400" cap="flat" cmpd="sng" algn="ctr">
-          <a:solidFill>
-            <a:schemeClr val="accent1">
-              <a:hueOff val="0"/>
-              <a:satOff val="0"/>
-              <a:lumOff val="0"/>
-              <a:alphaOff val="0"/>
-            </a:schemeClr>
-          </a:solidFill>
-          <a:prstDash val="solid"/>
-        </a:ln>
-        <a:effectLst/>
-      </dsp:spPr>
-      <dsp:style>
-        <a:lnRef idx="2">
-          <a:scrgbClr r="0" g="0" b="0"/>
-        </a:lnRef>
-        <a:fillRef idx="1">
-          <a:scrgbClr r="0" g="0" b="0"/>
-        </a:fillRef>
-        <a:effectRef idx="0">
-          <a:scrgbClr r="0" g="0" b="0"/>
-        </a:effectRef>
-        <a:fontRef idx="minor"/>
-      </dsp:style>
-      <dsp:txBody>
-        <a:bodyPr spcFirstLastPara="0" vert="horz" wrap="square" lIns="25400" tIns="25400" rIns="25400" bIns="25400" numCol="1" spcCol="1270" anchor="ctr" anchorCtr="0">
-          <a:noAutofit/>
-        </a:bodyPr>
-        <a:lstStyle/>
         <a:p>
-          <a:pPr lvl="0" algn="l" defTabSz="444500">
+          <a:pPr marL="57150" lvl="1" indent="-57150" algn="l" defTabSz="488950">
             <a:lnSpc>
               <a:spcPct val="90000"/>
             </a:lnSpc>
@@ -13686,1503 +12966,24 @@
               <a:spcPct val="0"/>
             </a:spcBef>
             <a:spcAft>
-              <a:spcPct val="35000"/>
+              <a:spcPct val="15000"/>
             </a:spcAft>
+            <a:buChar char="••"/>
           </a:pPr>
           <a:r>
-            <a:rPr lang="en-US" sz="1000" kern="1200" dirty="0" smtClean="0"/>
-            <a:t>Network topology changes rapidly</a:t>
+            <a:rPr lang="en-US" sz="1100" kern="1200" dirty="0" smtClean="0"/>
+            <a:t>Difficult </a:t>
           </a:r>
-          <a:endParaRPr lang="en-US" sz="1000" kern="1200" dirty="0"/>
+          <a:r>
+            <a:rPr lang="en-US" sz="1100" kern="1200" dirty="0" smtClean="0"/>
+            <a:t>to ensure personal information</a:t>
+          </a:r>
+          <a:endParaRPr lang="en-US" sz="1100" kern="1200" dirty="0"/>
         </a:p>
       </dsp:txBody>
-      <dsp:txXfrm>
-        <a:off x="1529454" y="1131501"/>
-        <a:ext cx="2854846" cy="417512"/>
-      </dsp:txXfrm>
-    </dsp:sp>
-    <dsp:sp modelId="{210D1AF8-2017-4DBC-B2B5-114A66DF4420}">
-      <dsp:nvSpPr>
-        <dsp:cNvPr id="0" name=""/>
-        <dsp:cNvSpPr/>
-      </dsp:nvSpPr>
-      <dsp:spPr>
-        <a:xfrm>
-          <a:off x="1529454" y="1642954"/>
-          <a:ext cx="2818209" cy="256200"/>
-        </a:xfrm>
-        <a:prstGeom prst="rect">
-          <a:avLst/>
-        </a:prstGeom>
-        <a:noFill/>
-        <a:ln>
-          <a:noFill/>
-        </a:ln>
-        <a:effectLst/>
-      </dsp:spPr>
-      <dsp:style>
-        <a:lnRef idx="0">
-          <a:scrgbClr r="0" g="0" b="0"/>
-        </a:lnRef>
-        <a:fillRef idx="0">
-          <a:scrgbClr r="0" g="0" b="0"/>
-        </a:fillRef>
-        <a:effectRef idx="0">
-          <a:scrgbClr r="0" g="0" b="0"/>
-        </a:effectRef>
-        <a:fontRef idx="minor"/>
-      </dsp:style>
-      <dsp:txBody>
-        <a:bodyPr spcFirstLastPara="0" vert="horz" wrap="square" lIns="41910" tIns="41910" rIns="41910" bIns="41910" numCol="1" spcCol="1270" anchor="b" anchorCtr="0">
-          <a:noAutofit/>
-        </a:bodyPr>
-        <a:lstStyle/>
-        <a:p>
-          <a:pPr lvl="0" algn="l" defTabSz="488950">
-            <a:lnSpc>
-              <a:spcPct val="90000"/>
-            </a:lnSpc>
-            <a:spcBef>
-              <a:spcPct val="0"/>
-            </a:spcBef>
-            <a:spcAft>
-              <a:spcPct val="35000"/>
-            </a:spcAft>
-          </a:pPr>
-          <a:r>
-            <a:rPr lang="en-US" sz="1100" b="1" kern="1200" dirty="0" smtClean="0"/>
-            <a:t>Time Critical</a:t>
-          </a:r>
-          <a:endParaRPr lang="en-US" sz="1100" b="1" kern="1200" dirty="0"/>
-        </a:p>
-      </dsp:txBody>
-      <dsp:txXfrm>
-        <a:off x="1529454" y="1642954"/>
-        <a:ext cx="2818209" cy="256200"/>
-      </dsp:txXfrm>
-    </dsp:sp>
-    <dsp:sp modelId="{5F05050B-7A50-4EC7-82F3-B378E6918583}">
-      <dsp:nvSpPr>
-        <dsp:cNvPr id="0" name=""/>
-        <dsp:cNvSpPr/>
-      </dsp:nvSpPr>
-      <dsp:spPr>
-        <a:xfrm>
-          <a:off x="1529454" y="1899155"/>
-          <a:ext cx="659460" cy="521890"/>
-        </a:xfrm>
-        <a:prstGeom prst="chevron">
-          <a:avLst>
-            <a:gd name="adj" fmla="val 70610"/>
-          </a:avLst>
-        </a:prstGeom>
-        <a:solidFill>
-          <a:schemeClr val="accent1">
-            <a:hueOff val="0"/>
-            <a:satOff val="0"/>
-            <a:lumOff val="0"/>
-            <a:alphaOff val="0"/>
-          </a:schemeClr>
-        </a:solidFill>
-        <a:ln w="25400" cap="flat" cmpd="sng" algn="ctr">
-          <a:solidFill>
-            <a:schemeClr val="accent1">
-              <a:hueOff val="0"/>
-              <a:satOff val="0"/>
-              <a:lumOff val="0"/>
-              <a:alphaOff val="0"/>
-            </a:schemeClr>
-          </a:solidFill>
-          <a:prstDash val="solid"/>
-        </a:ln>
-        <a:effectLst/>
-      </dsp:spPr>
-      <dsp:style>
-        <a:lnRef idx="2">
-          <a:scrgbClr r="0" g="0" b="0"/>
-        </a:lnRef>
-        <a:fillRef idx="1">
-          <a:scrgbClr r="0" g="0" b="0"/>
-        </a:fillRef>
-        <a:effectRef idx="0">
-          <a:scrgbClr r="0" g="0" b="0"/>
-        </a:effectRef>
-        <a:fontRef idx="minor">
-          <a:schemeClr val="lt1"/>
-        </a:fontRef>
-      </dsp:style>
-    </dsp:sp>
-    <dsp:sp modelId="{F5C30086-06CB-43B6-A56D-2A81F808C172}">
-      <dsp:nvSpPr>
-        <dsp:cNvPr id="0" name=""/>
-        <dsp:cNvSpPr/>
-      </dsp:nvSpPr>
-      <dsp:spPr>
-        <a:xfrm>
-          <a:off x="1925569" y="1899155"/>
-          <a:ext cx="659460" cy="521890"/>
-        </a:xfrm>
-        <a:prstGeom prst="chevron">
-          <a:avLst>
-            <a:gd name="adj" fmla="val 70610"/>
-          </a:avLst>
-        </a:prstGeom>
-        <a:solidFill>
-          <a:schemeClr val="accent1">
-            <a:hueOff val="0"/>
-            <a:satOff val="0"/>
-            <a:lumOff val="0"/>
-            <a:alphaOff val="0"/>
-          </a:schemeClr>
-        </a:solidFill>
-        <a:ln w="25400" cap="flat" cmpd="sng" algn="ctr">
-          <a:solidFill>
-            <a:schemeClr val="accent1">
-              <a:hueOff val="0"/>
-              <a:satOff val="0"/>
-              <a:lumOff val="0"/>
-              <a:alphaOff val="0"/>
-            </a:schemeClr>
-          </a:solidFill>
-          <a:prstDash val="solid"/>
-        </a:ln>
-        <a:effectLst/>
-      </dsp:spPr>
-      <dsp:style>
-        <a:lnRef idx="2">
-          <a:scrgbClr r="0" g="0" b="0"/>
-        </a:lnRef>
-        <a:fillRef idx="1">
-          <a:scrgbClr r="0" g="0" b="0"/>
-        </a:fillRef>
-        <a:effectRef idx="0">
-          <a:scrgbClr r="0" g="0" b="0"/>
-        </a:effectRef>
-        <a:fontRef idx="minor">
-          <a:schemeClr val="lt1"/>
-        </a:fontRef>
-      </dsp:style>
-    </dsp:sp>
-    <dsp:sp modelId="{9742385A-7FB8-42D1-94C6-33DA54E809B8}">
-      <dsp:nvSpPr>
-        <dsp:cNvPr id="0" name=""/>
-        <dsp:cNvSpPr/>
-      </dsp:nvSpPr>
-      <dsp:spPr>
-        <a:xfrm>
-          <a:off x="2321997" y="1899155"/>
-          <a:ext cx="659460" cy="521890"/>
-        </a:xfrm>
-        <a:prstGeom prst="chevron">
-          <a:avLst>
-            <a:gd name="adj" fmla="val 70610"/>
-          </a:avLst>
-        </a:prstGeom>
-        <a:solidFill>
-          <a:schemeClr val="accent1">
-            <a:hueOff val="0"/>
-            <a:satOff val="0"/>
-            <a:lumOff val="0"/>
-            <a:alphaOff val="0"/>
-          </a:schemeClr>
-        </a:solidFill>
-        <a:ln w="25400" cap="flat" cmpd="sng" algn="ctr">
-          <a:solidFill>
-            <a:schemeClr val="accent1">
-              <a:hueOff val="0"/>
-              <a:satOff val="0"/>
-              <a:lumOff val="0"/>
-              <a:alphaOff val="0"/>
-            </a:schemeClr>
-          </a:solidFill>
-          <a:prstDash val="solid"/>
-        </a:ln>
-        <a:effectLst/>
-      </dsp:spPr>
-      <dsp:style>
-        <a:lnRef idx="2">
-          <a:scrgbClr r="0" g="0" b="0"/>
-        </a:lnRef>
-        <a:fillRef idx="1">
-          <a:scrgbClr r="0" g="0" b="0"/>
-        </a:fillRef>
-        <a:effectRef idx="0">
-          <a:scrgbClr r="0" g="0" b="0"/>
-        </a:effectRef>
-        <a:fontRef idx="minor">
-          <a:schemeClr val="lt1"/>
-        </a:fontRef>
-      </dsp:style>
-    </dsp:sp>
-    <dsp:sp modelId="{C121C48C-28B7-4914-A544-6D69BB6A0371}">
-      <dsp:nvSpPr>
-        <dsp:cNvPr id="0" name=""/>
-        <dsp:cNvSpPr/>
-      </dsp:nvSpPr>
-      <dsp:spPr>
-        <a:xfrm>
-          <a:off x="2718112" y="1899155"/>
-          <a:ext cx="659460" cy="521890"/>
-        </a:xfrm>
-        <a:prstGeom prst="chevron">
-          <a:avLst>
-            <a:gd name="adj" fmla="val 70610"/>
-          </a:avLst>
-        </a:prstGeom>
-        <a:solidFill>
-          <a:schemeClr val="accent1">
-            <a:hueOff val="0"/>
-            <a:satOff val="0"/>
-            <a:lumOff val="0"/>
-            <a:alphaOff val="0"/>
-          </a:schemeClr>
-        </a:solidFill>
-        <a:ln w="25400" cap="flat" cmpd="sng" algn="ctr">
-          <a:solidFill>
-            <a:schemeClr val="accent1">
-              <a:hueOff val="0"/>
-              <a:satOff val="0"/>
-              <a:lumOff val="0"/>
-              <a:alphaOff val="0"/>
-            </a:schemeClr>
-          </a:solidFill>
-          <a:prstDash val="solid"/>
-        </a:ln>
-        <a:effectLst/>
-      </dsp:spPr>
-      <dsp:style>
-        <a:lnRef idx="2">
-          <a:scrgbClr r="0" g="0" b="0"/>
-        </a:lnRef>
-        <a:fillRef idx="1">
-          <a:scrgbClr r="0" g="0" b="0"/>
-        </a:fillRef>
-        <a:effectRef idx="0">
-          <a:scrgbClr r="0" g="0" b="0"/>
-        </a:effectRef>
-        <a:fontRef idx="minor">
-          <a:schemeClr val="lt1"/>
-        </a:fontRef>
-      </dsp:style>
-    </dsp:sp>
-    <dsp:sp modelId="{73123508-18D6-4F45-A44E-2B4699AADB6D}">
-      <dsp:nvSpPr>
-        <dsp:cNvPr id="0" name=""/>
-        <dsp:cNvSpPr/>
-      </dsp:nvSpPr>
-      <dsp:spPr>
-        <a:xfrm>
-          <a:off x="3114541" y="1899155"/>
-          <a:ext cx="659460" cy="521890"/>
-        </a:xfrm>
-        <a:prstGeom prst="chevron">
-          <a:avLst>
-            <a:gd name="adj" fmla="val 70610"/>
-          </a:avLst>
-        </a:prstGeom>
-        <a:solidFill>
-          <a:schemeClr val="accent1">
-            <a:hueOff val="0"/>
-            <a:satOff val="0"/>
-            <a:lumOff val="0"/>
-            <a:alphaOff val="0"/>
-          </a:schemeClr>
-        </a:solidFill>
-        <a:ln w="25400" cap="flat" cmpd="sng" algn="ctr">
-          <a:solidFill>
-            <a:schemeClr val="accent1">
-              <a:hueOff val="0"/>
-              <a:satOff val="0"/>
-              <a:lumOff val="0"/>
-              <a:alphaOff val="0"/>
-            </a:schemeClr>
-          </a:solidFill>
-          <a:prstDash val="solid"/>
-        </a:ln>
-        <a:effectLst/>
-      </dsp:spPr>
-      <dsp:style>
-        <a:lnRef idx="2">
-          <a:scrgbClr r="0" g="0" b="0"/>
-        </a:lnRef>
-        <a:fillRef idx="1">
-          <a:scrgbClr r="0" g="0" b="0"/>
-        </a:fillRef>
-        <a:effectRef idx="0">
-          <a:scrgbClr r="0" g="0" b="0"/>
-        </a:effectRef>
-        <a:fontRef idx="minor">
-          <a:schemeClr val="lt1"/>
-        </a:fontRef>
-      </dsp:style>
-    </dsp:sp>
-    <dsp:sp modelId="{56FDFA76-D7E1-44B9-9997-9F100FAE3F7D}">
-      <dsp:nvSpPr>
-        <dsp:cNvPr id="0" name=""/>
-        <dsp:cNvSpPr/>
-      </dsp:nvSpPr>
-      <dsp:spPr>
-        <a:xfrm>
-          <a:off x="3510656" y="1899155"/>
-          <a:ext cx="659460" cy="521890"/>
-        </a:xfrm>
-        <a:prstGeom prst="chevron">
-          <a:avLst>
-            <a:gd name="adj" fmla="val 70610"/>
-          </a:avLst>
-        </a:prstGeom>
-        <a:solidFill>
-          <a:schemeClr val="accent1">
-            <a:hueOff val="0"/>
-            <a:satOff val="0"/>
-            <a:lumOff val="0"/>
-            <a:alphaOff val="0"/>
-          </a:schemeClr>
-        </a:solidFill>
-        <a:ln w="25400" cap="flat" cmpd="sng" algn="ctr">
-          <a:solidFill>
-            <a:schemeClr val="accent1">
-              <a:hueOff val="0"/>
-              <a:satOff val="0"/>
-              <a:lumOff val="0"/>
-              <a:alphaOff val="0"/>
-            </a:schemeClr>
-          </a:solidFill>
-          <a:prstDash val="solid"/>
-        </a:ln>
-        <a:effectLst/>
-      </dsp:spPr>
-      <dsp:style>
-        <a:lnRef idx="2">
-          <a:scrgbClr r="0" g="0" b="0"/>
-        </a:lnRef>
-        <a:fillRef idx="1">
-          <a:scrgbClr r="0" g="0" b="0"/>
-        </a:fillRef>
-        <a:effectRef idx="0">
-          <a:scrgbClr r="0" g="0" b="0"/>
-        </a:effectRef>
-        <a:fontRef idx="minor">
-          <a:schemeClr val="lt1"/>
-        </a:fontRef>
-      </dsp:style>
-    </dsp:sp>
-    <dsp:sp modelId="{CC34B55F-6870-4CA5-BB3F-09FFF8A43482}">
-      <dsp:nvSpPr>
-        <dsp:cNvPr id="0" name=""/>
-        <dsp:cNvSpPr/>
-      </dsp:nvSpPr>
-      <dsp:spPr>
-        <a:xfrm>
-          <a:off x="3907084" y="1899155"/>
-          <a:ext cx="659460" cy="521890"/>
-        </a:xfrm>
-        <a:prstGeom prst="chevron">
-          <a:avLst>
-            <a:gd name="adj" fmla="val 70610"/>
-          </a:avLst>
-        </a:prstGeom>
-        <a:solidFill>
-          <a:schemeClr val="accent1">
-            <a:hueOff val="0"/>
-            <a:satOff val="0"/>
-            <a:lumOff val="0"/>
-            <a:alphaOff val="0"/>
-          </a:schemeClr>
-        </a:solidFill>
-        <a:ln w="25400" cap="flat" cmpd="sng" algn="ctr">
-          <a:solidFill>
-            <a:schemeClr val="accent1">
-              <a:hueOff val="0"/>
-              <a:satOff val="0"/>
-              <a:lumOff val="0"/>
-              <a:alphaOff val="0"/>
-            </a:schemeClr>
-          </a:solidFill>
-          <a:prstDash val="solid"/>
-        </a:ln>
-        <a:effectLst/>
-      </dsp:spPr>
-      <dsp:style>
-        <a:lnRef idx="2">
-          <a:scrgbClr r="0" g="0" b="0"/>
-        </a:lnRef>
-        <a:fillRef idx="1">
-          <a:scrgbClr r="0" g="0" b="0"/>
-        </a:fillRef>
-        <a:effectRef idx="0">
-          <a:scrgbClr r="0" g="0" b="0"/>
-        </a:effectRef>
-        <a:fontRef idx="minor">
-          <a:schemeClr val="lt1"/>
-        </a:fontRef>
-      </dsp:style>
-    </dsp:sp>
-    <dsp:sp modelId="{24C9A662-7AF2-4978-A6B3-71346A2DB949}">
-      <dsp:nvSpPr>
-        <dsp:cNvPr id="0" name=""/>
-        <dsp:cNvSpPr/>
-      </dsp:nvSpPr>
-      <dsp:spPr>
-        <a:xfrm>
-          <a:off x="1529454" y="1951344"/>
-          <a:ext cx="2854846" cy="417512"/>
-        </a:xfrm>
-        <a:prstGeom prst="rect">
-          <a:avLst/>
-        </a:prstGeom>
-        <a:solidFill>
-          <a:schemeClr val="lt1">
-            <a:hueOff val="0"/>
-            <a:satOff val="0"/>
-            <a:lumOff val="0"/>
-            <a:alphaOff val="0"/>
-          </a:schemeClr>
-        </a:solidFill>
-        <a:ln w="25400" cap="flat" cmpd="sng" algn="ctr">
-          <a:solidFill>
-            <a:schemeClr val="accent1">
-              <a:hueOff val="0"/>
-              <a:satOff val="0"/>
-              <a:lumOff val="0"/>
-              <a:alphaOff val="0"/>
-            </a:schemeClr>
-          </a:solidFill>
-          <a:prstDash val="solid"/>
-        </a:ln>
-        <a:effectLst/>
-      </dsp:spPr>
-      <dsp:style>
-        <a:lnRef idx="2">
-          <a:scrgbClr r="0" g="0" b="0"/>
-        </a:lnRef>
-        <a:fillRef idx="1">
-          <a:scrgbClr r="0" g="0" b="0"/>
-        </a:fillRef>
-        <a:effectRef idx="0">
-          <a:scrgbClr r="0" g="0" b="0"/>
-        </a:effectRef>
-        <a:fontRef idx="minor"/>
-      </dsp:style>
-      <dsp:txBody>
-        <a:bodyPr spcFirstLastPara="0" vert="horz" wrap="square" lIns="25400" tIns="25400" rIns="25400" bIns="25400" numCol="1" spcCol="1270" anchor="ctr" anchorCtr="0">
-          <a:noAutofit/>
-        </a:bodyPr>
-        <a:lstStyle/>
-        <a:p>
-          <a:pPr lvl="0" algn="l" defTabSz="444500">
-            <a:lnSpc>
-              <a:spcPct val="90000"/>
-            </a:lnSpc>
-            <a:spcBef>
-              <a:spcPct val="0"/>
-            </a:spcBef>
-            <a:spcAft>
-              <a:spcPct val="35000"/>
-            </a:spcAft>
-          </a:pPr>
-          <a:r>
-            <a:rPr lang="en-US" sz="1000" kern="1200" dirty="0" smtClean="0"/>
-            <a:t>Exchange of information in specific duration</a:t>
-          </a:r>
-          <a:endParaRPr lang="en-US" sz="1000" kern="1200" dirty="0"/>
-        </a:p>
-      </dsp:txBody>
-      <dsp:txXfrm>
-        <a:off x="1529454" y="1951344"/>
-        <a:ext cx="2854846" cy="417512"/>
-      </dsp:txXfrm>
-    </dsp:sp>
-    <dsp:sp modelId="{CA880167-DF48-484A-AB87-5DCCE958BBEB}">
-      <dsp:nvSpPr>
-        <dsp:cNvPr id="0" name=""/>
-        <dsp:cNvSpPr/>
-      </dsp:nvSpPr>
-      <dsp:spPr>
-        <a:xfrm>
-          <a:off x="1529454" y="2462796"/>
-          <a:ext cx="2818209" cy="256200"/>
-        </a:xfrm>
-        <a:prstGeom prst="rect">
-          <a:avLst/>
-        </a:prstGeom>
-        <a:noFill/>
-        <a:ln>
-          <a:noFill/>
-        </a:ln>
-        <a:effectLst/>
-      </dsp:spPr>
-      <dsp:style>
-        <a:lnRef idx="0">
-          <a:scrgbClr r="0" g="0" b="0"/>
-        </a:lnRef>
-        <a:fillRef idx="0">
-          <a:scrgbClr r="0" g="0" b="0"/>
-        </a:fillRef>
-        <a:effectRef idx="0">
-          <a:scrgbClr r="0" g="0" b="0"/>
-        </a:effectRef>
-        <a:fontRef idx="minor"/>
-      </dsp:style>
-      <dsp:txBody>
-        <a:bodyPr spcFirstLastPara="0" vert="horz" wrap="square" lIns="41910" tIns="41910" rIns="41910" bIns="41910" numCol="1" spcCol="1270" anchor="b" anchorCtr="0">
-          <a:noAutofit/>
-        </a:bodyPr>
-        <a:lstStyle/>
-        <a:p>
-          <a:pPr lvl="0" algn="l" defTabSz="488950">
-            <a:lnSpc>
-              <a:spcPct val="90000"/>
-            </a:lnSpc>
-            <a:spcBef>
-              <a:spcPct val="0"/>
-            </a:spcBef>
-            <a:spcAft>
-              <a:spcPct val="35000"/>
-            </a:spcAft>
-          </a:pPr>
-          <a:r>
-            <a:rPr lang="en-US" sz="1100" b="1" kern="1200" dirty="0" smtClean="0"/>
-            <a:t>Computing and Storage</a:t>
-          </a:r>
-          <a:endParaRPr lang="en-US" sz="1100" b="1" kern="1200" dirty="0"/>
-        </a:p>
-      </dsp:txBody>
-      <dsp:txXfrm>
-        <a:off x="1529454" y="2462796"/>
-        <a:ext cx="2818209" cy="256200"/>
-      </dsp:txXfrm>
-    </dsp:sp>
-    <dsp:sp modelId="{DB7E056C-7190-4B65-9B54-95153135960D}">
-      <dsp:nvSpPr>
-        <dsp:cNvPr id="0" name=""/>
-        <dsp:cNvSpPr/>
-      </dsp:nvSpPr>
-      <dsp:spPr>
-        <a:xfrm>
-          <a:off x="1529454" y="2718997"/>
-          <a:ext cx="659460" cy="521890"/>
-        </a:xfrm>
-        <a:prstGeom prst="chevron">
-          <a:avLst>
-            <a:gd name="adj" fmla="val 70610"/>
-          </a:avLst>
-        </a:prstGeom>
-        <a:solidFill>
-          <a:schemeClr val="accent1">
-            <a:hueOff val="0"/>
-            <a:satOff val="0"/>
-            <a:lumOff val="0"/>
-            <a:alphaOff val="0"/>
-          </a:schemeClr>
-        </a:solidFill>
-        <a:ln w="25400" cap="flat" cmpd="sng" algn="ctr">
-          <a:solidFill>
-            <a:schemeClr val="accent1">
-              <a:hueOff val="0"/>
-              <a:satOff val="0"/>
-              <a:lumOff val="0"/>
-              <a:alphaOff val="0"/>
-            </a:schemeClr>
-          </a:solidFill>
-          <a:prstDash val="solid"/>
-        </a:ln>
-        <a:effectLst/>
-      </dsp:spPr>
-      <dsp:style>
-        <a:lnRef idx="2">
-          <a:scrgbClr r="0" g="0" b="0"/>
-        </a:lnRef>
-        <a:fillRef idx="1">
-          <a:scrgbClr r="0" g="0" b="0"/>
-        </a:fillRef>
-        <a:effectRef idx="0">
-          <a:scrgbClr r="0" g="0" b="0"/>
-        </a:effectRef>
-        <a:fontRef idx="minor">
-          <a:schemeClr val="lt1"/>
-        </a:fontRef>
-      </dsp:style>
-    </dsp:sp>
-    <dsp:sp modelId="{FAA8BE36-99A5-4E0C-9CE8-92C2550F75F1}">
-      <dsp:nvSpPr>
-        <dsp:cNvPr id="0" name=""/>
-        <dsp:cNvSpPr/>
-      </dsp:nvSpPr>
-      <dsp:spPr>
-        <a:xfrm>
-          <a:off x="1925569" y="2718997"/>
-          <a:ext cx="659460" cy="521890"/>
-        </a:xfrm>
-        <a:prstGeom prst="chevron">
-          <a:avLst>
-            <a:gd name="adj" fmla="val 70610"/>
-          </a:avLst>
-        </a:prstGeom>
-        <a:solidFill>
-          <a:schemeClr val="accent1">
-            <a:hueOff val="0"/>
-            <a:satOff val="0"/>
-            <a:lumOff val="0"/>
-            <a:alphaOff val="0"/>
-          </a:schemeClr>
-        </a:solidFill>
-        <a:ln w="25400" cap="flat" cmpd="sng" algn="ctr">
-          <a:solidFill>
-            <a:schemeClr val="accent1">
-              <a:hueOff val="0"/>
-              <a:satOff val="0"/>
-              <a:lumOff val="0"/>
-              <a:alphaOff val="0"/>
-            </a:schemeClr>
-          </a:solidFill>
-          <a:prstDash val="solid"/>
-        </a:ln>
-        <a:effectLst/>
-      </dsp:spPr>
-      <dsp:style>
-        <a:lnRef idx="2">
-          <a:scrgbClr r="0" g="0" b="0"/>
-        </a:lnRef>
-        <a:fillRef idx="1">
-          <a:scrgbClr r="0" g="0" b="0"/>
-        </a:fillRef>
-        <a:effectRef idx="0">
-          <a:scrgbClr r="0" g="0" b="0"/>
-        </a:effectRef>
-        <a:fontRef idx="minor">
-          <a:schemeClr val="lt1"/>
-        </a:fontRef>
-      </dsp:style>
-    </dsp:sp>
-    <dsp:sp modelId="{4FEB005A-EACB-4F85-8C04-6D5161CC5B06}">
-      <dsp:nvSpPr>
-        <dsp:cNvPr id="0" name=""/>
-        <dsp:cNvSpPr/>
-      </dsp:nvSpPr>
-      <dsp:spPr>
-        <a:xfrm>
-          <a:off x="2321997" y="2718997"/>
-          <a:ext cx="659460" cy="521890"/>
-        </a:xfrm>
-        <a:prstGeom prst="chevron">
-          <a:avLst>
-            <a:gd name="adj" fmla="val 70610"/>
-          </a:avLst>
-        </a:prstGeom>
-        <a:solidFill>
-          <a:schemeClr val="accent1">
-            <a:hueOff val="0"/>
-            <a:satOff val="0"/>
-            <a:lumOff val="0"/>
-            <a:alphaOff val="0"/>
-          </a:schemeClr>
-        </a:solidFill>
-        <a:ln w="25400" cap="flat" cmpd="sng" algn="ctr">
-          <a:solidFill>
-            <a:schemeClr val="accent1">
-              <a:hueOff val="0"/>
-              <a:satOff val="0"/>
-              <a:lumOff val="0"/>
-              <a:alphaOff val="0"/>
-            </a:schemeClr>
-          </a:solidFill>
-          <a:prstDash val="solid"/>
-        </a:ln>
-        <a:effectLst/>
-      </dsp:spPr>
-      <dsp:style>
-        <a:lnRef idx="2">
-          <a:scrgbClr r="0" g="0" b="0"/>
-        </a:lnRef>
-        <a:fillRef idx="1">
-          <a:scrgbClr r="0" g="0" b="0"/>
-        </a:fillRef>
-        <a:effectRef idx="0">
-          <a:scrgbClr r="0" g="0" b="0"/>
-        </a:effectRef>
-        <a:fontRef idx="minor">
-          <a:schemeClr val="lt1"/>
-        </a:fontRef>
-      </dsp:style>
-    </dsp:sp>
-    <dsp:sp modelId="{982B287A-BF66-406E-9EFD-F71D3478F0D2}">
-      <dsp:nvSpPr>
-        <dsp:cNvPr id="0" name=""/>
-        <dsp:cNvSpPr/>
-      </dsp:nvSpPr>
-      <dsp:spPr>
-        <a:xfrm>
-          <a:off x="2718112" y="2718997"/>
-          <a:ext cx="659460" cy="521890"/>
-        </a:xfrm>
-        <a:prstGeom prst="chevron">
-          <a:avLst>
-            <a:gd name="adj" fmla="val 70610"/>
-          </a:avLst>
-        </a:prstGeom>
-        <a:solidFill>
-          <a:schemeClr val="accent1">
-            <a:hueOff val="0"/>
-            <a:satOff val="0"/>
-            <a:lumOff val="0"/>
-            <a:alphaOff val="0"/>
-          </a:schemeClr>
-        </a:solidFill>
-        <a:ln w="25400" cap="flat" cmpd="sng" algn="ctr">
-          <a:solidFill>
-            <a:schemeClr val="accent1">
-              <a:hueOff val="0"/>
-              <a:satOff val="0"/>
-              <a:lumOff val="0"/>
-              <a:alphaOff val="0"/>
-            </a:schemeClr>
-          </a:solidFill>
-          <a:prstDash val="solid"/>
-        </a:ln>
-        <a:effectLst/>
-      </dsp:spPr>
-      <dsp:style>
-        <a:lnRef idx="2">
-          <a:scrgbClr r="0" g="0" b="0"/>
-        </a:lnRef>
-        <a:fillRef idx="1">
-          <a:scrgbClr r="0" g="0" b="0"/>
-        </a:fillRef>
-        <a:effectRef idx="0">
-          <a:scrgbClr r="0" g="0" b="0"/>
-        </a:effectRef>
-        <a:fontRef idx="minor">
-          <a:schemeClr val="lt1"/>
-        </a:fontRef>
-      </dsp:style>
-    </dsp:sp>
-    <dsp:sp modelId="{B6961244-519F-48FB-B997-A85EEE983F19}">
-      <dsp:nvSpPr>
-        <dsp:cNvPr id="0" name=""/>
-        <dsp:cNvSpPr/>
-      </dsp:nvSpPr>
-      <dsp:spPr>
-        <a:xfrm>
-          <a:off x="3114541" y="2718997"/>
-          <a:ext cx="659460" cy="521890"/>
-        </a:xfrm>
-        <a:prstGeom prst="chevron">
-          <a:avLst>
-            <a:gd name="adj" fmla="val 70610"/>
-          </a:avLst>
-        </a:prstGeom>
-        <a:solidFill>
-          <a:schemeClr val="accent1">
-            <a:hueOff val="0"/>
-            <a:satOff val="0"/>
-            <a:lumOff val="0"/>
-            <a:alphaOff val="0"/>
-          </a:schemeClr>
-        </a:solidFill>
-        <a:ln w="25400" cap="flat" cmpd="sng" algn="ctr">
-          <a:solidFill>
-            <a:schemeClr val="accent1">
-              <a:hueOff val="0"/>
-              <a:satOff val="0"/>
-              <a:lumOff val="0"/>
-              <a:alphaOff val="0"/>
-            </a:schemeClr>
-          </a:solidFill>
-          <a:prstDash val="solid"/>
-        </a:ln>
-        <a:effectLst/>
-      </dsp:spPr>
-      <dsp:style>
-        <a:lnRef idx="2">
-          <a:scrgbClr r="0" g="0" b="0"/>
-        </a:lnRef>
-        <a:fillRef idx="1">
-          <a:scrgbClr r="0" g="0" b="0"/>
-        </a:fillRef>
-        <a:effectRef idx="0">
-          <a:scrgbClr r="0" g="0" b="0"/>
-        </a:effectRef>
-        <a:fontRef idx="minor">
-          <a:schemeClr val="lt1"/>
-        </a:fontRef>
-      </dsp:style>
-    </dsp:sp>
-    <dsp:sp modelId="{FFBA97A0-4807-4217-920B-15F8DA6BD1BE}">
-      <dsp:nvSpPr>
-        <dsp:cNvPr id="0" name=""/>
-        <dsp:cNvSpPr/>
-      </dsp:nvSpPr>
-      <dsp:spPr>
-        <a:xfrm>
-          <a:off x="3510656" y="2718997"/>
-          <a:ext cx="659460" cy="521890"/>
-        </a:xfrm>
-        <a:prstGeom prst="chevron">
-          <a:avLst>
-            <a:gd name="adj" fmla="val 70610"/>
-          </a:avLst>
-        </a:prstGeom>
-        <a:solidFill>
-          <a:schemeClr val="accent1">
-            <a:hueOff val="0"/>
-            <a:satOff val="0"/>
-            <a:lumOff val="0"/>
-            <a:alphaOff val="0"/>
-          </a:schemeClr>
-        </a:solidFill>
-        <a:ln w="25400" cap="flat" cmpd="sng" algn="ctr">
-          <a:solidFill>
-            <a:schemeClr val="accent1">
-              <a:hueOff val="0"/>
-              <a:satOff val="0"/>
-              <a:lumOff val="0"/>
-              <a:alphaOff val="0"/>
-            </a:schemeClr>
-          </a:solidFill>
-          <a:prstDash val="solid"/>
-        </a:ln>
-        <a:effectLst/>
-      </dsp:spPr>
-      <dsp:style>
-        <a:lnRef idx="2">
-          <a:scrgbClr r="0" g="0" b="0"/>
-        </a:lnRef>
-        <a:fillRef idx="1">
-          <a:scrgbClr r="0" g="0" b="0"/>
-        </a:fillRef>
-        <a:effectRef idx="0">
-          <a:scrgbClr r="0" g="0" b="0"/>
-        </a:effectRef>
-        <a:fontRef idx="minor">
-          <a:schemeClr val="lt1"/>
-        </a:fontRef>
-      </dsp:style>
-    </dsp:sp>
-    <dsp:sp modelId="{02F9EF01-6825-4B90-9E70-7B0C3872347C}">
-      <dsp:nvSpPr>
-        <dsp:cNvPr id="0" name=""/>
-        <dsp:cNvSpPr/>
-      </dsp:nvSpPr>
-      <dsp:spPr>
-        <a:xfrm>
-          <a:off x="3907084" y="2718997"/>
-          <a:ext cx="659460" cy="521890"/>
-        </a:xfrm>
-        <a:prstGeom prst="chevron">
-          <a:avLst>
-            <a:gd name="adj" fmla="val 70610"/>
-          </a:avLst>
-        </a:prstGeom>
-        <a:solidFill>
-          <a:schemeClr val="accent1">
-            <a:hueOff val="0"/>
-            <a:satOff val="0"/>
-            <a:lumOff val="0"/>
-            <a:alphaOff val="0"/>
-          </a:schemeClr>
-        </a:solidFill>
-        <a:ln w="25400" cap="flat" cmpd="sng" algn="ctr">
-          <a:solidFill>
-            <a:schemeClr val="accent1">
-              <a:hueOff val="0"/>
-              <a:satOff val="0"/>
-              <a:lumOff val="0"/>
-              <a:alphaOff val="0"/>
-            </a:schemeClr>
-          </a:solidFill>
-          <a:prstDash val="solid"/>
-        </a:ln>
-        <a:effectLst/>
-      </dsp:spPr>
-      <dsp:style>
-        <a:lnRef idx="2">
-          <a:scrgbClr r="0" g="0" b="0"/>
-        </a:lnRef>
-        <a:fillRef idx="1">
-          <a:scrgbClr r="0" g="0" b="0"/>
-        </a:fillRef>
-        <a:effectRef idx="0">
-          <a:scrgbClr r="0" g="0" b="0"/>
-        </a:effectRef>
-        <a:fontRef idx="minor">
-          <a:schemeClr val="lt1"/>
-        </a:fontRef>
-      </dsp:style>
-    </dsp:sp>
-    <dsp:sp modelId="{7C5CBBFF-CF85-49BA-9E2D-03646937F416}">
-      <dsp:nvSpPr>
-        <dsp:cNvPr id="0" name=""/>
-        <dsp:cNvSpPr/>
-      </dsp:nvSpPr>
-      <dsp:spPr>
-        <a:xfrm>
-          <a:off x="1529454" y="2771186"/>
-          <a:ext cx="2854846" cy="417512"/>
-        </a:xfrm>
-        <a:prstGeom prst="rect">
-          <a:avLst/>
-        </a:prstGeom>
-        <a:solidFill>
-          <a:schemeClr val="lt1">
-            <a:hueOff val="0"/>
-            <a:satOff val="0"/>
-            <a:lumOff val="0"/>
-            <a:alphaOff val="0"/>
-          </a:schemeClr>
-        </a:solidFill>
-        <a:ln w="25400" cap="flat" cmpd="sng" algn="ctr">
-          <a:solidFill>
-            <a:schemeClr val="accent1">
-              <a:hueOff val="0"/>
-              <a:satOff val="0"/>
-              <a:lumOff val="0"/>
-              <a:alphaOff val="0"/>
-            </a:schemeClr>
-          </a:solidFill>
-          <a:prstDash val="solid"/>
-        </a:ln>
-        <a:effectLst/>
-      </dsp:spPr>
-      <dsp:style>
-        <a:lnRef idx="2">
-          <a:scrgbClr r="0" g="0" b="0"/>
-        </a:lnRef>
-        <a:fillRef idx="1">
-          <a:scrgbClr r="0" g="0" b="0"/>
-        </a:fillRef>
-        <a:effectRef idx="0">
-          <a:scrgbClr r="0" g="0" b="0"/>
-        </a:effectRef>
-        <a:fontRef idx="minor"/>
-      </dsp:style>
-      <dsp:txBody>
-        <a:bodyPr spcFirstLastPara="0" vert="horz" wrap="square" lIns="25400" tIns="25400" rIns="25400" bIns="25400" numCol="1" spcCol="1270" anchor="ctr" anchorCtr="0">
-          <a:noAutofit/>
-        </a:bodyPr>
-        <a:lstStyle/>
-        <a:p>
-          <a:pPr lvl="0" algn="l" defTabSz="444500">
-            <a:lnSpc>
-              <a:spcPct val="90000"/>
-            </a:lnSpc>
-            <a:spcBef>
-              <a:spcPct val="0"/>
-            </a:spcBef>
-            <a:spcAft>
-              <a:spcPct val="35000"/>
-            </a:spcAft>
-          </a:pPr>
-          <a:r>
-            <a:rPr lang="en-US" sz="1000" kern="1200" dirty="0" smtClean="0"/>
-            <a:t>Processing large amount of information</a:t>
-          </a:r>
-          <a:endParaRPr lang="en-US" sz="1000" kern="1200" dirty="0"/>
-        </a:p>
-      </dsp:txBody>
-      <dsp:txXfrm>
-        <a:off x="1529454" y="2771186"/>
-        <a:ext cx="2854846" cy="417512"/>
-      </dsp:txXfrm>
-    </dsp:sp>
-    <dsp:sp modelId="{DA74C2E1-3533-405C-9DD9-699092913436}">
-      <dsp:nvSpPr>
-        <dsp:cNvPr id="0" name=""/>
-        <dsp:cNvSpPr/>
-      </dsp:nvSpPr>
-      <dsp:spPr>
-        <a:xfrm>
-          <a:off x="1529454" y="3282639"/>
-          <a:ext cx="2818209" cy="256200"/>
-        </a:xfrm>
-        <a:prstGeom prst="rect">
-          <a:avLst/>
-        </a:prstGeom>
-        <a:noFill/>
-        <a:ln>
-          <a:noFill/>
-        </a:ln>
-        <a:effectLst/>
-      </dsp:spPr>
-      <dsp:style>
-        <a:lnRef idx="0">
-          <a:scrgbClr r="0" g="0" b="0"/>
-        </a:lnRef>
-        <a:fillRef idx="0">
-          <a:scrgbClr r="0" g="0" b="0"/>
-        </a:fillRef>
-        <a:effectRef idx="0">
-          <a:scrgbClr r="0" g="0" b="0"/>
-        </a:effectRef>
-        <a:fontRef idx="minor"/>
-      </dsp:style>
-      <dsp:txBody>
-        <a:bodyPr spcFirstLastPara="0" vert="horz" wrap="square" lIns="41910" tIns="41910" rIns="41910" bIns="41910" numCol="1" spcCol="1270" anchor="b" anchorCtr="0">
-          <a:noAutofit/>
-        </a:bodyPr>
-        <a:lstStyle/>
-        <a:p>
-          <a:pPr lvl="0" algn="l" defTabSz="488950">
-            <a:lnSpc>
-              <a:spcPct val="90000"/>
-            </a:lnSpc>
-            <a:spcBef>
-              <a:spcPct val="0"/>
-            </a:spcBef>
-            <a:spcAft>
-              <a:spcPct val="35000"/>
-            </a:spcAft>
-          </a:pPr>
-          <a:r>
-            <a:rPr lang="en-US" sz="1100" b="1" kern="1200" dirty="0" smtClean="0">
-              <a:solidFill>
-                <a:schemeClr val="tx1"/>
-              </a:solidFill>
-            </a:rPr>
-            <a:t>Volatility</a:t>
-          </a:r>
-          <a:endParaRPr lang="en-US" sz="1100" b="1" kern="1200" dirty="0">
-            <a:solidFill>
-              <a:schemeClr val="tx1"/>
-            </a:solidFill>
-          </a:endParaRPr>
-        </a:p>
-      </dsp:txBody>
-      <dsp:txXfrm>
-        <a:off x="1529454" y="3282639"/>
-        <a:ext cx="2818209" cy="256200"/>
-      </dsp:txXfrm>
-    </dsp:sp>
-    <dsp:sp modelId="{6EDF9DD2-79BF-4509-BABD-31F461030C69}">
-      <dsp:nvSpPr>
-        <dsp:cNvPr id="0" name=""/>
-        <dsp:cNvSpPr/>
-      </dsp:nvSpPr>
-      <dsp:spPr>
-        <a:xfrm>
-          <a:off x="1529454" y="3538840"/>
-          <a:ext cx="659460" cy="521890"/>
-        </a:xfrm>
-        <a:prstGeom prst="chevron">
-          <a:avLst>
-            <a:gd name="adj" fmla="val 70610"/>
-          </a:avLst>
-        </a:prstGeom>
-        <a:solidFill>
-          <a:schemeClr val="accent1">
-            <a:hueOff val="0"/>
-            <a:satOff val="0"/>
-            <a:lumOff val="0"/>
-            <a:alphaOff val="0"/>
-          </a:schemeClr>
-        </a:solidFill>
-        <a:ln w="25400" cap="flat" cmpd="sng" algn="ctr">
-          <a:solidFill>
-            <a:schemeClr val="accent1">
-              <a:hueOff val="0"/>
-              <a:satOff val="0"/>
-              <a:lumOff val="0"/>
-              <a:alphaOff val="0"/>
-            </a:schemeClr>
-          </a:solidFill>
-          <a:prstDash val="solid"/>
-        </a:ln>
-        <a:effectLst/>
-      </dsp:spPr>
-      <dsp:style>
-        <a:lnRef idx="2">
-          <a:scrgbClr r="0" g="0" b="0"/>
-        </a:lnRef>
-        <a:fillRef idx="1">
-          <a:scrgbClr r="0" g="0" b="0"/>
-        </a:fillRef>
-        <a:effectRef idx="0">
-          <a:scrgbClr r="0" g="0" b="0"/>
-        </a:effectRef>
-        <a:fontRef idx="minor">
-          <a:schemeClr val="lt1"/>
-        </a:fontRef>
-      </dsp:style>
-    </dsp:sp>
-    <dsp:sp modelId="{A5F33966-FC23-4638-BF87-98871CEBF47E}">
-      <dsp:nvSpPr>
-        <dsp:cNvPr id="0" name=""/>
-        <dsp:cNvSpPr/>
-      </dsp:nvSpPr>
-      <dsp:spPr>
-        <a:xfrm>
-          <a:off x="1925569" y="3538840"/>
-          <a:ext cx="659460" cy="521890"/>
-        </a:xfrm>
-        <a:prstGeom prst="chevron">
-          <a:avLst>
-            <a:gd name="adj" fmla="val 70610"/>
-          </a:avLst>
-        </a:prstGeom>
-        <a:solidFill>
-          <a:schemeClr val="accent1">
-            <a:hueOff val="0"/>
-            <a:satOff val="0"/>
-            <a:lumOff val="0"/>
-            <a:alphaOff val="0"/>
-          </a:schemeClr>
-        </a:solidFill>
-        <a:ln w="25400" cap="flat" cmpd="sng" algn="ctr">
-          <a:solidFill>
-            <a:schemeClr val="accent1">
-              <a:hueOff val="0"/>
-              <a:satOff val="0"/>
-              <a:lumOff val="0"/>
-              <a:alphaOff val="0"/>
-            </a:schemeClr>
-          </a:solidFill>
-          <a:prstDash val="solid"/>
-        </a:ln>
-        <a:effectLst/>
-      </dsp:spPr>
-      <dsp:style>
-        <a:lnRef idx="2">
-          <a:scrgbClr r="0" g="0" b="0"/>
-        </a:lnRef>
-        <a:fillRef idx="1">
-          <a:scrgbClr r="0" g="0" b="0"/>
-        </a:fillRef>
-        <a:effectRef idx="0">
-          <a:scrgbClr r="0" g="0" b="0"/>
-        </a:effectRef>
-        <a:fontRef idx="minor">
-          <a:schemeClr val="lt1"/>
-        </a:fontRef>
-      </dsp:style>
-    </dsp:sp>
-    <dsp:sp modelId="{25C14A0B-4609-4141-A22E-E3764CE22774}">
-      <dsp:nvSpPr>
-        <dsp:cNvPr id="0" name=""/>
-        <dsp:cNvSpPr/>
-      </dsp:nvSpPr>
-      <dsp:spPr>
-        <a:xfrm>
-          <a:off x="2321997" y="3538840"/>
-          <a:ext cx="659460" cy="521890"/>
-        </a:xfrm>
-        <a:prstGeom prst="chevron">
-          <a:avLst>
-            <a:gd name="adj" fmla="val 70610"/>
-          </a:avLst>
-        </a:prstGeom>
-        <a:solidFill>
-          <a:schemeClr val="accent1">
-            <a:hueOff val="0"/>
-            <a:satOff val="0"/>
-            <a:lumOff val="0"/>
-            <a:alphaOff val="0"/>
-          </a:schemeClr>
-        </a:solidFill>
-        <a:ln w="25400" cap="flat" cmpd="sng" algn="ctr">
-          <a:solidFill>
-            <a:schemeClr val="accent1">
-              <a:hueOff val="0"/>
-              <a:satOff val="0"/>
-              <a:lumOff val="0"/>
-              <a:alphaOff val="0"/>
-            </a:schemeClr>
-          </a:solidFill>
-          <a:prstDash val="solid"/>
-        </a:ln>
-        <a:effectLst/>
-      </dsp:spPr>
-      <dsp:style>
-        <a:lnRef idx="2">
-          <a:scrgbClr r="0" g="0" b="0"/>
-        </a:lnRef>
-        <a:fillRef idx="1">
-          <a:scrgbClr r="0" g="0" b="0"/>
-        </a:fillRef>
-        <a:effectRef idx="0">
-          <a:scrgbClr r="0" g="0" b="0"/>
-        </a:effectRef>
-        <a:fontRef idx="minor">
-          <a:schemeClr val="lt1"/>
-        </a:fontRef>
-      </dsp:style>
-    </dsp:sp>
-    <dsp:sp modelId="{6C96CEE2-CB32-4A33-BD67-64DA28040F3C}">
-      <dsp:nvSpPr>
-        <dsp:cNvPr id="0" name=""/>
-        <dsp:cNvSpPr/>
-      </dsp:nvSpPr>
-      <dsp:spPr>
-        <a:xfrm>
-          <a:off x="2718112" y="3538840"/>
-          <a:ext cx="659460" cy="521890"/>
-        </a:xfrm>
-        <a:prstGeom prst="chevron">
-          <a:avLst>
-            <a:gd name="adj" fmla="val 70610"/>
-          </a:avLst>
-        </a:prstGeom>
-        <a:solidFill>
-          <a:schemeClr val="accent1">
-            <a:hueOff val="0"/>
-            <a:satOff val="0"/>
-            <a:lumOff val="0"/>
-            <a:alphaOff val="0"/>
-          </a:schemeClr>
-        </a:solidFill>
-        <a:ln w="25400" cap="flat" cmpd="sng" algn="ctr">
-          <a:solidFill>
-            <a:schemeClr val="accent1">
-              <a:hueOff val="0"/>
-              <a:satOff val="0"/>
-              <a:lumOff val="0"/>
-              <a:alphaOff val="0"/>
-            </a:schemeClr>
-          </a:solidFill>
-          <a:prstDash val="solid"/>
-        </a:ln>
-        <a:effectLst/>
-      </dsp:spPr>
-      <dsp:style>
-        <a:lnRef idx="2">
-          <a:scrgbClr r="0" g="0" b="0"/>
-        </a:lnRef>
-        <a:fillRef idx="1">
-          <a:scrgbClr r="0" g="0" b="0"/>
-        </a:fillRef>
-        <a:effectRef idx="0">
-          <a:scrgbClr r="0" g="0" b="0"/>
-        </a:effectRef>
-        <a:fontRef idx="minor">
-          <a:schemeClr val="lt1"/>
-        </a:fontRef>
-      </dsp:style>
-    </dsp:sp>
-    <dsp:sp modelId="{805F7FA0-F720-4206-9B54-2B8DFA0973CA}">
-      <dsp:nvSpPr>
-        <dsp:cNvPr id="0" name=""/>
-        <dsp:cNvSpPr/>
-      </dsp:nvSpPr>
-      <dsp:spPr>
-        <a:xfrm>
-          <a:off x="3114541" y="3538840"/>
-          <a:ext cx="659460" cy="521890"/>
-        </a:xfrm>
-        <a:prstGeom prst="chevron">
-          <a:avLst>
-            <a:gd name="adj" fmla="val 70610"/>
-          </a:avLst>
-        </a:prstGeom>
-        <a:solidFill>
-          <a:schemeClr val="accent1">
-            <a:hueOff val="0"/>
-            <a:satOff val="0"/>
-            <a:lumOff val="0"/>
-            <a:alphaOff val="0"/>
-          </a:schemeClr>
-        </a:solidFill>
-        <a:ln w="25400" cap="flat" cmpd="sng" algn="ctr">
-          <a:solidFill>
-            <a:schemeClr val="accent1">
-              <a:hueOff val="0"/>
-              <a:satOff val="0"/>
-              <a:lumOff val="0"/>
-              <a:alphaOff val="0"/>
-            </a:schemeClr>
-          </a:solidFill>
-          <a:prstDash val="solid"/>
-        </a:ln>
-        <a:effectLst/>
-      </dsp:spPr>
-      <dsp:style>
-        <a:lnRef idx="2">
-          <a:scrgbClr r="0" g="0" b="0"/>
-        </a:lnRef>
-        <a:fillRef idx="1">
-          <a:scrgbClr r="0" g="0" b="0"/>
-        </a:fillRef>
-        <a:effectRef idx="0">
-          <a:scrgbClr r="0" g="0" b="0"/>
-        </a:effectRef>
-        <a:fontRef idx="minor">
-          <a:schemeClr val="lt1"/>
-        </a:fontRef>
-      </dsp:style>
-    </dsp:sp>
-    <dsp:sp modelId="{54C6FB5F-EF59-4F87-BCF0-A707112DA305}">
-      <dsp:nvSpPr>
-        <dsp:cNvPr id="0" name=""/>
-        <dsp:cNvSpPr/>
-      </dsp:nvSpPr>
-      <dsp:spPr>
-        <a:xfrm>
-          <a:off x="3510656" y="3538840"/>
-          <a:ext cx="659460" cy="521890"/>
-        </a:xfrm>
-        <a:prstGeom prst="chevron">
-          <a:avLst>
-            <a:gd name="adj" fmla="val 70610"/>
-          </a:avLst>
-        </a:prstGeom>
-        <a:solidFill>
-          <a:schemeClr val="accent1">
-            <a:hueOff val="0"/>
-            <a:satOff val="0"/>
-            <a:lumOff val="0"/>
-            <a:alphaOff val="0"/>
-          </a:schemeClr>
-        </a:solidFill>
-        <a:ln w="25400" cap="flat" cmpd="sng" algn="ctr">
-          <a:solidFill>
-            <a:schemeClr val="accent1">
-              <a:hueOff val="0"/>
-              <a:satOff val="0"/>
-              <a:lumOff val="0"/>
-              <a:alphaOff val="0"/>
-            </a:schemeClr>
-          </a:solidFill>
-          <a:prstDash val="solid"/>
-        </a:ln>
-        <a:effectLst/>
-      </dsp:spPr>
-      <dsp:style>
-        <a:lnRef idx="2">
-          <a:scrgbClr r="0" g="0" b="0"/>
-        </a:lnRef>
-        <a:fillRef idx="1">
-          <a:scrgbClr r="0" g="0" b="0"/>
-        </a:fillRef>
-        <a:effectRef idx="0">
-          <a:scrgbClr r="0" g="0" b="0"/>
-        </a:effectRef>
-        <a:fontRef idx="minor">
-          <a:schemeClr val="lt1"/>
-        </a:fontRef>
-      </dsp:style>
-    </dsp:sp>
-    <dsp:sp modelId="{7991F8C1-F16E-423A-B187-006D64223A09}">
-      <dsp:nvSpPr>
-        <dsp:cNvPr id="0" name=""/>
-        <dsp:cNvSpPr/>
-      </dsp:nvSpPr>
-      <dsp:spPr>
-        <a:xfrm>
-          <a:off x="3907084" y="3538840"/>
-          <a:ext cx="659460" cy="521890"/>
-        </a:xfrm>
-        <a:prstGeom prst="chevron">
-          <a:avLst>
-            <a:gd name="adj" fmla="val 70610"/>
-          </a:avLst>
-        </a:prstGeom>
-        <a:solidFill>
-          <a:schemeClr val="accent1">
-            <a:hueOff val="0"/>
-            <a:satOff val="0"/>
-            <a:lumOff val="0"/>
-            <a:alphaOff val="0"/>
-          </a:schemeClr>
-        </a:solidFill>
-        <a:ln w="25400" cap="flat" cmpd="sng" algn="ctr">
-          <a:solidFill>
-            <a:schemeClr val="accent1">
-              <a:hueOff val="0"/>
-              <a:satOff val="0"/>
-              <a:lumOff val="0"/>
-              <a:alphaOff val="0"/>
-            </a:schemeClr>
-          </a:solidFill>
-          <a:prstDash val="solid"/>
-        </a:ln>
-        <a:effectLst/>
-      </dsp:spPr>
-      <dsp:style>
-        <a:lnRef idx="2">
-          <a:scrgbClr r="0" g="0" b="0"/>
-        </a:lnRef>
-        <a:fillRef idx="1">
-          <a:scrgbClr r="0" g="0" b="0"/>
-        </a:fillRef>
-        <a:effectRef idx="0">
-          <a:scrgbClr r="0" g="0" b="0"/>
-        </a:effectRef>
-        <a:fontRef idx="minor">
-          <a:schemeClr val="lt1"/>
-        </a:fontRef>
-      </dsp:style>
-    </dsp:sp>
-    <dsp:sp modelId="{243F7021-F529-47DB-A161-9E7681815F4A}">
-      <dsp:nvSpPr>
-        <dsp:cNvPr id="0" name=""/>
-        <dsp:cNvSpPr/>
-      </dsp:nvSpPr>
-      <dsp:spPr>
-        <a:xfrm>
-          <a:off x="1529454" y="3591029"/>
-          <a:ext cx="2854846" cy="417512"/>
-        </a:xfrm>
-        <a:prstGeom prst="rect">
-          <a:avLst/>
-        </a:prstGeom>
-        <a:solidFill>
-          <a:schemeClr val="lt1">
-            <a:hueOff val="0"/>
-            <a:satOff val="0"/>
-            <a:lumOff val="0"/>
-            <a:alphaOff val="0"/>
-          </a:schemeClr>
-        </a:solidFill>
-        <a:ln w="25400" cap="flat" cmpd="sng" algn="ctr">
-          <a:solidFill>
-            <a:schemeClr val="accent1">
-              <a:hueOff val="0"/>
-              <a:satOff val="0"/>
-              <a:lumOff val="0"/>
-              <a:alphaOff val="0"/>
-            </a:schemeClr>
-          </a:solidFill>
-          <a:prstDash val="solid"/>
-        </a:ln>
-        <a:effectLst/>
-      </dsp:spPr>
-      <dsp:style>
-        <a:lnRef idx="2">
-          <a:scrgbClr r="0" g="0" b="0"/>
-        </a:lnRef>
-        <a:fillRef idx="1">
-          <a:scrgbClr r="0" g="0" b="0"/>
-        </a:fillRef>
-        <a:effectRef idx="0">
-          <a:scrgbClr r="0" g="0" b="0"/>
-        </a:effectRef>
-        <a:fontRef idx="minor"/>
-      </dsp:style>
-      <dsp:txBody>
-        <a:bodyPr spcFirstLastPara="0" vert="horz" wrap="square" lIns="25400" tIns="25400" rIns="25400" bIns="25400" numCol="1" spcCol="1270" anchor="ctr" anchorCtr="0">
-          <a:noAutofit/>
-        </a:bodyPr>
-        <a:lstStyle/>
-        <a:p>
-          <a:pPr lvl="0" algn="l" defTabSz="444500">
-            <a:lnSpc>
-              <a:spcPct val="90000"/>
-            </a:lnSpc>
-            <a:spcBef>
-              <a:spcPct val="0"/>
-            </a:spcBef>
-            <a:spcAft>
-              <a:spcPct val="35000"/>
-            </a:spcAft>
-          </a:pPr>
-          <a:r>
-            <a:rPr lang="en-US" sz="1000" kern="1200" dirty="0" smtClean="0"/>
-            <a:t>Connections between vehicles may be lost. Difficult to ensure personal information</a:t>
-          </a:r>
-          <a:endParaRPr lang="en-US" sz="1000" kern="1200" dirty="0"/>
-        </a:p>
-      </dsp:txBody>
-      <dsp:txXfrm>
-        <a:off x="1529454" y="3591029"/>
-        <a:ext cx="2854846" cy="417512"/>
+      <dsp:txXfrm rot="5400000">
+        <a:off x="4943772" y="812800"/>
+        <a:ext cx="1148953" cy="2438400"/>
       </dsp:txXfrm>
     </dsp:sp>
   </dsp:spTree>
@@ -19471,42 +17272,54 @@
 </file>
 
 <file path=ppt/diagrams/layout2.xml><?xml version="1.0" encoding="utf-8"?>
-<dgm:layoutDef xmlns:dgm="http://schemas.openxmlformats.org/drawingml/2006/diagram" xmlns:a="http://schemas.openxmlformats.org/drawingml/2006/main" uniqueId="urn:microsoft.com/office/officeart/2008/layout/VerticalAccentList">
+<dgm:layoutDef xmlns:dgm="http://schemas.openxmlformats.org/drawingml/2006/diagram" xmlns:a="http://schemas.openxmlformats.org/drawingml/2006/main" uniqueId="urn:microsoft.com/office/officeart/2005/8/layout/hList6">
   <dgm:title val=""/>
   <dgm:desc val=""/>
   <dgm:catLst>
-    <dgm:cat type="list" pri="16500"/>
+    <dgm:cat type="list" pri="18000"/>
   </dgm:catLst>
   <dgm:sampData>
     <dgm:dataModel>
       <dgm:ptLst>
         <dgm:pt modelId="0" type="doc"/>
-        <dgm:pt modelId="10">
+        <dgm:pt modelId="1">
           <dgm:prSet phldr="1"/>
         </dgm:pt>
         <dgm:pt modelId="11">
           <dgm:prSet phldr="1"/>
         </dgm:pt>
-        <dgm:pt modelId="20">
+        <dgm:pt modelId="12">
+          <dgm:prSet phldr="1"/>
+        </dgm:pt>
+        <dgm:pt modelId="2">
           <dgm:prSet phldr="1"/>
         </dgm:pt>
         <dgm:pt modelId="21">
           <dgm:prSet phldr="1"/>
         </dgm:pt>
-        <dgm:pt modelId="30">
+        <dgm:pt modelId="22">
+          <dgm:prSet phldr="1"/>
+        </dgm:pt>
+        <dgm:pt modelId="3">
           <dgm:prSet phldr="1"/>
         </dgm:pt>
         <dgm:pt modelId="31">
           <dgm:prSet phldr="1"/>
         </dgm:pt>
+        <dgm:pt modelId="32">
+          <dgm:prSet phldr="1"/>
+        </dgm:pt>
       </dgm:ptLst>
       <dgm:cxnLst>
-        <dgm:cxn modelId="40" srcId="0" destId="10" srcOrd="0" destOrd="0"/>
-        <dgm:cxn modelId="12" srcId="10" destId="11" srcOrd="0" destOrd="0"/>
-        <dgm:cxn modelId="50" srcId="0" destId="20" srcOrd="1" destOrd="0"/>
-        <dgm:cxn modelId="22" srcId="20" destId="21" srcOrd="0" destOrd="0"/>
-        <dgm:cxn modelId="60" srcId="0" destId="30" srcOrd="2" destOrd="0"/>
-        <dgm:cxn modelId="32" srcId="30" destId="31" srcOrd="0" destOrd="0"/>
+        <dgm:cxn modelId="4" srcId="0" destId="1" srcOrd="0" destOrd="0"/>
+        <dgm:cxn modelId="5" srcId="0" destId="2" srcOrd="1" destOrd="0"/>
+        <dgm:cxn modelId="6" srcId="0" destId="3" srcOrd="2" destOrd="0"/>
+        <dgm:cxn modelId="13" srcId="1" destId="11" srcOrd="0" destOrd="0"/>
+        <dgm:cxn modelId="14" srcId="1" destId="12" srcOrd="1" destOrd="0"/>
+        <dgm:cxn modelId="23" srcId="2" destId="21" srcOrd="0" destOrd="0"/>
+        <dgm:cxn modelId="24" srcId="2" destId="22" srcOrd="1" destOrd="0"/>
+        <dgm:cxn modelId="33" srcId="3" destId="31" srcOrd="0" destOrd="0"/>
+        <dgm:cxn modelId="34" srcId="3" destId="32" srcOrd="1" destOrd="0"/>
       </dgm:cxnLst>
       <dgm:bg/>
       <dgm:whole/>
@@ -19516,32 +17329,16 @@
     <dgm:dataModel>
       <dgm:ptLst>
         <dgm:pt modelId="0" type="doc"/>
-        <dgm:pt modelId="10">
-          <dgm:prSet phldr="1"/>
-        </dgm:pt>
-        <dgm:pt modelId="11">
-          <dgm:prSet phldr="1"/>
-        </dgm:pt>
-        <dgm:pt modelId="20">
-          <dgm:prSet phldr="1"/>
-        </dgm:pt>
-        <dgm:pt modelId="21">
-          <dgm:prSet phldr="1"/>
-        </dgm:pt>
-        <dgm:pt modelId="30">
-          <dgm:prSet phldr="1"/>
-        </dgm:pt>
-        <dgm:pt modelId="31">
-          <dgm:prSet phldr="1"/>
-        </dgm:pt>
+        <dgm:pt modelId="1"/>
+        <dgm:pt modelId="11"/>
+        <dgm:pt modelId="2"/>
+        <dgm:pt modelId="21"/>
       </dgm:ptLst>
       <dgm:cxnLst>
-        <dgm:cxn modelId="40" srcId="0" destId="10" srcOrd="0" destOrd="0"/>
-        <dgm:cxn modelId="12" srcId="10" destId="11" srcOrd="0" destOrd="0"/>
-        <dgm:cxn modelId="50" srcId="0" destId="20" srcOrd="1" destOrd="0"/>
-        <dgm:cxn modelId="22" srcId="20" destId="21" srcOrd="0" destOrd="0"/>
-        <dgm:cxn modelId="60" srcId="0" destId="30" srcOrd="2" destOrd="0"/>
-        <dgm:cxn modelId="32" srcId="30" destId="31" srcOrd="0" destOrd="0"/>
+        <dgm:cxn modelId="4" srcId="0" destId="1" srcOrd="0" destOrd="0"/>
+        <dgm:cxn modelId="5" srcId="0" destId="2" srcOrd="1" destOrd="0"/>
+        <dgm:cxn modelId="13" srcId="1" destId="11" srcOrd="0" destOrd="0"/>
+        <dgm:cxn modelId="23" srcId="2" destId="21" srcOrd="0" destOrd="0"/>
       </dgm:cxnLst>
       <dgm:bg/>
       <dgm:whole/>
@@ -19551,32 +17348,24 @@
     <dgm:dataModel>
       <dgm:ptLst>
         <dgm:pt modelId="0" type="doc"/>
-        <dgm:pt modelId="10">
-          <dgm:prSet phldr="1"/>
-        </dgm:pt>
-        <dgm:pt modelId="11">
-          <dgm:prSet phldr="1"/>
-        </dgm:pt>
-        <dgm:pt modelId="20">
-          <dgm:prSet phldr="1"/>
-        </dgm:pt>
-        <dgm:pt modelId="21">
-          <dgm:prSet phldr="1"/>
-        </dgm:pt>
-        <dgm:pt modelId="30">
-          <dgm:prSet phldr="1"/>
-        </dgm:pt>
-        <dgm:pt modelId="31">
-          <dgm:prSet phldr="1"/>
-        </dgm:pt>
+        <dgm:pt modelId="1"/>
+        <dgm:pt modelId="11"/>
+        <dgm:pt modelId="2"/>
+        <dgm:pt modelId="21"/>
+        <dgm:pt modelId="3"/>
+        <dgm:pt modelId="31"/>
+        <dgm:pt modelId="4"/>
+        <dgm:pt modelId="41"/>
       </dgm:ptLst>
       <dgm:cxnLst>
-        <dgm:cxn modelId="40" srcId="0" destId="10" srcOrd="0" destOrd="0"/>
-        <dgm:cxn modelId="12" srcId="10" destId="11" srcOrd="0" destOrd="0"/>
-        <dgm:cxn modelId="50" srcId="0" destId="20" srcOrd="1" destOrd="0"/>
-        <dgm:cxn modelId="22" srcId="20" destId="21" srcOrd="0" destOrd="0"/>
-        <dgm:cxn modelId="60" srcId="0" destId="30" srcOrd="2" destOrd="0"/>
-        <dgm:cxn modelId="32" srcId="30" destId="31" srcOrd="0" destOrd="0"/>
+        <dgm:cxn modelId="5" srcId="0" destId="1" srcOrd="0" destOrd="0"/>
+        <dgm:cxn modelId="6" srcId="0" destId="2" srcOrd="1" destOrd="0"/>
+        <dgm:cxn modelId="7" srcId="0" destId="3" srcOrd="2" destOrd="0"/>
+        <dgm:cxn modelId="8" srcId="0" destId="4" srcOrd="3" destOrd="0"/>
+        <dgm:cxn modelId="13" srcId="1" destId="11" srcOrd="0" destOrd="0"/>
+        <dgm:cxn modelId="23" srcId="2" destId="21" srcOrd="0" destOrd="0"/>
+        <dgm:cxn modelId="33" srcId="3" destId="31" srcOrd="0" destOrd="0"/>
+        <dgm:cxn modelId="43" srcId="4" destId="41" srcOrd="0" destOrd="0"/>
       </dgm:cxnLst>
       <dgm:bg/>
       <dgm:whole/>
@@ -19584,457 +17373,69 @@
   </dgm:clrData>
   <dgm:layoutNode name="Name0">
     <dgm:varLst>
-      <dgm:chMax/>
-      <dgm:chPref/>
       <dgm:dir/>
+      <dgm:resizeHandles val="exact"/>
     </dgm:varLst>
     <dgm:choose name="Name1">
       <dgm:if name="Name2" func="var" arg="dir" op="equ" val="norm">
-        <dgm:alg type="lin">
-          <dgm:param type="linDir" val="fromT"/>
-          <dgm:param type="nodeHorzAlign" val="l"/>
-        </dgm:alg>
+        <dgm:alg type="lin"/>
       </dgm:if>
       <dgm:else name="Name3">
         <dgm:alg type="lin">
-          <dgm:param type="linDir" val="fromT"/>
-          <dgm:param type="nodeHorzAlign" val="r"/>
+          <dgm:param type="linDir" val="fromR"/>
         </dgm:alg>
       </dgm:else>
     </dgm:choose>
     <dgm:shape xmlns:r="http://schemas.openxmlformats.org/officeDocument/2006/relationships" r:blip="">
       <dgm:adjLst/>
     </dgm:shape>
+    <dgm:presOf/>
     <dgm:constrLst>
-      <dgm:constr type="primFontSz" for="des" forName="parenttext" refType="primFontSz" refFor="des" refForName="childtext" op="gte"/>
-      <dgm:constr type="w" for="ch" forName="composite" refType="w"/>
-      <dgm:constr type="h" for="ch" forName="composite" refType="h"/>
-      <dgm:constr type="w" for="ch" forName="parallelogramComposite" refType="w"/>
-      <dgm:constr type="h" for="ch" forName="parallelogramComposite" refType="h"/>
-      <dgm:constr type="w" for="ch" forName="parenttextcomposite" refType="w" fact="0.9"/>
-      <dgm:constr type="h" for="ch" forName="parenttextcomposite" refType="h" fact="0.6"/>
-      <dgm:constr type="h" for="ch" forName="sibTrans" refType="h" refFor="ch" refForName="composite" op="equ" fact="0.02"/>
-      <dgm:constr type="h" for="ch" forName="sibTrans" op="equ"/>
+      <dgm:constr type="h" for="ch" ptType="node" refType="h"/>
+      <dgm:constr type="w" for="ch" ptType="node" refType="w"/>
+      <dgm:constr type="primFontSz" for="ch" ptType="node" op="equ"/>
+      <dgm:constr type="w" for="ch" forName="sibTrans" refType="w" fact="0.075"/>
     </dgm:constrLst>
+    <dgm:ruleLst/>
     <dgm:forEach name="nodesForEach" axis="ch" ptType="node">
-      <dgm:layoutNode name="parenttextcomposite">
-        <dgm:alg type="composite">
-          <dgm:param type="ar" val="11"/>
-        </dgm:alg>
-        <dgm:shape xmlns:r="http://schemas.openxmlformats.org/officeDocument/2006/relationships" r:blip="">
-          <dgm:adjLst/>
-        </dgm:shape>
-        <dgm:constrLst>
-          <dgm:constr type="h" for="ch" forName="parenttext" refType="h"/>
-          <dgm:constr type="w" for="ch" forName="parenttext" refType="w"/>
-        </dgm:constrLst>
-        <dgm:layoutNode name="parenttext" styleLbl="revTx">
-          <dgm:varLst>
-            <dgm:chMax/>
-            <dgm:chPref val="2"/>
-            <dgm:bulletEnabled val="1"/>
-          </dgm:varLst>
-          <dgm:choose name="Name4">
-            <dgm:if name="Name5" func="var" arg="dir" op="equ" val="norm">
-              <dgm:alg type="tx">
-                <dgm:param type="parTxLTRAlign" val="l"/>
-                <dgm:param type="txAnchorVert" val="b"/>
-              </dgm:alg>
-            </dgm:if>
-            <dgm:else name="Name6">
-              <dgm:alg type="tx">
-                <dgm:param type="parTxLTRAlign" val="r"/>
-                <dgm:param type="txAnchorVert" val="b"/>
-              </dgm:alg>
-            </dgm:else>
-          </dgm:choose>
-          <dgm:shape xmlns:r="http://schemas.openxmlformats.org/officeDocument/2006/relationships" type="rect" r:blip="">
-            <dgm:adjLst/>
-          </dgm:shape>
-          <dgm:presOf axis="self" ptType="node"/>
-          <dgm:constrLst>
-            <dgm:constr type="lMarg" refType="primFontSz" fact="0.3"/>
-            <dgm:constr type="rMarg" refType="primFontSz" fact="0.3"/>
-            <dgm:constr type="tMarg" refType="primFontSz" fact="0.3"/>
-            <dgm:constr type="bMarg" refType="primFontSz" fact="0.3"/>
-          </dgm:constrLst>
-          <dgm:ruleLst>
-            <dgm:rule type="primFontSz" val="5" fact="NaN" max="NaN"/>
-          </dgm:ruleLst>
-        </dgm:layoutNode>
-      </dgm:layoutNode>
-      <dgm:choose name="Name7">
-        <dgm:if name="Name8" axis="ch" ptType="node" func="cnt" op="gte" val="1">
-          <dgm:layoutNode name="composite">
-            <dgm:alg type="composite">
-              <dgm:param type="ar" val="6"/>
-            </dgm:alg>
-            <dgm:shape xmlns:r="http://schemas.openxmlformats.org/officeDocument/2006/relationships" r:blip="">
+      <dgm:layoutNode name="node">
+        <dgm:varLst>
+          <dgm:bulletEnabled val="1"/>
+        </dgm:varLst>
+        <dgm:alg type="tx"/>
+        <dgm:choose name="Name4">
+          <dgm:if name="Name5" func="var" arg="dir" op="equ" val="norm">
+            <dgm:shape xmlns:r="http://schemas.openxmlformats.org/officeDocument/2006/relationships" rot="-90" type="flowChartManualOperation" r:blip="">
               <dgm:adjLst/>
             </dgm:shape>
-            <dgm:choose name="Name9">
-              <dgm:if name="Name10" func="var" arg="dir" op="equ" val="norm">
-                <dgm:constrLst>
-                  <dgm:constr type="l" for="ch" forName="chevron1" refType="w" fact="0.0301"/>
-                  <dgm:constr type="t" for="ch" forName="chevron1" refType="h" fact="0"/>
-                  <dgm:constr type="w" for="ch" forName="chevron1" refType="w" fact="0.2106"/>
-                  <dgm:constr type="h" for="ch" forName="chevron1" refType="h"/>
-                  <dgm:constr type="l" for="ch" forName="chevron2" refType="w" fact="0.1566"/>
-                  <dgm:constr type="t" for="ch" forName="chevron2" refType="h" fact="0"/>
-                  <dgm:constr type="w" for="ch" forName="chevron2" refType="w" fact="0.2106"/>
-                  <dgm:constr type="h" for="ch" forName="chevron2" refType="h"/>
-                  <dgm:constr type="l" for="ch" forName="chevron3" refType="w" fact="0.2832"/>
-                  <dgm:constr type="t" for="ch" forName="chevron3" refType="h" fact="0"/>
-                  <dgm:constr type="w" for="ch" forName="chevron3" refType="w" fact="0.2106"/>
-                  <dgm:constr type="h" for="ch" forName="chevron3" refType="h"/>
-                  <dgm:constr type="l" for="ch" forName="chevron4" refType="w" fact="0.4097"/>
-                  <dgm:constr type="t" for="ch" forName="chevron4" refType="h" fact="0"/>
-                  <dgm:constr type="w" for="ch" forName="chevron4" refType="w" fact="0.2106"/>
-                  <dgm:constr type="h" for="ch" forName="chevron4" refType="h"/>
-                  <dgm:constr type="l" for="ch" forName="chevron5" refType="w" fact="0.5363"/>
-                  <dgm:constr type="t" for="ch" forName="chevron5" refType="h" fact="0"/>
-                  <dgm:constr type="w" for="ch" forName="chevron5" refType="w" fact="0.2106"/>
-                  <dgm:constr type="h" for="ch" forName="chevron5" refType="h"/>
-                  <dgm:constr type="l" for="ch" forName="chevron6" refType="w" fact="0.6628"/>
-                  <dgm:constr type="t" for="ch" forName="chevron6" refType="h" fact="0"/>
-                  <dgm:constr type="w" for="ch" forName="chevron6" refType="w" fact="0.2106"/>
-                  <dgm:constr type="h" for="ch" forName="chevron6" refType="h"/>
-                  <dgm:constr type="l" for="ch" forName="chevron7" refType="w" fact="0.7894"/>
-                  <dgm:constr type="t" for="ch" forName="chevron7" refType="h" fact="0"/>
-                  <dgm:constr type="w" for="ch" forName="chevron7" refType="w" fact="0.2106"/>
-                  <dgm:constr type="h" for="ch" forName="chevron7" refType="h"/>
-                  <dgm:constr type="l" for="ch" forName="childtext" refType="w" fact="0.0301"/>
-                  <dgm:constr type="t" for="ch" forName="childtext" refType="h" fact="0.1"/>
-                  <dgm:constr type="w" for="ch" forName="childtext" refType="w" fact="0.9117"/>
-                  <dgm:constr type="h" for="ch" forName="childtext" refType="h" fact="0.8"/>
-                </dgm:constrLst>
-              </dgm:if>
-              <dgm:else name="Name11">
-                <dgm:constrLst>
-                  <dgm:constr type="l" for="ch" forName="chevron1" refType="w" fact="0.0301"/>
-                  <dgm:constr type="t" for="ch" forName="chevron1" refType="h" fact="0"/>
-                  <dgm:constr type="w" for="ch" forName="chevron1" refType="w" fact="0.2106"/>
-                  <dgm:constr type="h" for="ch" forName="chevron1" refType="h"/>
-                  <dgm:constr type="l" for="ch" forName="chevron2" refType="w" fact="0.1566"/>
-                  <dgm:constr type="t" for="ch" forName="chevron2" refType="h" fact="0"/>
-                  <dgm:constr type="w" for="ch" forName="chevron2" refType="w" fact="0.2106"/>
-                  <dgm:constr type="h" for="ch" forName="chevron2" refType="h"/>
-                  <dgm:constr type="l" for="ch" forName="chevron3" refType="w" fact="0.2832"/>
-                  <dgm:constr type="t" for="ch" forName="chevron3" refType="h" fact="0"/>
-                  <dgm:constr type="w" for="ch" forName="chevron3" refType="w" fact="0.2106"/>
-                  <dgm:constr type="h" for="ch" forName="chevron3" refType="h"/>
-                  <dgm:constr type="l" for="ch" forName="chevron4" refType="w" fact="0.4097"/>
-                  <dgm:constr type="t" for="ch" forName="chevron4" refType="h" fact="0"/>
-                  <dgm:constr type="w" for="ch" forName="chevron4" refType="w" fact="0.2106"/>
-                  <dgm:constr type="h" for="ch" forName="chevron4" refType="h"/>
-                  <dgm:constr type="l" for="ch" forName="chevron5" refType="w" fact="0.5363"/>
-                  <dgm:constr type="t" for="ch" forName="chevron5" refType="h" fact="0"/>
-                  <dgm:constr type="w" for="ch" forName="chevron5" refType="w" fact="0.2106"/>
-                  <dgm:constr type="h" for="ch" forName="chevron5" refType="h"/>
-                  <dgm:constr type="l" for="ch" forName="chevron6" refType="w" fact="0.6628"/>
-                  <dgm:constr type="t" for="ch" forName="chevron6" refType="h" fact="0"/>
-                  <dgm:constr type="w" for="ch" forName="chevron6" refType="w" fact="0.2106"/>
-                  <dgm:constr type="h" for="ch" forName="chevron6" refType="h"/>
-                  <dgm:constr type="l" for="ch" forName="chevron7" refType="w" fact="0.7894"/>
-                  <dgm:constr type="t" for="ch" forName="chevron7" refType="h" fact="0"/>
-                  <dgm:constr type="w" for="ch" forName="chevron7" refType="w" fact="0.2106"/>
-                  <dgm:constr type="h" for="ch" forName="chevron7" refType="h"/>
-                  <dgm:constr type="l" for="ch" forName="childtext" refType="w" fact="0.0883"/>
-                  <dgm:constr type="t" for="ch" forName="childtext" refType="h" fact="0.1"/>
-                  <dgm:constr type="w" for="ch" forName="childtext" refType="w" fact="0.9117"/>
-                  <dgm:constr type="h" for="ch" forName="childtext" refType="h" fact="0.8"/>
-                </dgm:constrLst>
-              </dgm:else>
-            </dgm:choose>
-            <dgm:ruleLst/>
-            <dgm:layoutNode name="chevron1" styleLbl="alignNode1">
-              <dgm:alg type="sp"/>
-              <dgm:choose name="Name12">
-                <dgm:if name="Name13" func="var" arg="dir" op="equ" val="norm">
-                  <dgm:shape xmlns:r="http://schemas.openxmlformats.org/officeDocument/2006/relationships" type="chevron" r:blip="">
-                    <dgm:adjLst>
-                      <dgm:adj idx="1" val="0.7061"/>
-                    </dgm:adjLst>
-                  </dgm:shape>
-                </dgm:if>
-                <dgm:else name="Name14">
-                  <dgm:shape xmlns:r="http://schemas.openxmlformats.org/officeDocument/2006/relationships" rot="180" type="chevron" r:blip="">
-                    <dgm:adjLst>
-                      <dgm:adj idx="1" val="0.7061"/>
-                    </dgm:adjLst>
-                  </dgm:shape>
-                </dgm:else>
-              </dgm:choose>
-              <dgm:presOf/>
-            </dgm:layoutNode>
-            <dgm:layoutNode name="chevron2" styleLbl="alignNode1">
-              <dgm:alg type="sp"/>
-              <dgm:choose name="Name15">
-                <dgm:if name="Name16" func="var" arg="dir" op="equ" val="norm">
-                  <dgm:shape xmlns:r="http://schemas.openxmlformats.org/officeDocument/2006/relationships" type="chevron" r:blip="">
-                    <dgm:adjLst>
-                      <dgm:adj idx="1" val="0.7061"/>
-                    </dgm:adjLst>
-                  </dgm:shape>
-                </dgm:if>
-                <dgm:else name="Name17">
-                  <dgm:shape xmlns:r="http://schemas.openxmlformats.org/officeDocument/2006/relationships" rot="180" type="chevron" r:blip="">
-                    <dgm:adjLst>
-                      <dgm:adj idx="1" val="0.7061"/>
-                    </dgm:adjLst>
-                  </dgm:shape>
-                </dgm:else>
-              </dgm:choose>
-              <dgm:presOf/>
-            </dgm:layoutNode>
-            <dgm:layoutNode name="chevron3" styleLbl="alignNode1">
-              <dgm:alg type="sp"/>
-              <dgm:choose name="Name18">
-                <dgm:if name="Name19" func="var" arg="dir" op="equ" val="norm">
-                  <dgm:shape xmlns:r="http://schemas.openxmlformats.org/officeDocument/2006/relationships" type="chevron" r:blip="">
-                    <dgm:adjLst>
-                      <dgm:adj idx="1" val="0.7061"/>
-                    </dgm:adjLst>
-                  </dgm:shape>
-                </dgm:if>
-                <dgm:else name="Name20">
-                  <dgm:shape xmlns:r="http://schemas.openxmlformats.org/officeDocument/2006/relationships" rot="180" type="chevron" r:blip="">
-                    <dgm:adjLst>
-                      <dgm:adj idx="1" val="0.7061"/>
-                    </dgm:adjLst>
-                  </dgm:shape>
-                </dgm:else>
-              </dgm:choose>
-              <dgm:presOf/>
-            </dgm:layoutNode>
-            <dgm:layoutNode name="chevron4" styleLbl="alignNode1">
-              <dgm:alg type="sp"/>
-              <dgm:choose name="Name21">
-                <dgm:if name="Name22" func="var" arg="dir" op="equ" val="norm">
-                  <dgm:shape xmlns:r="http://schemas.openxmlformats.org/officeDocument/2006/relationships" type="chevron" r:blip="">
-                    <dgm:adjLst>
-                      <dgm:adj idx="1" val="0.7061"/>
-                    </dgm:adjLst>
-                  </dgm:shape>
-                </dgm:if>
-                <dgm:else name="Name23">
-                  <dgm:shape xmlns:r="http://schemas.openxmlformats.org/officeDocument/2006/relationships" rot="180" type="chevron" r:blip="">
-                    <dgm:adjLst>
-                      <dgm:adj idx="1" val="0.7061"/>
-                    </dgm:adjLst>
-                  </dgm:shape>
-                </dgm:else>
-              </dgm:choose>
-              <dgm:presOf/>
-            </dgm:layoutNode>
-            <dgm:layoutNode name="chevron5" styleLbl="alignNode1">
-              <dgm:alg type="sp"/>
-              <dgm:choose name="Name24">
-                <dgm:if name="Name25" func="var" arg="dir" op="equ" val="norm">
-                  <dgm:shape xmlns:r="http://schemas.openxmlformats.org/officeDocument/2006/relationships" type="chevron" r:blip="">
-                    <dgm:adjLst>
-                      <dgm:adj idx="1" val="0.7061"/>
-                    </dgm:adjLst>
-                  </dgm:shape>
-                </dgm:if>
-                <dgm:else name="Name26">
-                  <dgm:shape xmlns:r="http://schemas.openxmlformats.org/officeDocument/2006/relationships" rot="180" type="chevron" r:blip="">
-                    <dgm:adjLst>
-                      <dgm:adj idx="1" val="0.7061"/>
-                    </dgm:adjLst>
-                  </dgm:shape>
-                </dgm:else>
-              </dgm:choose>
-              <dgm:presOf/>
-            </dgm:layoutNode>
-            <dgm:layoutNode name="chevron6" styleLbl="alignNode1">
-              <dgm:alg type="sp"/>
-              <dgm:choose name="Name27">
-                <dgm:if name="Name28" func="var" arg="dir" op="equ" val="norm">
-                  <dgm:shape xmlns:r="http://schemas.openxmlformats.org/officeDocument/2006/relationships" type="chevron" r:blip="">
-                    <dgm:adjLst>
-                      <dgm:adj idx="1" val="0.7061"/>
-                    </dgm:adjLst>
-                  </dgm:shape>
-                </dgm:if>
-                <dgm:else name="Name29">
-                  <dgm:shape xmlns:r="http://schemas.openxmlformats.org/officeDocument/2006/relationships" rot="180" type="chevron" r:blip="">
-                    <dgm:adjLst>
-                      <dgm:adj idx="1" val="0.7061"/>
-                    </dgm:adjLst>
-                  </dgm:shape>
-                </dgm:else>
-              </dgm:choose>
-              <dgm:presOf/>
-            </dgm:layoutNode>
-            <dgm:layoutNode name="chevron7" styleLbl="alignNode1">
-              <dgm:alg type="sp"/>
-              <dgm:choose name="Name30">
-                <dgm:if name="Name31" func="var" arg="dir" op="equ" val="norm">
-                  <dgm:shape xmlns:r="http://schemas.openxmlformats.org/officeDocument/2006/relationships" type="chevron" r:blip="">
-                    <dgm:adjLst>
-                      <dgm:adj idx="1" val="0.7061"/>
-                    </dgm:adjLst>
-                  </dgm:shape>
-                </dgm:if>
-                <dgm:else name="Name32">
-                  <dgm:shape xmlns:r="http://schemas.openxmlformats.org/officeDocument/2006/relationships" rot="180" type="chevron" r:blip="">
-                    <dgm:adjLst>
-                      <dgm:adj idx="1" val="0.7061"/>
-                    </dgm:adjLst>
-                  </dgm:shape>
-                </dgm:else>
-              </dgm:choose>
-              <dgm:presOf/>
-            </dgm:layoutNode>
-            <dgm:layoutNode name="childtext" styleLbl="solidFgAcc1">
-              <dgm:varLst>
-                <dgm:chMax/>
-                <dgm:chPref val="0"/>
-                <dgm:bulletEnabled val="1"/>
-              </dgm:varLst>
-              <dgm:choose name="Name33">
-                <dgm:if name="Name34" func="var" arg="dir" op="equ" val="norm">
-                  <dgm:alg type="tx">
-                    <dgm:param type="parTxLTRAlign" val="l"/>
-                    <dgm:param type="txAnchorVertCh" val="t"/>
-                  </dgm:alg>
-                </dgm:if>
-                <dgm:else name="Name35">
-                  <dgm:alg type="tx">
-                    <dgm:param type="parTxLTRAlign" val="r"/>
-                    <dgm:param type="shpTxLTRAlignCh" val="r"/>
-                    <dgm:param type="txAnchorVertCh" val="t"/>
-                  </dgm:alg>
-                </dgm:else>
-              </dgm:choose>
-              <dgm:shape xmlns:r="http://schemas.openxmlformats.org/officeDocument/2006/relationships" type="rect" r:blip="">
-                <dgm:adjLst/>
-              </dgm:shape>
-              <dgm:presOf axis="des" ptType="node"/>
-              <dgm:constrLst>
-                <dgm:constr type="lMarg" refType="primFontSz" fact="0.2"/>
-                <dgm:constr type="rMarg" refType="primFontSz" fact="0.2"/>
-                <dgm:constr type="tMarg" refType="primFontSz" fact="0.2"/>
-                <dgm:constr type="bMarg" refType="primFontSz" fact="0.2"/>
-              </dgm:constrLst>
-              <dgm:ruleLst>
-                <dgm:rule type="primFontSz" val="5" fact="NaN" max="NaN"/>
-              </dgm:ruleLst>
-            </dgm:layoutNode>
-          </dgm:layoutNode>
-        </dgm:if>
-        <dgm:else name="Name36">
-          <dgm:layoutNode name="parallelogramComposite">
-            <dgm:alg type="composite">
-              <dgm:param type="ar" val="50"/>
-            </dgm:alg>
-            <dgm:shape xmlns:r="http://schemas.openxmlformats.org/officeDocument/2006/relationships" r:blip="">
+          </dgm:if>
+          <dgm:else name="Name6">
+            <dgm:shape xmlns:r="http://schemas.openxmlformats.org/officeDocument/2006/relationships" rot="90" type="flowChartManualOperation" r:blip="">
               <dgm:adjLst/>
             </dgm:shape>
-            <dgm:constrLst>
-              <dgm:constr type="l" for="ch" forName="parallelogram1" refType="w" fact="0"/>
-              <dgm:constr type="t" for="ch" forName="parallelogram1" refType="h" fact="0"/>
-              <dgm:constr type="w" for="ch" forName="parallelogram1" refType="w" fact="0.12"/>
-              <dgm:constr type="h" for="ch" forName="parallelogram1" refType="h"/>
-              <dgm:constr type="l" for="ch" forName="parallelogram2" refType="w" fact="0.127"/>
-              <dgm:constr type="t" for="ch" forName="parallelogram2" refType="h" fact="0"/>
-              <dgm:constr type="w" for="ch" forName="parallelogram2" refType="w" fact="0.12"/>
-              <dgm:constr type="h" for="ch" forName="parallelogram2" refType="h"/>
-              <dgm:constr type="l" for="ch" forName="parallelogram3" refType="w" fact="0.254"/>
-              <dgm:constr type="t" for="ch" forName="parallelogram3" refType="h" fact="0"/>
-              <dgm:constr type="w" for="ch" forName="parallelogram3" refType="w" fact="0.12"/>
-              <dgm:constr type="h" for="ch" forName="parallelogram3" refType="h"/>
-              <dgm:constr type="l" for="ch" forName="parallelogram4" refType="w" fact="0.381"/>
-              <dgm:constr type="t" for="ch" forName="parallelogram4" refType="h" fact="0"/>
-              <dgm:constr type="w" for="ch" forName="parallelogram4" refType="w" fact="0.12"/>
-              <dgm:constr type="h" for="ch" forName="parallelogram4" refType="h"/>
-              <dgm:constr type="l" for="ch" forName="parallelogram5" refType="w" fact="0.508"/>
-              <dgm:constr type="t" for="ch" forName="parallelogram5" refType="h" fact="0"/>
-              <dgm:constr type="w" for="ch" forName="parallelogram5" refType="w" fact="0.12"/>
-              <dgm:constr type="h" for="ch" forName="parallelogram5" refType="h"/>
-              <dgm:constr type="l" for="ch" forName="parallelogram6" refType="w" fact="0.635"/>
-              <dgm:constr type="t" for="ch" forName="parallelogram6" refType="h" fact="0"/>
-              <dgm:constr type="w" for="ch" forName="parallelogram6" refType="w" fact="0.12"/>
-              <dgm:constr type="h" for="ch" forName="parallelogram6" refType="h"/>
-              <dgm:constr type="l" for="ch" forName="parallelogram7" refType="w" fact="0.762"/>
-              <dgm:constr type="t" for="ch" forName="parallelogram7" refType="h" fact="0"/>
-              <dgm:constr type="w" for="ch" forName="parallelogram7" refType="w" fact="0.12"/>
-              <dgm:constr type="h" for="ch" forName="parallelogram7" refType="h"/>
-            </dgm:constrLst>
-            <dgm:ruleLst/>
-            <dgm:layoutNode name="parallelogram1" styleLbl="alignNode1">
-              <dgm:alg type="sp"/>
-              <dgm:shape xmlns:r="http://schemas.openxmlformats.org/officeDocument/2006/relationships" type="parallelogram" r:blip="">
-                <dgm:adjLst>
-                  <dgm:adj idx="1" val="1.4084"/>
-                </dgm:adjLst>
-              </dgm:shape>
-              <dgm:presOf/>
-            </dgm:layoutNode>
-            <dgm:layoutNode name="parallelogram2" styleLbl="alignNode1">
-              <dgm:alg type="sp"/>
-              <dgm:shape xmlns:r="http://schemas.openxmlformats.org/officeDocument/2006/relationships" type="parallelogram" r:blip="">
-                <dgm:adjLst>
-                  <dgm:adj idx="1" val="1.4084"/>
-                </dgm:adjLst>
-              </dgm:shape>
-              <dgm:presOf/>
-            </dgm:layoutNode>
-            <dgm:layoutNode name="parallelogram3" styleLbl="alignNode1">
-              <dgm:alg type="sp"/>
-              <dgm:shape xmlns:r="http://schemas.openxmlformats.org/officeDocument/2006/relationships" type="parallelogram" r:blip="">
-                <dgm:adjLst>
-                  <dgm:adj idx="1" val="1.4084"/>
-                </dgm:adjLst>
-              </dgm:shape>
-              <dgm:presOf/>
-            </dgm:layoutNode>
-            <dgm:layoutNode name="parallelogram4" styleLbl="alignNode1">
-              <dgm:alg type="sp"/>
-              <dgm:shape xmlns:r="http://schemas.openxmlformats.org/officeDocument/2006/relationships" type="parallelogram" r:blip="">
-                <dgm:adjLst>
-                  <dgm:adj idx="1" val="1.4084"/>
-                </dgm:adjLst>
-              </dgm:shape>
-              <dgm:presOf/>
-            </dgm:layoutNode>
-            <dgm:layoutNode name="parallelogram5" styleLbl="alignNode1">
-              <dgm:alg type="sp"/>
-              <dgm:shape xmlns:r="http://schemas.openxmlformats.org/officeDocument/2006/relationships" type="parallelogram" r:blip="">
-                <dgm:adjLst>
-                  <dgm:adj idx="1" val="1.4084"/>
-                </dgm:adjLst>
-              </dgm:shape>
-              <dgm:presOf/>
-            </dgm:layoutNode>
-            <dgm:layoutNode name="parallelogram6" styleLbl="alignNode1">
-              <dgm:alg type="sp"/>
-              <dgm:shape xmlns:r="http://schemas.openxmlformats.org/officeDocument/2006/relationships" type="parallelogram" r:blip="">
-                <dgm:adjLst>
-                  <dgm:adj idx="1" val="1.4084"/>
-                </dgm:adjLst>
-              </dgm:shape>
-              <dgm:presOf/>
-            </dgm:layoutNode>
-            <dgm:layoutNode name="parallelogram7" styleLbl="alignNode1">
-              <dgm:alg type="sp"/>
-              <dgm:shape xmlns:r="http://schemas.openxmlformats.org/officeDocument/2006/relationships" type="parallelogram" r:blip="">
-                <dgm:adjLst>
-                  <dgm:adj idx="1" val="1.4084"/>
-                </dgm:adjLst>
-              </dgm:shape>
-              <dgm:presOf/>
-            </dgm:layoutNode>
-          </dgm:layoutNode>
-        </dgm:else>
-      </dgm:choose>
+          </dgm:else>
+        </dgm:choose>
+        <dgm:presOf axis="desOrSelf" ptType="node"/>
+        <dgm:constrLst>
+          <dgm:constr type="primFontSz" val="65"/>
+          <dgm:constr type="tMarg"/>
+          <dgm:constr type="bMarg"/>
+          <dgm:constr type="lMarg" refType="primFontSz" fact="0.5"/>
+          <dgm:constr type="rMarg" refType="lMarg"/>
+        </dgm:constrLst>
+        <dgm:ruleLst>
+          <dgm:rule type="primFontSz" val="5" fact="NaN" max="NaN"/>
+        </dgm:ruleLst>
+      </dgm:layoutNode>
       <dgm:forEach name="sibTransForEach" axis="followSib" ptType="sibTrans" cnt="1">
         <dgm:layoutNode name="sibTrans">
           <dgm:alg type="sp"/>
           <dgm:shape xmlns:r="http://schemas.openxmlformats.org/officeDocument/2006/relationships" r:blip="">
             <dgm:adjLst/>
           </dgm:shape>
+          <dgm:presOf/>
+          <dgm:constrLst/>
+          <dgm:ruleLst/>
         </dgm:layoutNode>
       </dgm:forEach>
     </dgm:forEach>
@@ -34353,7 +31754,7 @@
           <a:p>
             <a:fld id="{84609AE4-484B-4B89-89F3-053C254DA5B2}" type="datetimeFigureOut">
               <a:rPr lang="en-US" smtClean="0"/>
-              <a:t>5/11/2021</a:t>
+              <a:t>5/21/2021</a:t>
             </a:fld>
             <a:endParaRPr lang="en-US"/>
           </a:p>
@@ -35014,7 +32415,7 @@
           <a:p>
             <a:fld id="{A55773B3-33DE-4A15-BC6C-A1D5B67BEEDB}" type="datetime1">
               <a:rPr lang="en-US" smtClean="0"/>
-              <a:t>5/11/2021</a:t>
+              <a:t>5/21/2021</a:t>
             </a:fld>
             <a:endParaRPr lang="en-US"/>
           </a:p>
@@ -35647,7 +33048,7 @@
           <a:p>
             <a:fld id="{6D859C49-42A8-46A1-94FF-6626B86D475B}" type="datetime1">
               <a:rPr lang="en-US" smtClean="0"/>
-              <a:t>5/11/2021</a:t>
+              <a:t>5/21/2021</a:t>
             </a:fld>
             <a:endParaRPr lang="en-US"/>
           </a:p>
@@ -35924,7 +33325,7 @@
           <a:p>
             <a:fld id="{B4CFCD8D-0640-4019-B1FD-79AFECEBD757}" type="datetime1">
               <a:rPr lang="en-US" smtClean="0"/>
-              <a:t>5/11/2021</a:t>
+              <a:t>5/21/2021</a:t>
             </a:fld>
             <a:endParaRPr lang="en-US"/>
           </a:p>
@@ -36089,7 +33490,7 @@
           <a:p>
             <a:fld id="{E76517D4-A42B-4686-92D5-98E8C7CFAC05}" type="datetime1">
               <a:rPr lang="en-US" smtClean="0"/>
-              <a:t>5/11/2021</a:t>
+              <a:t>5/21/2021</a:t>
             </a:fld>
             <a:endParaRPr lang="en-US"/>
           </a:p>
@@ -36270,7 +33671,7 @@
           <a:p>
             <a:fld id="{2D46FDAA-2F93-41D4-B7BF-3E78C0A5109B}" type="datetime1">
               <a:rPr lang="en-US" smtClean="0"/>
-              <a:t>5/11/2021</a:t>
+              <a:t>5/21/2021</a:t>
             </a:fld>
             <a:endParaRPr lang="en-US"/>
           </a:p>
@@ -36915,7 +34316,7 @@
           <a:p>
             <a:fld id="{42E5A629-84F0-4AF9-B25B-05BA0B8ED8EC}" type="datetime1">
               <a:rPr lang="en-US" smtClean="0"/>
-              <a:t>5/11/2021</a:t>
+              <a:t>5/21/2021</a:t>
             </a:fld>
             <a:endParaRPr lang="en-US"/>
           </a:p>
@@ -37341,7 +34742,7 @@
           <a:p>
             <a:fld id="{43F30F44-7E76-4DEC-BF74-343B6FE4C558}" type="datetime1">
               <a:rPr lang="en-US" smtClean="0"/>
-              <a:t>5/11/2021</a:t>
+              <a:t>5/21/2021</a:t>
             </a:fld>
             <a:endParaRPr lang="en-US"/>
           </a:p>
@@ -37454,7 +34855,7 @@
           <a:p>
             <a:fld id="{12FC52F1-993F-43C9-9876-B849C15CE954}" type="datetime1">
               <a:rPr lang="en-US" smtClean="0"/>
-              <a:t>5/11/2021</a:t>
+              <a:t>5/21/2021</a:t>
             </a:fld>
             <a:endParaRPr lang="en-US"/>
           </a:p>
@@ -37635,7 +35036,7 @@
           <a:p>
             <a:fld id="{CCF4E643-50C5-4263-8742-5F86F787AE52}" type="datetime1">
               <a:rPr lang="en-US" smtClean="0"/>
-              <a:t>5/11/2021</a:t>
+              <a:t>5/21/2021</a:t>
             </a:fld>
             <a:endParaRPr lang="en-US"/>
           </a:p>
@@ -37901,7 +35302,7 @@
           <a:p>
             <a:fld id="{CF7BEA01-2294-4CA0-BD6F-948F1567C605}" type="datetime1">
               <a:rPr lang="en-US" smtClean="0"/>
-              <a:t>5/11/2021</a:t>
+              <a:t>5/21/2021</a:t>
             </a:fld>
             <a:endParaRPr lang="en-US"/>
           </a:p>
@@ -38371,7 +35772,7 @@
           <a:p>
             <a:fld id="{EAE24E66-6E95-49D0-AE30-661C014016E1}" type="datetime1">
               <a:rPr lang="en-US" smtClean="0"/>
-              <a:t>5/11/2021</a:t>
+              <a:t>5/21/2021</a:t>
             </a:fld>
             <a:endParaRPr lang="en-US"/>
           </a:p>
@@ -38931,7 +36332,7 @@
           <a:p>
             <a:fld id="{3B121856-B8E1-4B94-A2E8-6A8AA4183215}" type="datetime1">
               <a:rPr lang="en-US" smtClean="0"/>
-              <a:t>5/11/2021</a:t>
+              <a:t>5/21/2021</a:t>
             </a:fld>
             <a:endParaRPr lang="en-US"/>
           </a:p>
@@ -39503,10 +36904,138 @@
           <a:lstStyle/>
           <a:p>
             <a:r>
-              <a:rPr lang="en-US" dirty="0" smtClean="0"/>
-              <a:t>VANET</a:t>
+              <a:rPr lang="en-US" sz="2400" dirty="0"/>
+              <a:t>Integrating big data and blockchain technologies for securing data collected in </a:t>
             </a:r>
-            <a:endParaRPr lang="en-US" dirty="0"/>
+            <a:r>
+              <a:rPr lang="en-US" sz="2400" dirty="0" err="1"/>
+              <a:t>vanet</a:t>
+            </a:r>
+            <a:endParaRPr lang="en-US" sz="2400" dirty="0"/>
+          </a:p>
+        </p:txBody>
+      </p:sp>
+      <p:pic>
+        <p:nvPicPr>
+          <p:cNvPr id="5" name="Picture 4"/>
+          <p:cNvPicPr>
+            <a:picLocks noChangeAspect="1"/>
+          </p:cNvPicPr>
+          <p:nvPr/>
+        </p:nvPicPr>
+        <p:blipFill>
+          <a:blip r:embed="rId2" cstate="print">
+            <a:extLst>
+              <a:ext uri="{28A0092B-C50C-407E-A947-70E740481C1C}">
+                <a14:useLocalDpi xmlns:a14="http://schemas.microsoft.com/office/drawing/2010/main" val="0"/>
+              </a:ext>
+            </a:extLst>
+          </a:blip>
+          <a:stretch>
+            <a:fillRect/>
+          </a:stretch>
+        </p:blipFill>
+        <p:spPr>
+          <a:xfrm>
+            <a:off x="6248400" y="228600"/>
+            <a:ext cx="2324100" cy="1643035"/>
+          </a:xfrm>
+          <a:prstGeom prst="rect">
+            <a:avLst/>
+          </a:prstGeom>
+        </p:spPr>
+      </p:pic>
+      <p:pic>
+        <p:nvPicPr>
+          <p:cNvPr id="6" name="Picture 5"/>
+          <p:cNvPicPr>
+            <a:picLocks noChangeAspect="1"/>
+          </p:cNvPicPr>
+          <p:nvPr/>
+        </p:nvPicPr>
+        <p:blipFill rotWithShape="1">
+          <a:blip r:embed="rId3" cstate="print">
+            <a:extLst>
+              <a:ext uri="{28A0092B-C50C-407E-A947-70E740481C1C}">
+                <a14:useLocalDpi xmlns:a14="http://schemas.microsoft.com/office/drawing/2010/main" val="0"/>
+              </a:ext>
+            </a:extLst>
+          </a:blip>
+          <a:srcRect l="14738" t="5179" r="12865" b="9422"/>
+          <a:stretch/>
+        </p:blipFill>
+        <p:spPr>
+          <a:xfrm>
+            <a:off x="609600" y="228599"/>
+            <a:ext cx="1427648" cy="1643035"/>
+          </a:xfrm>
+          <a:prstGeom prst="rect">
+            <a:avLst/>
+          </a:prstGeom>
+        </p:spPr>
+      </p:pic>
+      <p:sp>
+        <p:nvSpPr>
+          <p:cNvPr id="7" name="TextBox 6"/>
+          <p:cNvSpPr txBox="1"/>
+          <p:nvPr/>
+        </p:nvSpPr>
+        <p:spPr>
+          <a:xfrm>
+            <a:off x="3733800" y="6172200"/>
+            <a:ext cx="1287532" cy="369332"/>
+          </a:xfrm>
+          <a:prstGeom prst="rect">
+            <a:avLst/>
+          </a:prstGeom>
+          <a:noFill/>
+        </p:spPr>
+        <p:txBody>
+          <a:bodyPr wrap="none" rtlCol="0">
+            <a:spAutoFit/>
+          </a:bodyPr>
+          <a:lstStyle/>
+          <a:p>
+            <a:pPr algn="ctr"/>
+            <a:r>
+              <a:rPr lang="en-US" dirty="0" smtClean="0">
+                <a:ln w="18415" cmpd="sng">
+                  <a:solidFill>
+                    <a:sysClr val="windowText" lastClr="000000"/>
+                  </a:solidFill>
+                  <a:prstDash val="solid"/>
+                </a:ln>
+                <a:solidFill>
+                  <a:sysClr val="windowText" lastClr="000000"/>
+                </a:solidFill>
+                <a:effectLst>
+                  <a:outerShdw blurRad="63500" dir="3600000" algn="tl" rotWithShape="0">
+                    <a:srgbClr val="000000">
+                      <a:alpha val="70000"/>
+                    </a:srgbClr>
+                  </a:outerShdw>
+                </a:effectLst>
+              </a:rPr>
+              <a:t>2020-2021</a:t>
+            </a:r>
+            <a:endParaRPr lang="en-US" dirty="0">
+              <a:ln w="18415" cmpd="sng">
+                <a:solidFill>
+                  <a:sysClr val="windowText" lastClr="000000"/>
+                </a:solidFill>
+                <a:prstDash val="solid"/>
+              </a:ln>
+              <a:solidFill>
+                <a:sysClr val="windowText" lastClr="000000"/>
+              </a:solidFill>
+              <a:effectLst>
+                <a:outerShdw blurRad="63500" dir="3600000" algn="tl" rotWithShape="0">
+                  <a:srgbClr val="000000">
+                    <a:alpha val="70000"/>
+                  </a:srgbClr>
+                </a:outerShdw>
+              </a:effectLst>
+            </a:endParaRPr>
           </a:p>
         </p:txBody>
       </p:sp>
@@ -40295,7 +37824,7 @@
           <p:nvPr>
             <p:extLst>
               <p:ext uri="{D42A27DB-BD31-4B8C-83A1-F6EECF244321}">
-                <p14:modId xmlns:p14="http://schemas.microsoft.com/office/powerpoint/2010/main" val="2551075238"/>
+                <p14:modId xmlns:p14="http://schemas.microsoft.com/office/powerpoint/2010/main" val="373731791"/>
               </p:ext>
             </p:extLst>
           </p:nvPr>
@@ -40703,7 +38232,15 @@
           <a:p>
             <a:r>
               <a:rPr lang="en-US" dirty="0" smtClean="0"/>
-              <a:t>VANET Applications</a:t>
+              <a:t>VANET </a:t>
+            </a:r>
+            <a:r>
+              <a:rPr lang="en-US" dirty="0" smtClean="0"/>
+              <a:t>Applications </a:t>
+            </a:r>
+            <a:r>
+              <a:rPr lang="en-US" sz="2800" dirty="0" smtClean="0"/>
+              <a:t>(1/3)</a:t>
             </a:r>
             <a:endParaRPr lang="en-US" dirty="0"/>
           </a:p>
@@ -40804,9 +38341,21 @@
           <a:p>
             <a:r>
               <a:rPr lang="en-US" dirty="0" smtClean="0"/>
-              <a:t>VANET Applications</a:t>
+              <a:t>VANET </a:t>
             </a:r>
-            <a:endParaRPr lang="en-US" dirty="0"/>
+            <a:r>
+              <a:rPr lang="en-US" dirty="0" smtClean="0"/>
+              <a:t>Applications </a:t>
+            </a:r>
+            <a:r>
+              <a:rPr lang="en-US" sz="2800" dirty="0" smtClean="0"/>
+              <a:t>(2/3</a:t>
+            </a:r>
+            <a:r>
+              <a:rPr lang="en-US" sz="2800" dirty="0"/>
+              <a:t>)</a:t>
+            </a:r>
+            <a:endParaRPr lang="en-US" sz="2800" dirty="0"/>
           </a:p>
         </p:txBody>
       </p:sp>
@@ -40905,9 +38454,21 @@
           <a:p>
             <a:r>
               <a:rPr lang="en-US" dirty="0" smtClean="0"/>
-              <a:t>VANET Applications</a:t>
+              <a:t>VANET </a:t>
             </a:r>
-            <a:endParaRPr lang="en-US" dirty="0"/>
+            <a:r>
+              <a:rPr lang="en-US" dirty="0" smtClean="0"/>
+              <a:t>Applications </a:t>
+            </a:r>
+            <a:r>
+              <a:rPr lang="en-US" sz="2800" dirty="0" smtClean="0"/>
+              <a:t>(3/3</a:t>
+            </a:r>
+            <a:r>
+              <a:rPr lang="en-US" sz="2800" dirty="0"/>
+              <a:t>)</a:t>
+            </a:r>
+            <a:endParaRPr lang="en-US" sz="2800" dirty="0"/>
           </a:p>
         </p:txBody>
       </p:sp>
@@ -41064,11 +38625,7 @@
             </a:pPr>
             <a:r>
               <a:rPr lang="en-US" dirty="0" smtClean="0"/>
-              <a:t>Environmental Impact: VANET uses electromagnetic waves for </a:t>
-            </a:r>
-            <a:r>
-              <a:rPr lang="en-US" dirty="0" smtClean="0"/>
-              <a:t>communication</a:t>
+              <a:t>Environmental Impact: VANET uses electromagnetic waves for communication</a:t>
             </a:r>
           </a:p>
           <a:p>
